--- a/utilities_help/FlowChart.pptx
+++ b/utilities_help/FlowChart.pptx
@@ -141,6 +141,11 @@
             <a:srgbClr val="A4A3A4"/>
           </p15:clr>
         </p15:guide>
+        <p15:guide id="2" pos="2160">
+          <p15:clr>
+            <a:srgbClr val="A4A3A4"/>
+          </p15:clr>
+        </p15:guide>
       </p15:sldGuideLst>
     </p:ext>
   </p:extLst>
@@ -278,7 +283,7 @@
           <a:p>
             <a:fld id="{A60568F7-DEA3-421D-BEA9-5A2A5BF9A649}" type="datetimeFigureOut">
               <a:rPr lang="it-IT" smtClean="0"/>
-              <a:t>03/10/2016</a:t>
+              <a:t>04/10/2016</a:t>
             </a:fld>
             <a:endParaRPr lang="it-IT"/>
           </a:p>
@@ -448,7 +453,7 @@
           <a:p>
             <a:fld id="{A60568F7-DEA3-421D-BEA9-5A2A5BF9A649}" type="datetimeFigureOut">
               <a:rPr lang="it-IT" smtClean="0"/>
-              <a:t>03/10/2016</a:t>
+              <a:t>04/10/2016</a:t>
             </a:fld>
             <a:endParaRPr lang="it-IT"/>
           </a:p>
@@ -628,7 +633,7 @@
           <a:p>
             <a:fld id="{A60568F7-DEA3-421D-BEA9-5A2A5BF9A649}" type="datetimeFigureOut">
               <a:rPr lang="it-IT" smtClean="0"/>
-              <a:t>03/10/2016</a:t>
+              <a:t>04/10/2016</a:t>
             </a:fld>
             <a:endParaRPr lang="it-IT"/>
           </a:p>
@@ -798,7 +803,7 @@
           <a:p>
             <a:fld id="{A60568F7-DEA3-421D-BEA9-5A2A5BF9A649}" type="datetimeFigureOut">
               <a:rPr lang="it-IT" smtClean="0"/>
-              <a:t>03/10/2016</a:t>
+              <a:t>04/10/2016</a:t>
             </a:fld>
             <a:endParaRPr lang="it-IT"/>
           </a:p>
@@ -1042,7 +1047,7 @@
           <a:p>
             <a:fld id="{A60568F7-DEA3-421D-BEA9-5A2A5BF9A649}" type="datetimeFigureOut">
               <a:rPr lang="it-IT" smtClean="0"/>
-              <a:t>03/10/2016</a:t>
+              <a:t>04/10/2016</a:t>
             </a:fld>
             <a:endParaRPr lang="it-IT"/>
           </a:p>
@@ -1274,7 +1279,7 @@
           <a:p>
             <a:fld id="{A60568F7-DEA3-421D-BEA9-5A2A5BF9A649}" type="datetimeFigureOut">
               <a:rPr lang="it-IT" smtClean="0"/>
-              <a:t>03/10/2016</a:t>
+              <a:t>04/10/2016</a:t>
             </a:fld>
             <a:endParaRPr lang="it-IT"/>
           </a:p>
@@ -1641,7 +1646,7 @@
           <a:p>
             <a:fld id="{A60568F7-DEA3-421D-BEA9-5A2A5BF9A649}" type="datetimeFigureOut">
               <a:rPr lang="it-IT" smtClean="0"/>
-              <a:t>03/10/2016</a:t>
+              <a:t>04/10/2016</a:t>
             </a:fld>
             <a:endParaRPr lang="it-IT"/>
           </a:p>
@@ -1759,7 +1764,7 @@
           <a:p>
             <a:fld id="{A60568F7-DEA3-421D-BEA9-5A2A5BF9A649}" type="datetimeFigureOut">
               <a:rPr lang="it-IT" smtClean="0"/>
-              <a:t>03/10/2016</a:t>
+              <a:t>04/10/2016</a:t>
             </a:fld>
             <a:endParaRPr lang="it-IT"/>
           </a:p>
@@ -1854,7 +1859,7 @@
           <a:p>
             <a:fld id="{A60568F7-DEA3-421D-BEA9-5A2A5BF9A649}" type="datetimeFigureOut">
               <a:rPr lang="it-IT" smtClean="0"/>
-              <a:t>03/10/2016</a:t>
+              <a:t>04/10/2016</a:t>
             </a:fld>
             <a:endParaRPr lang="it-IT"/>
           </a:p>
@@ -2131,7 +2136,7 @@
           <a:p>
             <a:fld id="{A60568F7-DEA3-421D-BEA9-5A2A5BF9A649}" type="datetimeFigureOut">
               <a:rPr lang="it-IT" smtClean="0"/>
-              <a:t>03/10/2016</a:t>
+              <a:t>04/10/2016</a:t>
             </a:fld>
             <a:endParaRPr lang="it-IT"/>
           </a:p>
@@ -2388,7 +2393,7 @@
           <a:p>
             <a:fld id="{A60568F7-DEA3-421D-BEA9-5A2A5BF9A649}" type="datetimeFigureOut">
               <a:rPr lang="it-IT" smtClean="0"/>
-              <a:t>03/10/2016</a:t>
+              <a:t>04/10/2016</a:t>
             </a:fld>
             <a:endParaRPr lang="it-IT"/>
           </a:p>
@@ -2601,7 +2606,7 @@
           <a:p>
             <a:fld id="{A60568F7-DEA3-421D-BEA9-5A2A5BF9A649}" type="datetimeFigureOut">
               <a:rPr lang="it-IT" smtClean="0"/>
-              <a:t>03/10/2016</a:t>
+              <a:t>04/10/2016</a:t>
             </a:fld>
             <a:endParaRPr lang="it-IT"/>
           </a:p>
@@ -4513,8 +4518,8 @@
         </p:nvSpPr>
         <p:spPr>
           <a:xfrm>
-            <a:off x="471489" y="2434167"/>
-            <a:ext cx="5915025" cy="5801784"/>
+            <a:off x="109963" y="2434167"/>
+            <a:ext cx="6638078" cy="5801784"/>
           </a:xfrm>
         </p:spPr>
         <p:txBody>
@@ -5308,7 +5313,7 @@
         </p:spPr>
         <p:txBody>
           <a:bodyPr>
-            <a:normAutofit/>
+            <a:normAutofit fontScale="90000"/>
           </a:bodyPr>
           <a:lstStyle/>
           <a:p>
@@ -5318,7 +5323,11 @@
             </a:r>
             <a:r>
               <a:rPr lang="it-IT" dirty="0" smtClean="0"/>
-              <a:t> a </a:t>
+              <a:t> </a:t>
+            </a:r>
+            <a:r>
+              <a:rPr lang="it-IT" dirty="0" smtClean="0"/>
+              <a:t>of a </a:t>
             </a:r>
             <a:r>
               <a:rPr lang="it-IT" dirty="0" err="1" smtClean="0"/>
@@ -5377,8 +5386,16 @@
               <a:t> </a:t>
             </a:r>
             <a:r>
-              <a:rPr lang="it-IT" sz="3200" dirty="0" err="1"/>
+              <a:rPr lang="it-IT" dirty="0" smtClean="0"/>
+              <a:t>«</a:t>
+            </a:r>
+            <a:r>
+              <a:rPr lang="it-IT" sz="3200" dirty="0" err="1" smtClean="0"/>
               <a:t>removeextraspacesLF.m</a:t>
+            </a:r>
+            <a:r>
+              <a:rPr lang="it-IT" sz="3200" dirty="0" smtClean="0"/>
+              <a:t>»</a:t>
             </a:r>
             <a:endParaRPr lang="it-IT" dirty="0"/>
           </a:p>
@@ -5784,12 +5801,8 @@
           </a:p>
           <a:p>
             <a:r>
-              <a:rPr lang="it-IT" dirty="0" err="1" smtClean="0"/>
-              <a:t>REMARKs</a:t>
-            </a:r>
-            <a:r>
-              <a:rPr lang="it-IT" dirty="0" smtClean="0"/>
-              <a:t>: </a:t>
+              <a:rPr lang="it-IT" dirty="0" smtClean="0"/>
+              <a:t>REMARK: </a:t>
             </a:r>
             <a:r>
               <a:rPr lang="it-IT" dirty="0"/>
@@ -6088,8 +6101,16 @@
               <a:t>File </a:t>
             </a:r>
             <a:r>
+              <a:rPr lang="it-IT" dirty="0" smtClean="0"/>
+              <a:t>«</a:t>
+            </a:r>
+            <a:r>
               <a:rPr lang="it-IT" dirty="0" err="1" smtClean="0"/>
               <a:t>xmlreadFS.m</a:t>
+            </a:r>
+            <a:r>
+              <a:rPr lang="it-IT" dirty="0" smtClean="0"/>
+              <a:t>»</a:t>
             </a:r>
             <a:endParaRPr lang="it-IT" dirty="0"/>
           </a:p>
@@ -8500,7 +8521,7 @@
         </p:blipFill>
         <p:spPr>
           <a:xfrm>
-            <a:off x="0" y="1466581"/>
+            <a:off x="0" y="1640202"/>
             <a:ext cx="6919560" cy="6210838"/>
           </a:xfrm>
           <a:prstGeom prst="rect">
@@ -8724,7 +8745,11 @@
             </a:r>
             <a:r>
               <a:rPr lang="it-IT" dirty="0" smtClean="0"/>
-              <a:t> to XML </a:t>
+              <a:t> to </a:t>
+            </a:r>
+            <a:r>
+              <a:rPr lang="it-IT" dirty="0" smtClean="0"/>
+              <a:t>XML» </a:t>
             </a:r>
             <a:r>
               <a:rPr lang="it-IT" dirty="0" err="1" smtClean="0"/>
@@ -9173,11 +9198,7 @@
             </a:r>
             <a:r>
               <a:rPr lang="en-US" dirty="0"/>
-              <a:t>This </a:t>
-            </a:r>
-            <a:r>
-              <a:rPr lang="en-US" dirty="0"/>
-              <a:t>function not only does text wrapping, but also enables us:</a:t>
+              <a:t>This function not only does text wrapping, but also enables us:</a:t>
             </a:r>
           </a:p>
           <a:p>
@@ -14297,15 +14318,7 @@
           <a:p>
             <a:r>
               <a:rPr lang="it-IT" b="1" dirty="0" err="1"/>
-              <a:t>o</a:t>
-            </a:r>
-            <a:r>
-              <a:rPr lang="it-IT" b="1" dirty="0" err="1"/>
-              <a:t>ut.d</a:t>
-            </a:r>
-            <a:r>
-              <a:rPr lang="it-IT" b="1" dirty="0" err="1"/>
-              <a:t>escription</a:t>
+              <a:t>out.description</a:t>
             </a:r>
             <a:r>
               <a:rPr lang="it-IT" dirty="0" smtClean="0"/>
@@ -14421,7 +14434,236 @@
           <a:p>
             <a:r>
               <a:rPr lang="it-IT" b="1" dirty="0" err="1"/>
-              <a:t>out.OutArgs:</a:t>
+              <a:t>out.OutArgs</a:t>
+            </a:r>
+            <a:r>
+              <a:rPr lang="it-IT" b="1" dirty="0" smtClean="0"/>
+              <a:t>: </a:t>
+            </a:r>
+            <a:r>
+              <a:rPr lang="it-IT" dirty="0" err="1" smtClean="0"/>
+              <a:t>cell</a:t>
+            </a:r>
+            <a:r>
+              <a:rPr lang="it-IT" dirty="0" smtClean="0"/>
+              <a:t> </a:t>
+            </a:r>
+            <a:r>
+              <a:rPr lang="it-IT" dirty="0"/>
+              <a:t>of </a:t>
+            </a:r>
+            <a:r>
+              <a:rPr lang="it-IT" dirty="0" err="1"/>
+              <a:t>size</a:t>
+            </a:r>
+            <a:r>
+              <a:rPr lang="it-IT" dirty="0"/>
+              <a:t> d</a:t>
+            </a:r>
+            <a:r>
+              <a:rPr lang="it-IT" dirty="0" smtClean="0"/>
+              <a:t>×8 </a:t>
+            </a:r>
+            <a:r>
+              <a:rPr lang="it-IT" dirty="0"/>
+              <a:t>with </a:t>
+            </a:r>
+            <a:r>
+              <a:rPr lang="it-IT" dirty="0" smtClean="0"/>
+              <a:t>«Output </a:t>
+            </a:r>
+            <a:r>
+              <a:rPr lang="it-IT" dirty="0" err="1" smtClean="0"/>
+              <a:t>Arguments</a:t>
+            </a:r>
+            <a:r>
+              <a:rPr lang="it-IT" dirty="0"/>
+              <a:t>» </a:t>
+            </a:r>
+          </a:p>
+          <a:p>
+            <a:r>
+              <a:rPr lang="it-IT" b="1" dirty="0" err="1"/>
+              <a:t>out.MoreAbout</a:t>
+            </a:r>
+            <a:r>
+              <a:rPr lang="it-IT" dirty="0" smtClean="0"/>
+              <a:t>: </a:t>
+            </a:r>
+            <a:r>
+              <a:rPr lang="it-IT" dirty="0" err="1" smtClean="0"/>
+              <a:t>string</a:t>
+            </a:r>
+            <a:r>
+              <a:rPr lang="it-IT" dirty="0" smtClean="0"/>
+              <a:t> with </a:t>
+            </a:r>
+            <a:r>
+              <a:rPr lang="it-IT" dirty="0" err="1" smtClean="0"/>
+              <a:t>additional</a:t>
+            </a:r>
+            <a:r>
+              <a:rPr lang="it-IT" dirty="0" smtClean="0"/>
+              <a:t> </a:t>
+            </a:r>
+            <a:r>
+              <a:rPr lang="it-IT" dirty="0" err="1" smtClean="0"/>
+              <a:t>theoretical</a:t>
+            </a:r>
+            <a:r>
+              <a:rPr lang="it-IT" dirty="0" smtClean="0"/>
+              <a:t> </a:t>
+            </a:r>
+            <a:r>
+              <a:rPr lang="it-IT" dirty="0" err="1" smtClean="0"/>
+              <a:t>details</a:t>
+            </a:r>
+            <a:endParaRPr lang="it-IT" dirty="0" smtClean="0"/>
+          </a:p>
+          <a:p>
+            <a:r>
+              <a:rPr lang="it-IT" b="1" dirty="0" err="1"/>
+              <a:t>out.Acknowledgements</a:t>
+            </a:r>
+            <a:r>
+              <a:rPr lang="it-IT" dirty="0" smtClean="0"/>
+              <a:t>: </a:t>
+            </a:r>
+            <a:r>
+              <a:rPr lang="it-IT" dirty="0" err="1" smtClean="0"/>
+              <a:t>string</a:t>
+            </a:r>
+            <a:r>
+              <a:rPr lang="it-IT" dirty="0" smtClean="0"/>
+              <a:t> with </a:t>
+            </a:r>
+            <a:r>
+              <a:rPr lang="it-IT" dirty="0" err="1" smtClean="0"/>
+              <a:t>acknowledgements</a:t>
+            </a:r>
+            <a:endParaRPr lang="it-IT" dirty="0" smtClean="0"/>
+          </a:p>
+          <a:p>
+            <a:r>
+              <a:rPr lang="it-IT" b="1" dirty="0" err="1"/>
+              <a:t>out.References</a:t>
+            </a:r>
+            <a:r>
+              <a:rPr lang="it-IT" b="1" dirty="0"/>
+              <a:t>: </a:t>
+            </a:r>
+            <a:r>
+              <a:rPr lang="it-IT" dirty="0" err="1" smtClean="0"/>
+              <a:t>cell</a:t>
+            </a:r>
+            <a:r>
+              <a:rPr lang="it-IT" dirty="0" smtClean="0"/>
+              <a:t> of </a:t>
+            </a:r>
+            <a:r>
+              <a:rPr lang="it-IT" dirty="0" err="1" smtClean="0"/>
+              <a:t>size</a:t>
+            </a:r>
+            <a:r>
+              <a:rPr lang="it-IT" dirty="0" smtClean="0"/>
+              <a:t> f×1 with the </a:t>
+            </a:r>
+            <a:r>
+              <a:rPr lang="it-IT" dirty="0" err="1" smtClean="0"/>
+              <a:t>references</a:t>
+            </a:r>
+            <a:endParaRPr lang="it-IT" dirty="0" smtClean="0"/>
+          </a:p>
+          <a:p>
+            <a:r>
+              <a:rPr lang="it-IT" b="1" dirty="0" err="1"/>
+              <a:t>out.SeeAlso</a:t>
+            </a:r>
+            <a:r>
+              <a:rPr lang="it-IT" b="1" dirty="0"/>
+              <a:t>:</a:t>
+            </a:r>
+            <a:r>
+              <a:rPr lang="it-IT" dirty="0" smtClean="0"/>
+              <a:t> </a:t>
+            </a:r>
+            <a:r>
+              <a:rPr lang="it-IT" dirty="0" err="1" smtClean="0"/>
+              <a:t>cell</a:t>
+            </a:r>
+            <a:r>
+              <a:rPr lang="it-IT" dirty="0" smtClean="0"/>
+              <a:t> of </a:t>
+            </a:r>
+            <a:r>
+              <a:rPr lang="it-IT" dirty="0" err="1" smtClean="0"/>
+              <a:t>size</a:t>
+            </a:r>
+            <a:r>
+              <a:rPr lang="it-IT" dirty="0" smtClean="0"/>
+              <a:t> gx1 with </a:t>
+            </a:r>
+            <a:r>
+              <a:rPr lang="it-IT" dirty="0" err="1" smtClean="0"/>
+              <a:t>connected</a:t>
+            </a:r>
+            <a:r>
+              <a:rPr lang="it-IT" dirty="0" smtClean="0"/>
+              <a:t> MATLAB </a:t>
+            </a:r>
+            <a:r>
+              <a:rPr lang="it-IT" dirty="0" err="1" smtClean="0"/>
+              <a:t>files</a:t>
+            </a:r>
+            <a:endParaRPr lang="it-IT" dirty="0" smtClean="0"/>
+          </a:p>
+          <a:p>
+            <a:r>
+              <a:rPr lang="it-IT" b="1" dirty="0" err="1"/>
+              <a:t>out.Ex</a:t>
+            </a:r>
+            <a:r>
+              <a:rPr lang="it-IT" dirty="0" smtClean="0"/>
+              <a:t>: </a:t>
+            </a:r>
+            <a:r>
+              <a:rPr lang="it-IT" dirty="0" err="1" smtClean="0"/>
+              <a:t>cell</a:t>
+            </a:r>
+            <a:r>
+              <a:rPr lang="it-IT" dirty="0" smtClean="0"/>
+              <a:t> of </a:t>
+            </a:r>
+            <a:r>
+              <a:rPr lang="it-IT" dirty="0" err="1" smtClean="0"/>
+              <a:t>size</a:t>
+            </a:r>
+            <a:r>
+              <a:rPr lang="it-IT" dirty="0" smtClean="0"/>
+              <a:t> hx1 with </a:t>
+            </a:r>
+            <a:r>
+              <a:rPr lang="it-IT" dirty="0" err="1" smtClean="0"/>
+              <a:t>Examples</a:t>
+            </a:r>
+            <a:r>
+              <a:rPr lang="it-IT" dirty="0" smtClean="0"/>
+              <a:t> </a:t>
+            </a:r>
+            <a:endParaRPr lang="it-IT" dirty="0"/>
+          </a:p>
+          <a:p>
+            <a:r>
+              <a:rPr lang="it-IT" b="1" dirty="0" err="1"/>
+              <a:t>out.ExtraEx</a:t>
+            </a:r>
+            <a:r>
+              <a:rPr lang="it-IT" b="1" dirty="0"/>
+              <a:t>:</a:t>
+            </a:r>
+            <a:r>
+              <a:rPr lang="it-IT" dirty="0" smtClean="0"/>
+              <a:t> </a:t>
             </a:r>
             <a:r>
               <a:rPr lang="it-IT" dirty="0" err="1"/>
@@ -14437,11 +14679,11 @@
             </a:r>
             <a:r>
               <a:rPr lang="it-IT" dirty="0"/>
-              <a:t> d</a:t>
-            </a:r>
-            <a:r>
-              <a:rPr lang="it-IT" dirty="0" smtClean="0"/>
-              <a:t>×8 </a:t>
+              <a:t> </a:t>
+            </a:r>
+            <a:r>
+              <a:rPr lang="it-IT" dirty="0" smtClean="0"/>
+              <a:t>lx1 </a:t>
             </a:r>
             <a:r>
               <a:rPr lang="it-IT" dirty="0"/>
@@ -14449,21 +14691,22 @@
             </a:r>
             <a:r>
               <a:rPr lang="it-IT" dirty="0" smtClean="0"/>
-              <a:t>«Output </a:t>
-            </a:r>
-            <a:r>
-              <a:rPr lang="it-IT" dirty="0" err="1" smtClean="0"/>
-              <a:t>Arguments</a:t>
-            </a:r>
-            <a:r>
-              <a:rPr lang="it-IT" dirty="0"/>
-              <a:t>» </a:t>
-            </a:r>
-          </a:p>
-          <a:p>
+              <a:t>Extra </a:t>
+            </a:r>
+            <a:r>
+              <a:rPr lang="it-IT" dirty="0" err="1" smtClean="0"/>
+              <a:t>Examples</a:t>
+            </a:r>
+            <a:endParaRPr lang="it-IT" dirty="0" smtClean="0"/>
+          </a:p>
+          <a:p>
+            <a:r>
+              <a:rPr lang="it-IT" b="1" dirty="0"/>
+              <a:t>out. </a:t>
+            </a:r>
             <a:r>
               <a:rPr lang="it-IT" b="1" dirty="0" err="1"/>
-              <a:t>out.MoreAbout</a:t>
+              <a:t>InpArgsMisMatch</a:t>
             </a:r>
             <a:r>
               <a:rPr lang="it-IT" dirty="0" smtClean="0"/>
@@ -14471,15 +14714,7 @@
             </a:r>
             <a:r>
               <a:rPr lang="it-IT" dirty="0" err="1" smtClean="0"/>
-              <a:t>string</a:t>
-            </a:r>
-            <a:r>
-              <a:rPr lang="it-IT" dirty="0" smtClean="0"/>
-              <a:t> with </a:t>
-            </a:r>
-            <a:r>
-              <a:rPr lang="it-IT" dirty="0" err="1" smtClean="0"/>
-              <a:t>additional</a:t>
+              <a:t>eventual</a:t>
             </a:r>
             <a:r>
               <a:rPr lang="it-IT" dirty="0" smtClean="0"/>
@@ -14487,258 +14722,36 @@
             </a:r>
             <a:r>
               <a:rPr lang="it-IT" dirty="0" err="1" smtClean="0"/>
-              <a:t>theoretical</a:t>
-            </a:r>
-            <a:r>
-              <a:rPr lang="it-IT" dirty="0" smtClean="0"/>
-              <a:t> </a:t>
-            </a:r>
-            <a:r>
-              <a:rPr lang="it-IT" dirty="0" err="1" smtClean="0"/>
-              <a:t>details</a:t>
+              <a:t>mismatch</a:t>
+            </a:r>
+            <a:r>
+              <a:rPr lang="it-IT" dirty="0" smtClean="0"/>
+              <a:t> in </a:t>
+            </a:r>
+            <a:r>
+              <a:rPr lang="it-IT" dirty="0" err="1" smtClean="0"/>
+              <a:t>InpArgs</a:t>
             </a:r>
             <a:endParaRPr lang="it-IT" dirty="0" smtClean="0"/>
           </a:p>
           <a:p>
             <a:r>
               <a:rPr lang="it-IT" b="1" dirty="0" err="1"/>
-              <a:t>out.Acknowledgements</a:t>
+              <a:t>out.OutArgsStructMisMatch</a:t>
             </a:r>
             <a:r>
               <a:rPr lang="it-IT" dirty="0" smtClean="0"/>
               <a:t>: </a:t>
             </a:r>
             <a:r>
-              <a:rPr lang="it-IT" dirty="0" err="1" smtClean="0"/>
-              <a:t>string</a:t>
-            </a:r>
-            <a:r>
-              <a:rPr lang="it-IT" dirty="0" smtClean="0"/>
-              <a:t> with </a:t>
-            </a:r>
-            <a:r>
-              <a:rPr lang="it-IT" dirty="0" err="1" smtClean="0"/>
-              <a:t>acknowledgements</a:t>
-            </a:r>
-            <a:endParaRPr lang="it-IT" dirty="0" smtClean="0"/>
-          </a:p>
-          <a:p>
-            <a:r>
-              <a:rPr lang="it-IT" b="1" dirty="0" err="1"/>
-              <a:t>out.References</a:t>
-            </a:r>
-            <a:r>
-              <a:rPr lang="it-IT" b="1" dirty="0"/>
-              <a:t>: </a:t>
-            </a:r>
-            <a:r>
-              <a:rPr lang="it-IT" dirty="0" err="1" smtClean="0"/>
-              <a:t>cell</a:t>
-            </a:r>
-            <a:r>
-              <a:rPr lang="it-IT" dirty="0" smtClean="0"/>
-              <a:t> of </a:t>
-            </a:r>
-            <a:r>
-              <a:rPr lang="it-IT" dirty="0" err="1" smtClean="0"/>
-              <a:t>size</a:t>
-            </a:r>
-            <a:r>
-              <a:rPr lang="it-IT" dirty="0" smtClean="0"/>
-              <a:t> f×1 with the </a:t>
-            </a:r>
-            <a:r>
-              <a:rPr lang="it-IT" dirty="0" err="1" smtClean="0"/>
-              <a:t>references</a:t>
-            </a:r>
-            <a:endParaRPr lang="it-IT" dirty="0" smtClean="0"/>
-          </a:p>
-          <a:p>
-            <a:r>
-              <a:rPr lang="it-IT" b="1" dirty="0" err="1"/>
-              <a:t>out.SeeAlso</a:t>
-            </a:r>
-            <a:r>
-              <a:rPr lang="it-IT" b="1" dirty="0"/>
-              <a:t>:</a:t>
-            </a:r>
-            <a:r>
-              <a:rPr lang="it-IT" dirty="0" smtClean="0"/>
-              <a:t> </a:t>
-            </a:r>
-            <a:r>
-              <a:rPr lang="it-IT" dirty="0" err="1" smtClean="0"/>
-              <a:t>cell</a:t>
-            </a:r>
-            <a:r>
-              <a:rPr lang="it-IT" dirty="0" smtClean="0"/>
-              <a:t> of </a:t>
-            </a:r>
-            <a:r>
-              <a:rPr lang="it-IT" dirty="0" err="1" smtClean="0"/>
-              <a:t>size</a:t>
-            </a:r>
-            <a:r>
-              <a:rPr lang="it-IT" dirty="0" smtClean="0"/>
-              <a:t> gx1 with </a:t>
-            </a:r>
-            <a:r>
-              <a:rPr lang="it-IT" dirty="0" err="1" smtClean="0"/>
-              <a:t>connected</a:t>
-            </a:r>
-            <a:r>
-              <a:rPr lang="it-IT" dirty="0" smtClean="0"/>
-              <a:t> MATLAB </a:t>
-            </a:r>
-            <a:r>
-              <a:rPr lang="it-IT" dirty="0" err="1" smtClean="0"/>
-              <a:t>files</a:t>
-            </a:r>
-            <a:endParaRPr lang="it-IT" dirty="0" smtClean="0"/>
-          </a:p>
-          <a:p>
-            <a:r>
-              <a:rPr lang="it-IT" b="1" dirty="0" err="1"/>
-              <a:t>o</a:t>
-            </a:r>
-            <a:r>
-              <a:rPr lang="it-IT" b="1" dirty="0" err="1"/>
-              <a:t>ut.Ex</a:t>
-            </a:r>
-            <a:r>
-              <a:rPr lang="it-IT" dirty="0" smtClean="0"/>
-              <a:t>: </a:t>
-            </a:r>
-            <a:r>
-              <a:rPr lang="it-IT" dirty="0" err="1" smtClean="0"/>
-              <a:t>cell</a:t>
-            </a:r>
-            <a:r>
-              <a:rPr lang="it-IT" dirty="0" smtClean="0"/>
-              <a:t> of </a:t>
-            </a:r>
-            <a:r>
-              <a:rPr lang="it-IT" dirty="0" err="1" smtClean="0"/>
-              <a:t>size</a:t>
-            </a:r>
-            <a:r>
-              <a:rPr lang="it-IT" dirty="0" smtClean="0"/>
-              <a:t> hx1 with </a:t>
-            </a:r>
-            <a:r>
-              <a:rPr lang="it-IT" dirty="0" err="1" smtClean="0"/>
-              <a:t>Examples</a:t>
-            </a:r>
-            <a:r>
-              <a:rPr lang="it-IT" dirty="0" smtClean="0"/>
-              <a:t> </a:t>
-            </a:r>
-            <a:endParaRPr lang="it-IT" dirty="0"/>
-          </a:p>
-          <a:p>
-            <a:r>
-              <a:rPr lang="it-IT" b="1" dirty="0" err="1"/>
-              <a:t>out.ExtraEx</a:t>
-            </a:r>
-            <a:r>
-              <a:rPr lang="it-IT" b="1" dirty="0"/>
-              <a:t>:</a:t>
-            </a:r>
-            <a:r>
-              <a:rPr lang="it-IT" dirty="0" smtClean="0"/>
-              <a:t> </a:t>
-            </a:r>
-            <a:r>
               <a:rPr lang="it-IT" dirty="0" err="1"/>
-              <a:t>cell</a:t>
-            </a:r>
-            <a:r>
-              <a:rPr lang="it-IT" dirty="0"/>
-              <a:t> of </a:t>
-            </a:r>
-            <a:r>
-              <a:rPr lang="it-IT" dirty="0" err="1"/>
-              <a:t>size</a:t>
+              <a:t>eventual</a:t>
             </a:r>
             <a:r>
               <a:rPr lang="it-IT" dirty="0"/>
               <a:t> </a:t>
             </a:r>
             <a:r>
-              <a:rPr lang="it-IT" dirty="0" smtClean="0"/>
-              <a:t>lx1 </a:t>
-            </a:r>
-            <a:r>
-              <a:rPr lang="it-IT" dirty="0"/>
-              <a:t>with </a:t>
-            </a:r>
-            <a:r>
-              <a:rPr lang="it-IT" dirty="0" smtClean="0"/>
-              <a:t>Extra </a:t>
-            </a:r>
-            <a:r>
-              <a:rPr lang="it-IT" dirty="0" err="1" smtClean="0"/>
-              <a:t>Examples</a:t>
-            </a:r>
-            <a:endParaRPr lang="it-IT" dirty="0" smtClean="0"/>
-          </a:p>
-          <a:p>
-            <a:r>
-              <a:rPr lang="it-IT" b="1" dirty="0"/>
-              <a:t>out</a:t>
-            </a:r>
-            <a:r>
-              <a:rPr lang="it-IT" b="1" dirty="0"/>
-              <a:t>. </a:t>
-            </a:r>
-            <a:r>
-              <a:rPr lang="it-IT" b="1" dirty="0" err="1"/>
-              <a:t>InpArgsMisMatch</a:t>
-            </a:r>
-            <a:r>
-              <a:rPr lang="it-IT" dirty="0" smtClean="0"/>
-              <a:t>: </a:t>
-            </a:r>
-            <a:r>
-              <a:rPr lang="it-IT" dirty="0" err="1" smtClean="0"/>
-              <a:t>eventual</a:t>
-            </a:r>
-            <a:r>
-              <a:rPr lang="it-IT" dirty="0" smtClean="0"/>
-              <a:t> </a:t>
-            </a:r>
-            <a:r>
-              <a:rPr lang="it-IT" dirty="0" err="1" smtClean="0"/>
-              <a:t>mismatch</a:t>
-            </a:r>
-            <a:r>
-              <a:rPr lang="it-IT" dirty="0" smtClean="0"/>
-              <a:t> in </a:t>
-            </a:r>
-            <a:r>
-              <a:rPr lang="it-IT" dirty="0" err="1" smtClean="0"/>
-              <a:t>InpArgs</a:t>
-            </a:r>
-            <a:endParaRPr lang="it-IT" dirty="0" smtClean="0"/>
-          </a:p>
-          <a:p>
-            <a:r>
-              <a:rPr lang="it-IT" b="1" dirty="0" err="1"/>
-              <a:t>out.OutArgsStructMisMatch</a:t>
-            </a:r>
-            <a:r>
-              <a:rPr lang="it-IT" dirty="0" smtClean="0"/>
-              <a:t>: </a:t>
-            </a:r>
-            <a:r>
-              <a:rPr lang="it-IT" dirty="0" err="1"/>
-              <a:t>eventual</a:t>
-            </a:r>
-            <a:r>
-              <a:rPr lang="it-IT" dirty="0"/>
-              <a:t> </a:t>
-            </a:r>
-            <a:r>
               <a:rPr lang="it-IT" dirty="0" err="1"/>
               <a:t>mismatch</a:t>
             </a:r>
@@ -14755,15 +14768,7 @@
           <a:p>
             <a:r>
               <a:rPr lang="it-IT" b="1" dirty="0" err="1"/>
-              <a:t>o</a:t>
-            </a:r>
-            <a:r>
-              <a:rPr lang="it-IT" b="1" dirty="0" err="1"/>
-              <a:t>ut.linkHTMLMisMatc</a:t>
-            </a:r>
-            <a:r>
-              <a:rPr lang="it-IT" b="1" dirty="0" err="1"/>
-              <a:t>h</a:t>
+              <a:t>out.linkHTMLMisMatch</a:t>
             </a:r>
             <a:r>
               <a:rPr lang="it-IT" dirty="0" smtClean="0"/>

--- a/utilities_help/FlowChart.pptx
+++ b/utilities_help/FlowChart.pptx
@@ -283,7 +283,7 @@
           <a:p>
             <a:fld id="{A60568F7-DEA3-421D-BEA9-5A2A5BF9A649}" type="datetimeFigureOut">
               <a:rPr lang="it-IT" smtClean="0"/>
-              <a:t>04/10/2016</a:t>
+              <a:t>20/10/2016</a:t>
             </a:fld>
             <a:endParaRPr lang="it-IT"/>
           </a:p>
@@ -453,7 +453,7 @@
           <a:p>
             <a:fld id="{A60568F7-DEA3-421D-BEA9-5A2A5BF9A649}" type="datetimeFigureOut">
               <a:rPr lang="it-IT" smtClean="0"/>
-              <a:t>04/10/2016</a:t>
+              <a:t>20/10/2016</a:t>
             </a:fld>
             <a:endParaRPr lang="it-IT"/>
           </a:p>
@@ -633,7 +633,7 @@
           <a:p>
             <a:fld id="{A60568F7-DEA3-421D-BEA9-5A2A5BF9A649}" type="datetimeFigureOut">
               <a:rPr lang="it-IT" smtClean="0"/>
-              <a:t>04/10/2016</a:t>
+              <a:t>20/10/2016</a:t>
             </a:fld>
             <a:endParaRPr lang="it-IT"/>
           </a:p>
@@ -803,7 +803,7 @@
           <a:p>
             <a:fld id="{A60568F7-DEA3-421D-BEA9-5A2A5BF9A649}" type="datetimeFigureOut">
               <a:rPr lang="it-IT" smtClean="0"/>
-              <a:t>04/10/2016</a:t>
+              <a:t>20/10/2016</a:t>
             </a:fld>
             <a:endParaRPr lang="it-IT"/>
           </a:p>
@@ -1047,7 +1047,7 @@
           <a:p>
             <a:fld id="{A60568F7-DEA3-421D-BEA9-5A2A5BF9A649}" type="datetimeFigureOut">
               <a:rPr lang="it-IT" smtClean="0"/>
-              <a:t>04/10/2016</a:t>
+              <a:t>20/10/2016</a:t>
             </a:fld>
             <a:endParaRPr lang="it-IT"/>
           </a:p>
@@ -1279,7 +1279,7 @@
           <a:p>
             <a:fld id="{A60568F7-DEA3-421D-BEA9-5A2A5BF9A649}" type="datetimeFigureOut">
               <a:rPr lang="it-IT" smtClean="0"/>
-              <a:t>04/10/2016</a:t>
+              <a:t>20/10/2016</a:t>
             </a:fld>
             <a:endParaRPr lang="it-IT"/>
           </a:p>
@@ -1646,7 +1646,7 @@
           <a:p>
             <a:fld id="{A60568F7-DEA3-421D-BEA9-5A2A5BF9A649}" type="datetimeFigureOut">
               <a:rPr lang="it-IT" smtClean="0"/>
-              <a:t>04/10/2016</a:t>
+              <a:t>20/10/2016</a:t>
             </a:fld>
             <a:endParaRPr lang="it-IT"/>
           </a:p>
@@ -1764,7 +1764,7 @@
           <a:p>
             <a:fld id="{A60568F7-DEA3-421D-BEA9-5A2A5BF9A649}" type="datetimeFigureOut">
               <a:rPr lang="it-IT" smtClean="0"/>
-              <a:t>04/10/2016</a:t>
+              <a:t>20/10/2016</a:t>
             </a:fld>
             <a:endParaRPr lang="it-IT"/>
           </a:p>
@@ -1859,7 +1859,7 @@
           <a:p>
             <a:fld id="{A60568F7-DEA3-421D-BEA9-5A2A5BF9A649}" type="datetimeFigureOut">
               <a:rPr lang="it-IT" smtClean="0"/>
-              <a:t>04/10/2016</a:t>
+              <a:t>20/10/2016</a:t>
             </a:fld>
             <a:endParaRPr lang="it-IT"/>
           </a:p>
@@ -2136,7 +2136,7 @@
           <a:p>
             <a:fld id="{A60568F7-DEA3-421D-BEA9-5A2A5BF9A649}" type="datetimeFigureOut">
               <a:rPr lang="it-IT" smtClean="0"/>
-              <a:t>04/10/2016</a:t>
+              <a:t>20/10/2016</a:t>
             </a:fld>
             <a:endParaRPr lang="it-IT"/>
           </a:p>
@@ -2393,7 +2393,7 @@
           <a:p>
             <a:fld id="{A60568F7-DEA3-421D-BEA9-5A2A5BF9A649}" type="datetimeFigureOut">
               <a:rPr lang="it-IT" smtClean="0"/>
-              <a:t>04/10/2016</a:t>
+              <a:t>20/10/2016</a:t>
             </a:fld>
             <a:endParaRPr lang="it-IT"/>
           </a:p>
@@ -2606,7 +2606,7 @@
           <a:p>
             <a:fld id="{A60568F7-DEA3-421D-BEA9-5A2A5BF9A649}" type="datetimeFigureOut">
               <a:rPr lang="it-IT" smtClean="0"/>
-              <a:t>04/10/2016</a:t>
+              <a:t>20/10/2016</a:t>
             </a:fld>
             <a:endParaRPr lang="it-IT"/>
           </a:p>
@@ -4127,6 +4127,13 @@
   <p:clrMapOvr>
     <a:masterClrMapping/>
   </p:clrMapOvr>
+  <p:timing>
+    <p:tnLst>
+      <p:par>
+        <p:cTn id="1" dur="indefinite" restart="never" nodeType="tmRoot"/>
+      </p:par>
+    </p:tnLst>
+  </p:timing>
 </p:sld>
 </file>
 
@@ -4288,6 +4295,13 @@
   <p:clrMapOvr>
     <a:masterClrMapping/>
   </p:clrMapOvr>
+  <p:timing>
+    <p:tnLst>
+      <p:par>
+        <p:cTn id="1" dur="indefinite" restart="never" nodeType="tmRoot"/>
+      </p:par>
+    </p:tnLst>
+  </p:timing>
 </p:sld>
 </file>
 
@@ -4455,6 +4469,13 @@
   <p:clrMapOvr>
     <a:masterClrMapping/>
   </p:clrMapOvr>
+  <p:timing>
+    <p:tnLst>
+      <p:par>
+        <p:cTn id="1" dur="indefinite" restart="never" nodeType="tmRoot"/>
+      </p:par>
+    </p:tnLst>
+  </p:timing>
 </p:sld>
 </file>
 
@@ -5275,6 +5296,13 @@
   <p:clrMapOvr>
     <a:masterClrMapping/>
   </p:clrMapOvr>
+  <p:timing>
+    <p:tnLst>
+      <p:par>
+        <p:cTn id="1" dur="indefinite" restart="never" nodeType="tmRoot"/>
+      </p:par>
+    </p:tnLst>
+  </p:timing>
 </p:sld>
 </file>
 
@@ -5323,15 +5351,27 @@
             </a:r>
             <a:r>
               <a:rPr lang="it-IT" dirty="0" smtClean="0"/>
+              <a:t> of a </a:t>
+            </a:r>
+            <a:r>
+              <a:rPr lang="it-IT" dirty="0" err="1" smtClean="0"/>
+              <a:t>particular</a:t>
+            </a:r>
+            <a:r>
+              <a:rPr lang="it-IT" dirty="0" smtClean="0"/>
               <a:t> </a:t>
             </a:r>
             <a:r>
-              <a:rPr lang="it-IT" dirty="0" smtClean="0"/>
-              <a:t>of a </a:t>
-            </a:r>
-            <a:r>
-              <a:rPr lang="it-IT" dirty="0" err="1" smtClean="0"/>
-              <a:t>particular</a:t>
+              <a:rPr lang="it-IT" dirty="0" err="1" smtClean="0"/>
+              <a:t>element</a:t>
+            </a:r>
+            <a:r>
+              <a:rPr lang="it-IT" dirty="0" smtClean="0"/>
+              <a:t> inside </a:t>
+            </a:r>
+            <a:r>
+              <a:rPr lang="it-IT" dirty="0" err="1" smtClean="0"/>
+              <a:t>out.OptArgs</a:t>
             </a:r>
             <a:r>
               <a:rPr lang="it-IT" dirty="0" smtClean="0"/>
@@ -5339,15 +5379,15 @@
             </a:r>
             <a:r>
               <a:rPr lang="it-IT" dirty="0" err="1" smtClean="0"/>
-              <a:t>element</a:t>
-            </a:r>
-            <a:r>
-              <a:rPr lang="it-IT" dirty="0" smtClean="0"/>
-              <a:t> inside </a:t>
-            </a:r>
-            <a:r>
-              <a:rPr lang="it-IT" dirty="0" err="1" smtClean="0"/>
-              <a:t>out.OptArgs</a:t>
+              <a:t>before</a:t>
+            </a:r>
+            <a:r>
+              <a:rPr lang="it-IT" dirty="0" smtClean="0"/>
+              <a:t> and </a:t>
+            </a:r>
+            <a:r>
+              <a:rPr lang="it-IT" dirty="0" err="1" smtClean="0"/>
+              <a:t>after</a:t>
             </a:r>
             <a:r>
               <a:rPr lang="it-IT" dirty="0" smtClean="0"/>
@@ -5355,15 +5395,7 @@
             </a:r>
             <a:r>
               <a:rPr lang="it-IT" dirty="0" err="1" smtClean="0"/>
-              <a:t>before</a:t>
-            </a:r>
-            <a:r>
-              <a:rPr lang="it-IT" dirty="0" smtClean="0"/>
-              <a:t> and </a:t>
-            </a:r>
-            <a:r>
-              <a:rPr lang="it-IT" dirty="0" err="1" smtClean="0"/>
-              <a:t>after</a:t>
+              <a:t>applying</a:t>
             </a:r>
             <a:r>
               <a:rPr lang="it-IT" dirty="0" smtClean="0"/>
@@ -5371,23 +5403,11 @@
             </a:r>
             <a:r>
               <a:rPr lang="it-IT" dirty="0" err="1" smtClean="0"/>
-              <a:t>applying</a:t>
-            </a:r>
-            <a:r>
-              <a:rPr lang="it-IT" dirty="0" smtClean="0"/>
-              <a:t> </a:t>
-            </a:r>
-            <a:r>
-              <a:rPr lang="it-IT" dirty="0" err="1" smtClean="0"/>
               <a:t>function</a:t>
             </a:r>
             <a:r>
               <a:rPr lang="it-IT" dirty="0" smtClean="0"/>
-              <a:t> </a:t>
-            </a:r>
-            <a:r>
-              <a:rPr lang="it-IT" dirty="0" smtClean="0"/>
-              <a:t>«</a:t>
+              <a:t> «</a:t>
             </a:r>
             <a:r>
               <a:rPr lang="it-IT" sz="3200" dirty="0" err="1" smtClean="0"/>
@@ -5681,6 +5701,13 @@
   <p:clrMapOvr>
     <a:masterClrMapping/>
   </p:clrMapOvr>
+  <p:timing>
+    <p:tnLst>
+      <p:par>
+        <p:cTn id="1" dur="indefinite" restart="never" nodeType="tmRoot"/>
+      </p:par>
+    </p:tnLst>
+  </p:timing>
 </p:sld>
 </file>
 
@@ -6098,11 +6125,7 @@
           <a:p>
             <a:r>
               <a:rPr lang="it-IT" dirty="0" smtClean="0"/>
-              <a:t>File </a:t>
-            </a:r>
-            <a:r>
-              <a:rPr lang="it-IT" dirty="0" smtClean="0"/>
-              <a:t>«</a:t>
+              <a:t>File «</a:t>
             </a:r>
             <a:r>
               <a:rPr lang="it-IT" dirty="0" err="1" smtClean="0"/>
@@ -6474,6 +6497,13 @@
   <p:clrMapOvr>
     <a:masterClrMapping/>
   </p:clrMapOvr>
+  <p:timing>
+    <p:tnLst>
+      <p:par>
+        <p:cTn id="1" dur="indefinite" restart="never" nodeType="tmRoot"/>
+      </p:par>
+    </p:tnLst>
+  </p:timing>
 </p:sld>
 </file>
 
@@ -6787,6 +6817,13 @@
   <p:clrMapOvr>
     <a:masterClrMapping/>
   </p:clrMapOvr>
+  <p:timing>
+    <p:tnLst>
+      <p:par>
+        <p:cTn id="1" dur="indefinite" restart="never" nodeType="tmRoot"/>
+      </p:par>
+    </p:tnLst>
+  </p:timing>
 </p:sld>
 </file>
 
@@ -8233,6 +8270,13 @@
   <p:clrMapOvr>
     <a:masterClrMapping/>
   </p:clrMapOvr>
+  <p:timing>
+    <p:tnLst>
+      <p:par>
+        <p:cTn id="1" dur="indefinite" restart="never" nodeType="tmRoot"/>
+      </p:par>
+    </p:tnLst>
+  </p:timing>
 </p:sld>
 </file>
 
@@ -8335,6 +8379,13 @@
   <p:clrMapOvr>
     <a:masterClrMapping/>
   </p:clrMapOvr>
+  <p:timing>
+    <p:tnLst>
+      <p:par>
+        <p:cTn id="1" dur="indefinite" restart="never" nodeType="tmRoot"/>
+      </p:par>
+    </p:tnLst>
+  </p:timing>
 </p:sld>
 </file>
 
@@ -8437,6 +8488,13 @@
   <p:clrMapOvr>
     <a:masterClrMapping/>
   </p:clrMapOvr>
+  <p:timing>
+    <p:tnLst>
+      <p:par>
+        <p:cTn id="1" dur="indefinite" restart="never" nodeType="tmRoot"/>
+      </p:par>
+    </p:tnLst>
+  </p:timing>
 </p:sld>
 </file>
 
@@ -8539,6 +8597,13 @@
   <p:clrMapOvr>
     <a:masterClrMapping/>
   </p:clrMapOvr>
+  <p:timing>
+    <p:tnLst>
+      <p:par>
+        <p:cTn id="1" dur="indefinite" restart="never" nodeType="tmRoot"/>
+      </p:par>
+    </p:tnLst>
+  </p:timing>
 </p:sld>
 </file>
 
@@ -8675,6 +8740,13 @@
   <p:clrMapOvr>
     <a:masterClrMapping/>
   </p:clrMapOvr>
+  <p:timing>
+    <p:tnLst>
+      <p:par>
+        <p:cTn id="1" dur="indefinite" restart="never" nodeType="tmRoot"/>
+      </p:par>
+    </p:tnLst>
+  </p:timing>
 </p:sld>
 </file>
 
@@ -8745,11 +8817,7 @@
             </a:r>
             <a:r>
               <a:rPr lang="it-IT" dirty="0" smtClean="0"/>
-              <a:t> to </a:t>
-            </a:r>
-            <a:r>
-              <a:rPr lang="it-IT" dirty="0" smtClean="0"/>
-              <a:t>XML» </a:t>
+              <a:t> to XML» </a:t>
             </a:r>
             <a:r>
               <a:rPr lang="it-IT" dirty="0" err="1" smtClean="0"/>
@@ -9314,8 +9382,8 @@
         </p:nvSpPr>
         <p:spPr>
           <a:xfrm>
-            <a:off x="471487" y="89844"/>
-            <a:ext cx="5915025" cy="1345417"/>
+            <a:off x="92595" y="89844"/>
+            <a:ext cx="6293917" cy="1345417"/>
           </a:xfrm>
         </p:spPr>
         <p:txBody>
@@ -9342,7 +9410,7 @@
             </a:r>
             <a:r>
               <a:rPr lang="it-IT" dirty="0" err="1" smtClean="0"/>
-              <a:t>funtion</a:t>
+              <a:t>function</a:t>
             </a:r>
             <a:r>
               <a:rPr lang="it-IT" dirty="0" smtClean="0"/>

--- a/utilities_help/FlowChart.pptx
+++ b/utilities_help/FlowChart.pptx
@@ -5,36 +5,37 @@
     <p:sldMasterId id="2147483672" r:id="rId1"/>
   </p:sldMasterIdLst>
   <p:sldIdLst>
-    <p:sldId id="256" r:id="rId2"/>
-    <p:sldId id="263" r:id="rId3"/>
-    <p:sldId id="264" r:id="rId4"/>
-    <p:sldId id="265" r:id="rId5"/>
-    <p:sldId id="267" r:id="rId6"/>
-    <p:sldId id="268" r:id="rId7"/>
-    <p:sldId id="269" r:id="rId8"/>
-    <p:sldId id="270" r:id="rId9"/>
-    <p:sldId id="257" r:id="rId10"/>
-    <p:sldId id="271" r:id="rId11"/>
-    <p:sldId id="272" r:id="rId12"/>
-    <p:sldId id="273" r:id="rId13"/>
-    <p:sldId id="258" r:id="rId14"/>
-    <p:sldId id="275" r:id="rId15"/>
-    <p:sldId id="276" r:id="rId16"/>
-    <p:sldId id="259" r:id="rId17"/>
-    <p:sldId id="277" r:id="rId18"/>
-    <p:sldId id="278" r:id="rId19"/>
-    <p:sldId id="260" r:id="rId20"/>
-    <p:sldId id="284" r:id="rId21"/>
-    <p:sldId id="279" r:id="rId22"/>
-    <p:sldId id="281" r:id="rId23"/>
-    <p:sldId id="282" r:id="rId24"/>
-    <p:sldId id="280" r:id="rId25"/>
-    <p:sldId id="283" r:id="rId26"/>
-    <p:sldId id="261" r:id="rId27"/>
-    <p:sldId id="286" r:id="rId28"/>
-    <p:sldId id="262" r:id="rId29"/>
-    <p:sldId id="287" r:id="rId30"/>
-    <p:sldId id="285" r:id="rId31"/>
+    <p:sldId id="288" r:id="rId2"/>
+    <p:sldId id="256" r:id="rId3"/>
+    <p:sldId id="263" r:id="rId4"/>
+    <p:sldId id="264" r:id="rId5"/>
+    <p:sldId id="265" r:id="rId6"/>
+    <p:sldId id="267" r:id="rId7"/>
+    <p:sldId id="268" r:id="rId8"/>
+    <p:sldId id="269" r:id="rId9"/>
+    <p:sldId id="270" r:id="rId10"/>
+    <p:sldId id="257" r:id="rId11"/>
+    <p:sldId id="271" r:id="rId12"/>
+    <p:sldId id="272" r:id="rId13"/>
+    <p:sldId id="273" r:id="rId14"/>
+    <p:sldId id="258" r:id="rId15"/>
+    <p:sldId id="275" r:id="rId16"/>
+    <p:sldId id="276" r:id="rId17"/>
+    <p:sldId id="259" r:id="rId18"/>
+    <p:sldId id="277" r:id="rId19"/>
+    <p:sldId id="278" r:id="rId20"/>
+    <p:sldId id="260" r:id="rId21"/>
+    <p:sldId id="284" r:id="rId22"/>
+    <p:sldId id="279" r:id="rId23"/>
+    <p:sldId id="281" r:id="rId24"/>
+    <p:sldId id="282" r:id="rId25"/>
+    <p:sldId id="280" r:id="rId26"/>
+    <p:sldId id="283" r:id="rId27"/>
+    <p:sldId id="261" r:id="rId28"/>
+    <p:sldId id="286" r:id="rId29"/>
+    <p:sldId id="262" r:id="rId30"/>
+    <p:sldId id="287" r:id="rId31"/>
+    <p:sldId id="285" r:id="rId32"/>
   </p:sldIdLst>
   <p:sldSz cx="6858000" cy="9144000" type="screen4x3"/>
   <p:notesSz cx="6858000" cy="9144000"/>
@@ -283,7 +284,7 @@
           <a:p>
             <a:fld id="{A60568F7-DEA3-421D-BEA9-5A2A5BF9A649}" type="datetimeFigureOut">
               <a:rPr lang="it-IT" smtClean="0"/>
-              <a:t>20/10/2016</a:t>
+              <a:t>05/06/2018</a:t>
             </a:fld>
             <a:endParaRPr lang="it-IT"/>
           </a:p>
@@ -453,7 +454,7 @@
           <a:p>
             <a:fld id="{A60568F7-DEA3-421D-BEA9-5A2A5BF9A649}" type="datetimeFigureOut">
               <a:rPr lang="it-IT" smtClean="0"/>
-              <a:t>20/10/2016</a:t>
+              <a:t>05/06/2018</a:t>
             </a:fld>
             <a:endParaRPr lang="it-IT"/>
           </a:p>
@@ -633,7 +634,7 @@
           <a:p>
             <a:fld id="{A60568F7-DEA3-421D-BEA9-5A2A5BF9A649}" type="datetimeFigureOut">
               <a:rPr lang="it-IT" smtClean="0"/>
-              <a:t>20/10/2016</a:t>
+              <a:t>05/06/2018</a:t>
             </a:fld>
             <a:endParaRPr lang="it-IT"/>
           </a:p>
@@ -803,7 +804,7 @@
           <a:p>
             <a:fld id="{A60568F7-DEA3-421D-BEA9-5A2A5BF9A649}" type="datetimeFigureOut">
               <a:rPr lang="it-IT" smtClean="0"/>
-              <a:t>20/10/2016</a:t>
+              <a:t>05/06/2018</a:t>
             </a:fld>
             <a:endParaRPr lang="it-IT"/>
           </a:p>
@@ -1047,7 +1048,7 @@
           <a:p>
             <a:fld id="{A60568F7-DEA3-421D-BEA9-5A2A5BF9A649}" type="datetimeFigureOut">
               <a:rPr lang="it-IT" smtClean="0"/>
-              <a:t>20/10/2016</a:t>
+              <a:t>05/06/2018</a:t>
             </a:fld>
             <a:endParaRPr lang="it-IT"/>
           </a:p>
@@ -1279,7 +1280,7 @@
           <a:p>
             <a:fld id="{A60568F7-DEA3-421D-BEA9-5A2A5BF9A649}" type="datetimeFigureOut">
               <a:rPr lang="it-IT" smtClean="0"/>
-              <a:t>20/10/2016</a:t>
+              <a:t>05/06/2018</a:t>
             </a:fld>
             <a:endParaRPr lang="it-IT"/>
           </a:p>
@@ -1646,7 +1647,7 @@
           <a:p>
             <a:fld id="{A60568F7-DEA3-421D-BEA9-5A2A5BF9A649}" type="datetimeFigureOut">
               <a:rPr lang="it-IT" smtClean="0"/>
-              <a:t>20/10/2016</a:t>
+              <a:t>05/06/2018</a:t>
             </a:fld>
             <a:endParaRPr lang="it-IT"/>
           </a:p>
@@ -1764,7 +1765,7 @@
           <a:p>
             <a:fld id="{A60568F7-DEA3-421D-BEA9-5A2A5BF9A649}" type="datetimeFigureOut">
               <a:rPr lang="it-IT" smtClean="0"/>
-              <a:t>20/10/2016</a:t>
+              <a:t>05/06/2018</a:t>
             </a:fld>
             <a:endParaRPr lang="it-IT"/>
           </a:p>
@@ -1859,7 +1860,7 @@
           <a:p>
             <a:fld id="{A60568F7-DEA3-421D-BEA9-5A2A5BF9A649}" type="datetimeFigureOut">
               <a:rPr lang="it-IT" smtClean="0"/>
-              <a:t>20/10/2016</a:t>
+              <a:t>05/06/2018</a:t>
             </a:fld>
             <a:endParaRPr lang="it-IT"/>
           </a:p>
@@ -2136,7 +2137,7 @@
           <a:p>
             <a:fld id="{A60568F7-DEA3-421D-BEA9-5A2A5BF9A649}" type="datetimeFigureOut">
               <a:rPr lang="it-IT" smtClean="0"/>
-              <a:t>20/10/2016</a:t>
+              <a:t>05/06/2018</a:t>
             </a:fld>
             <a:endParaRPr lang="it-IT"/>
           </a:p>
@@ -2393,7 +2394,7 @@
           <a:p>
             <a:fld id="{A60568F7-DEA3-421D-BEA9-5A2A5BF9A649}" type="datetimeFigureOut">
               <a:rPr lang="it-IT" smtClean="0"/>
-              <a:t>20/10/2016</a:t>
+              <a:t>05/06/2018</a:t>
             </a:fld>
             <a:endParaRPr lang="it-IT"/>
           </a:p>
@@ -2606,7 +2607,7 @@
           <a:p>
             <a:fld id="{A60568F7-DEA3-421D-BEA9-5A2A5BF9A649}" type="datetimeFigureOut">
               <a:rPr lang="it-IT" smtClean="0"/>
-              <a:t>20/10/2016</a:t>
+              <a:t>05/06/2018</a:t>
             </a:fld>
             <a:endParaRPr lang="it-IT"/>
           </a:p>
@@ -3013,970 +3014,103 @@
       </p:grpSpPr>
       <p:sp>
         <p:nvSpPr>
-          <p:cNvPr id="4" name="Ovale 3"/>
-          <p:cNvSpPr/>
-          <p:nvPr/>
+          <p:cNvPr id="2" name="Titolo 1"/>
+          <p:cNvSpPr>
+            <a:spLocks noGrp="1"/>
+          </p:cNvSpPr>
+          <p:nvPr>
+            <p:ph type="ctrTitle"/>
+          </p:nvPr>
         </p:nvSpPr>
-        <p:spPr>
-          <a:xfrm>
-            <a:off x="2887885" y="1156467"/>
-            <a:ext cx="1031996" cy="752354"/>
-          </a:xfrm>
-          <a:prstGeom prst="ellipse">
-            <a:avLst/>
-          </a:prstGeom>
-        </p:spPr>
-        <p:style>
-          <a:lnRef idx="2">
-            <a:schemeClr val="accent1">
-              <a:shade val="50000"/>
-            </a:schemeClr>
-          </a:lnRef>
-          <a:fillRef idx="1">
-            <a:schemeClr val="accent1"/>
-          </a:fillRef>
-          <a:effectRef idx="0">
-            <a:schemeClr val="accent1"/>
-          </a:effectRef>
-          <a:fontRef idx="minor">
-            <a:schemeClr val="lt1"/>
-          </a:fontRef>
-        </p:style>
+        <p:spPr/>
         <p:txBody>
-          <a:bodyPr rot="0" spcFirstLastPara="0" vertOverflow="overflow" horzOverflow="overflow" vert="horz" wrap="square" lIns="91440" tIns="45720" rIns="91440" bIns="45720" numCol="1" spcCol="0" rtlCol="0" fromWordArt="0" anchor="ctr" anchorCtr="0" forceAA="0" compatLnSpc="1">
-            <a:prstTxWarp prst="textNoShape">
-              <a:avLst/>
-            </a:prstTxWarp>
-            <a:noAutofit/>
-          </a:bodyPr>
+          <a:bodyPr/>
           <a:lstStyle/>
           <a:p>
-            <a:pPr algn="ctr"/>
-            <a:r>
-              <a:rPr lang="it-IT" sz="2000" dirty="0"/>
-              <a:t>.m FILE</a:t>
-            </a:r>
-          </a:p>
-        </p:txBody>
-      </p:sp>
-      <p:cxnSp>
-        <p:nvCxnSpPr>
-          <p:cNvPr id="6" name="Connettore 4 5"/>
-          <p:cNvCxnSpPr/>
-          <p:nvPr/>
-        </p:nvCxnSpPr>
-        <p:spPr>
-          <a:xfrm rot="5400000">
-            <a:off x="3038317" y="2273462"/>
-            <a:ext cx="730205" cy="924"/>
-          </a:xfrm>
-          <a:prstGeom prst="bentConnector3">
-            <a:avLst/>
-          </a:prstGeom>
-          <a:ln w="57150">
-            <a:tailEnd type="triangle"/>
-          </a:ln>
-        </p:spPr>
-        <p:style>
-          <a:lnRef idx="1">
-            <a:schemeClr val="accent1"/>
-          </a:lnRef>
-          <a:fillRef idx="0">
-            <a:schemeClr val="accent1"/>
-          </a:fillRef>
-          <a:effectRef idx="0">
-            <a:schemeClr val="accent1"/>
-          </a:effectRef>
-          <a:fontRef idx="minor">
-            <a:schemeClr val="tx1"/>
-          </a:fontRef>
-        </p:style>
-      </p:cxnSp>
-      <p:sp>
-        <p:nvSpPr>
-          <p:cNvPr id="7" name="Ovale 6"/>
-          <p:cNvSpPr/>
-          <p:nvPr/>
-        </p:nvSpPr>
-        <p:spPr>
-          <a:xfrm>
-            <a:off x="2720083" y="2639027"/>
-            <a:ext cx="1365748" cy="752354"/>
-          </a:xfrm>
-          <a:prstGeom prst="ellipse">
-            <a:avLst/>
-          </a:prstGeom>
-        </p:spPr>
-        <p:style>
-          <a:lnRef idx="2">
-            <a:schemeClr val="accent1">
-              <a:shade val="50000"/>
-            </a:schemeClr>
-          </a:lnRef>
-          <a:fillRef idx="1">
-            <a:schemeClr val="accent1"/>
-          </a:fillRef>
-          <a:effectRef idx="0">
-            <a:schemeClr val="accent1"/>
-          </a:effectRef>
-          <a:fontRef idx="minor">
-            <a:schemeClr val="lt1"/>
-          </a:fontRef>
-        </p:style>
-        <p:txBody>
-          <a:bodyPr rot="0" spcFirstLastPara="0" vertOverflow="overflow" horzOverflow="overflow" vert="horz" wrap="square" lIns="91440" tIns="45720" rIns="91440" bIns="45720" numCol="1" spcCol="0" rtlCol="0" fromWordArt="0" anchor="ctr" anchorCtr="0" forceAA="0" compatLnSpc="1">
-            <a:prstTxWarp prst="textNoShape">
-              <a:avLst/>
-            </a:prstTxWarp>
-            <a:noAutofit/>
-          </a:bodyPr>
-          <a:lstStyle/>
-          <a:p>
-            <a:pPr algn="ctr"/>
-            <a:r>
-              <a:rPr lang="it-IT" sz="2000" dirty="0"/>
-              <a:t>out</a:t>
-            </a:r>
-          </a:p>
-          <a:p>
-            <a:pPr algn="ctr"/>
-            <a:r>
-              <a:rPr lang="it-IT" sz="2000" dirty="0"/>
-              <a:t>(</a:t>
-            </a:r>
-            <a:r>
-              <a:rPr lang="it-IT" sz="2000" dirty="0" err="1"/>
-              <a:t>struct</a:t>
-            </a:r>
-            <a:r>
-              <a:rPr lang="it-IT" sz="2000" dirty="0"/>
-              <a:t>)</a:t>
-            </a:r>
+            <a:r>
+              <a:rPr lang="it-IT" dirty="0" smtClean="0"/>
+              <a:t>FLEXIBLE STATISTICS DATA ANALYSIS</a:t>
+            </a:r>
+            <a:endParaRPr lang="en-US" dirty="0"/>
           </a:p>
         </p:txBody>
       </p:sp>
       <p:sp>
         <p:nvSpPr>
-          <p:cNvPr id="9" name="CasellaDiTesto 8"/>
-          <p:cNvSpPr txBox="1"/>
-          <p:nvPr/>
+          <p:cNvPr id="3" name="Sottotitolo 2"/>
+          <p:cNvSpPr>
+            <a:spLocks noGrp="1"/>
+          </p:cNvSpPr>
+          <p:nvPr>
+            <p:ph type="subTitle" idx="1"/>
+          </p:nvPr>
         </p:nvSpPr>
         <p:spPr>
           <a:xfrm>
-            <a:off x="3402958" y="2067110"/>
-            <a:ext cx="2037145" cy="400110"/>
+            <a:off x="857250" y="5999967"/>
+            <a:ext cx="5143500" cy="1010434"/>
+          </a:xfrm>
+        </p:spPr>
+        <p:txBody>
+          <a:bodyPr>
+            <a:normAutofit/>
+          </a:bodyPr>
+          <a:lstStyle/>
+          <a:p>
+            <a:r>
+              <a:rPr lang="it-IT" sz="4000" dirty="0" smtClean="0">
+                <a:hlinkClick r:id="rId2"/>
+              </a:rPr>
+              <a:t>http://rosa.unipr.it</a:t>
+            </a:r>
+            <a:r>
+              <a:rPr lang="it-IT" sz="4000" dirty="0" smtClean="0"/>
+              <a:t> </a:t>
+            </a:r>
+            <a:endParaRPr lang="en-US" sz="4000" dirty="0"/>
+          </a:p>
+        </p:txBody>
+      </p:sp>
+      <p:pic>
+        <p:nvPicPr>
+          <p:cNvPr id="4" name="Immagine 3"/>
+          <p:cNvPicPr>
+            <a:picLocks noChangeAspect="1"/>
+          </p:cNvPicPr>
+          <p:nvPr/>
+        </p:nvPicPr>
+        <p:blipFill>
+          <a:blip r:embed="rId3">
+            <a:extLst>
+              <a:ext uri="{28A0092B-C50C-407E-A947-70E740481C1C}">
+                <a14:useLocalDpi xmlns:a14="http://schemas.microsoft.com/office/drawing/2010/main" val="0"/>
+              </a:ext>
+            </a:extLst>
+          </a:blip>
+          <a:stretch>
+            <a:fillRect/>
+          </a:stretch>
+        </p:blipFill>
+        <p:spPr>
+          <a:xfrm>
+            <a:off x="2362490" y="293813"/>
+            <a:ext cx="1832394" cy="2794404"/>
           </a:xfrm>
           <a:prstGeom prst="rect">
             <a:avLst/>
           </a:prstGeom>
-          <a:noFill/>
         </p:spPr>
-        <p:txBody>
-          <a:bodyPr wrap="square" rtlCol="0">
-            <a:spAutoFit/>
-          </a:bodyPr>
-          <a:lstStyle/>
-          <a:p>
-            <a:r>
-              <a:rPr lang="it-IT" sz="2000" dirty="0" err="1" smtClean="0"/>
-              <a:t>mreadFS.m</a:t>
-            </a:r>
-            <a:endParaRPr lang="it-IT" sz="2000" dirty="0"/>
-          </a:p>
-        </p:txBody>
-      </p:sp>
-      <p:cxnSp>
-        <p:nvCxnSpPr>
-          <p:cNvPr id="10" name="Connettore 4 9"/>
-          <p:cNvCxnSpPr/>
-          <p:nvPr/>
-        </p:nvCxnSpPr>
-        <p:spPr>
-          <a:xfrm rot="5400000">
-            <a:off x="2678000" y="4094190"/>
-            <a:ext cx="1450840" cy="925"/>
-          </a:xfrm>
-          <a:prstGeom prst="bentConnector3">
-            <a:avLst/>
-          </a:prstGeom>
-          <a:ln w="57150">
-            <a:tailEnd type="triangle"/>
-          </a:ln>
-        </p:spPr>
-        <p:style>
-          <a:lnRef idx="1">
-            <a:schemeClr val="accent1"/>
-          </a:lnRef>
-          <a:fillRef idx="0">
-            <a:schemeClr val="accent1"/>
-          </a:fillRef>
-          <a:effectRef idx="0">
-            <a:schemeClr val="accent1"/>
-          </a:effectRef>
-          <a:fontRef idx="minor">
-            <a:schemeClr val="tx1"/>
-          </a:fontRef>
-        </p:style>
-      </p:cxnSp>
-      <p:sp>
-        <p:nvSpPr>
-          <p:cNvPr id="12" name="CasellaDiTesto 11"/>
-          <p:cNvSpPr txBox="1"/>
-          <p:nvPr/>
-        </p:nvSpPr>
-        <p:spPr>
-          <a:xfrm>
-            <a:off x="3495901" y="3573602"/>
-            <a:ext cx="2727401" cy="400110"/>
-          </a:xfrm>
-          <a:prstGeom prst="rect">
-            <a:avLst/>
-          </a:prstGeom>
-          <a:noFill/>
-        </p:spPr>
-        <p:txBody>
-          <a:bodyPr wrap="square" rtlCol="0">
-            <a:spAutoFit/>
-          </a:bodyPr>
-          <a:lstStyle/>
-          <a:p>
-            <a:r>
-              <a:rPr lang="it-IT" sz="2000" dirty="0" err="1" smtClean="0"/>
-              <a:t>removeextraspacesLF.m</a:t>
-            </a:r>
-            <a:r>
-              <a:rPr lang="it-IT" sz="2000" dirty="0" smtClean="0"/>
-              <a:t> </a:t>
-            </a:r>
-            <a:endParaRPr lang="it-IT" sz="2000" dirty="0"/>
-          </a:p>
-        </p:txBody>
-      </p:sp>
-      <p:cxnSp>
-        <p:nvCxnSpPr>
-          <p:cNvPr id="14" name="Connettore 4 13"/>
-          <p:cNvCxnSpPr>
-            <a:endCxn id="18" idx="6"/>
-          </p:cNvCxnSpPr>
-          <p:nvPr/>
-        </p:nvCxnSpPr>
-        <p:spPr>
-          <a:xfrm rot="10800000" flipV="1">
-            <a:off x="1031996" y="5190329"/>
-            <a:ext cx="1926998" cy="5921"/>
-          </a:xfrm>
-          <a:prstGeom prst="bentConnector3">
-            <a:avLst/>
-          </a:prstGeom>
-          <a:ln w="57150">
-            <a:solidFill>
-              <a:schemeClr val="accent1">
-                <a:alpha val="97000"/>
-              </a:schemeClr>
-            </a:solidFill>
-            <a:tailEnd type="triangle"/>
-          </a:ln>
-        </p:spPr>
-        <p:style>
-          <a:lnRef idx="1">
-            <a:schemeClr val="accent1"/>
-          </a:lnRef>
-          <a:fillRef idx="0">
-            <a:schemeClr val="accent1"/>
-          </a:fillRef>
-          <a:effectRef idx="0">
-            <a:schemeClr val="accent1"/>
-          </a:effectRef>
-          <a:fontRef idx="minor">
-            <a:schemeClr val="tx1"/>
-          </a:fontRef>
-        </p:style>
-      </p:cxnSp>
-      <p:sp>
-        <p:nvSpPr>
-          <p:cNvPr id="15" name="Ovale 14"/>
-          <p:cNvSpPr/>
-          <p:nvPr/>
-        </p:nvSpPr>
-        <p:spPr>
-          <a:xfrm>
-            <a:off x="2720083" y="4820073"/>
-            <a:ext cx="1361808" cy="752354"/>
-          </a:xfrm>
-          <a:prstGeom prst="ellipse">
-            <a:avLst/>
-          </a:prstGeom>
-        </p:spPr>
-        <p:style>
-          <a:lnRef idx="2">
-            <a:schemeClr val="accent1">
-              <a:shade val="50000"/>
-            </a:schemeClr>
-          </a:lnRef>
-          <a:fillRef idx="1">
-            <a:schemeClr val="accent1"/>
-          </a:fillRef>
-          <a:effectRef idx="0">
-            <a:schemeClr val="accent1"/>
-          </a:effectRef>
-          <a:fontRef idx="minor">
-            <a:schemeClr val="lt1"/>
-          </a:fontRef>
-        </p:style>
-        <p:txBody>
-          <a:bodyPr rot="0" spcFirstLastPara="0" vertOverflow="overflow" horzOverflow="overflow" vert="horz" wrap="square" lIns="91440" tIns="45720" rIns="91440" bIns="45720" numCol="1" spcCol="0" rtlCol="0" fromWordArt="0" anchor="ctr" anchorCtr="0" forceAA="0" compatLnSpc="1">
-            <a:prstTxWarp prst="textNoShape">
-              <a:avLst/>
-            </a:prstTxWarp>
-            <a:noAutofit/>
-          </a:bodyPr>
-          <a:lstStyle/>
-          <a:p>
-            <a:pPr algn="ctr"/>
-            <a:r>
-              <a:rPr lang="it-IT" sz="2000" dirty="0"/>
-              <a:t>out (</a:t>
-            </a:r>
-            <a:r>
-              <a:rPr lang="it-IT" sz="2000" dirty="0" err="1"/>
-              <a:t>struct</a:t>
-            </a:r>
-            <a:r>
-              <a:rPr lang="it-IT" sz="2000" dirty="0"/>
-              <a:t>)</a:t>
-            </a:r>
-          </a:p>
-        </p:txBody>
-      </p:sp>
-      <p:sp>
-        <p:nvSpPr>
-          <p:cNvPr id="17" name="Ovale 16"/>
-          <p:cNvSpPr/>
-          <p:nvPr/>
-        </p:nvSpPr>
-        <p:spPr>
-          <a:xfrm>
-            <a:off x="5769978" y="4820073"/>
-            <a:ext cx="1031996" cy="752354"/>
-          </a:xfrm>
-          <a:prstGeom prst="ellipse">
-            <a:avLst/>
-          </a:prstGeom>
-        </p:spPr>
-        <p:style>
-          <a:lnRef idx="2">
-            <a:schemeClr val="accent1">
-              <a:shade val="50000"/>
-            </a:schemeClr>
-          </a:lnRef>
-          <a:fillRef idx="1">
-            <a:schemeClr val="accent1"/>
-          </a:fillRef>
-          <a:effectRef idx="0">
-            <a:schemeClr val="accent1"/>
-          </a:effectRef>
-          <a:fontRef idx="minor">
-            <a:schemeClr val="lt1"/>
-          </a:fontRef>
-        </p:style>
-        <p:txBody>
-          <a:bodyPr rot="0" spcFirstLastPara="0" vertOverflow="overflow" horzOverflow="overflow" vert="horz" wrap="square" lIns="91440" tIns="45720" rIns="91440" bIns="45720" numCol="1" spcCol="0" rtlCol="0" fromWordArt="0" anchor="ctr" anchorCtr="0" forceAA="0" compatLnSpc="1">
-            <a:prstTxWarp prst="textNoShape">
-              <a:avLst/>
-            </a:prstTxWarp>
-            <a:noAutofit/>
-          </a:bodyPr>
-          <a:lstStyle/>
-          <a:p>
-            <a:pPr algn="ctr"/>
-            <a:r>
-              <a:rPr lang="it-IT" sz="2000" dirty="0"/>
-              <a:t>.xml file</a:t>
-            </a:r>
-          </a:p>
-        </p:txBody>
-      </p:sp>
-      <p:sp>
-        <p:nvSpPr>
-          <p:cNvPr id="18" name="Ovale 17"/>
-          <p:cNvSpPr/>
-          <p:nvPr/>
-        </p:nvSpPr>
-        <p:spPr>
-          <a:xfrm>
-            <a:off x="0" y="4820073"/>
-            <a:ext cx="1031996" cy="752354"/>
-          </a:xfrm>
-          <a:prstGeom prst="ellipse">
-            <a:avLst/>
-          </a:prstGeom>
-        </p:spPr>
-        <p:style>
-          <a:lnRef idx="2">
-            <a:schemeClr val="accent1">
-              <a:shade val="50000"/>
-            </a:schemeClr>
-          </a:lnRef>
-          <a:fillRef idx="1">
-            <a:schemeClr val="accent1"/>
-          </a:fillRef>
-          <a:effectRef idx="0">
-            <a:schemeClr val="accent1"/>
-          </a:effectRef>
-          <a:fontRef idx="minor">
-            <a:schemeClr val="lt1"/>
-          </a:fontRef>
-        </p:style>
-        <p:txBody>
-          <a:bodyPr rot="0" spcFirstLastPara="0" vertOverflow="overflow" horzOverflow="overflow" vert="horz" wrap="square" lIns="91440" tIns="45720" rIns="91440" bIns="45720" numCol="1" spcCol="0" rtlCol="0" fromWordArt="0" anchor="ctr" anchorCtr="0" forceAA="0" compatLnSpc="1">
-            <a:prstTxWarp prst="textNoShape">
-              <a:avLst/>
-            </a:prstTxWarp>
-            <a:noAutofit/>
-          </a:bodyPr>
-          <a:lstStyle/>
-          <a:p>
-            <a:pPr algn="ctr"/>
-            <a:r>
-              <a:rPr lang="it-IT" sz="2000" dirty="0"/>
-              <a:t>.m FILE</a:t>
-            </a:r>
-          </a:p>
-        </p:txBody>
-      </p:sp>
-      <p:cxnSp>
-        <p:nvCxnSpPr>
-          <p:cNvPr id="24" name="Connettore 4 23"/>
-          <p:cNvCxnSpPr/>
-          <p:nvPr/>
-        </p:nvCxnSpPr>
-        <p:spPr>
-          <a:xfrm rot="5400000">
-            <a:off x="5145305" y="4007619"/>
-            <a:ext cx="12700" cy="2884989"/>
-          </a:xfrm>
-          <a:prstGeom prst="bentConnector3">
-            <a:avLst>
-              <a:gd name="adj1" fmla="val 3075969"/>
-            </a:avLst>
-          </a:prstGeom>
-          <a:ln w="57150">
-            <a:tailEnd type="triangle"/>
-          </a:ln>
-        </p:spPr>
-        <p:style>
-          <a:lnRef idx="1">
-            <a:schemeClr val="accent1"/>
-          </a:lnRef>
-          <a:fillRef idx="0">
-            <a:schemeClr val="accent1"/>
-          </a:fillRef>
-          <a:effectRef idx="0">
-            <a:schemeClr val="accent1"/>
-          </a:effectRef>
-          <a:fontRef idx="minor">
-            <a:schemeClr val="tx1"/>
-          </a:fontRef>
-        </p:style>
-      </p:cxnSp>
-      <p:sp>
-        <p:nvSpPr>
-          <p:cNvPr id="27" name="CasellaDiTesto 26"/>
-          <p:cNvSpPr txBox="1"/>
-          <p:nvPr/>
-        </p:nvSpPr>
-        <p:spPr>
-          <a:xfrm>
-            <a:off x="1343195" y="4759442"/>
-            <a:ext cx="2037145" cy="400110"/>
-          </a:xfrm>
-          <a:prstGeom prst="rect">
-            <a:avLst/>
-          </a:prstGeom>
-          <a:noFill/>
-        </p:spPr>
-        <p:txBody>
-          <a:bodyPr wrap="square" rtlCol="0">
-            <a:spAutoFit/>
-          </a:bodyPr>
-          <a:lstStyle/>
-          <a:p>
-            <a:r>
-              <a:rPr lang="it-IT" sz="2000" dirty="0" err="1" smtClean="0"/>
-              <a:t>mwriteFS.m</a:t>
-            </a:r>
-            <a:endParaRPr lang="it-IT" sz="2000" dirty="0"/>
-          </a:p>
-        </p:txBody>
-      </p:sp>
-      <p:cxnSp>
-        <p:nvCxnSpPr>
-          <p:cNvPr id="28" name="Connettore 4 27"/>
-          <p:cNvCxnSpPr>
-            <a:endCxn id="17" idx="0"/>
-          </p:cNvCxnSpPr>
-          <p:nvPr/>
-        </p:nvCxnSpPr>
-        <p:spPr>
-          <a:xfrm flipV="1">
-            <a:off x="3776903" y="4820074"/>
-            <a:ext cx="2509073" cy="124035"/>
-          </a:xfrm>
-          <a:prstGeom prst="bentConnector4">
-            <a:avLst>
-              <a:gd name="adj1" fmla="val 505"/>
-              <a:gd name="adj2" fmla="val 284303"/>
-            </a:avLst>
-          </a:prstGeom>
-          <a:ln w="57150">
-            <a:tailEnd type="triangle"/>
-          </a:ln>
-        </p:spPr>
-        <p:style>
-          <a:lnRef idx="1">
-            <a:schemeClr val="accent1"/>
-          </a:lnRef>
-          <a:fillRef idx="0">
-            <a:schemeClr val="accent1"/>
-          </a:fillRef>
-          <a:effectRef idx="0">
-            <a:schemeClr val="accent1"/>
-          </a:effectRef>
-          <a:fontRef idx="minor">
-            <a:schemeClr val="tx1"/>
-          </a:fontRef>
-        </p:style>
-      </p:cxnSp>
-      <p:sp>
-        <p:nvSpPr>
-          <p:cNvPr id="29" name="CasellaDiTesto 28"/>
-          <p:cNvSpPr txBox="1"/>
-          <p:nvPr/>
-        </p:nvSpPr>
-        <p:spPr>
-          <a:xfrm>
-            <a:off x="4396933" y="4611914"/>
-            <a:ext cx="1715946" cy="400110"/>
-          </a:xfrm>
-          <a:prstGeom prst="rect">
-            <a:avLst/>
-          </a:prstGeom>
-          <a:noFill/>
-        </p:spPr>
-        <p:txBody>
-          <a:bodyPr wrap="square" rtlCol="0">
-            <a:spAutoFit/>
-          </a:bodyPr>
-          <a:lstStyle/>
-          <a:p>
-            <a:r>
-              <a:rPr lang="it-IT" sz="2000" dirty="0" err="1" smtClean="0"/>
-              <a:t>xmlwriteFS.m</a:t>
-            </a:r>
-            <a:endParaRPr lang="it-IT" sz="2000" dirty="0"/>
-          </a:p>
-        </p:txBody>
-      </p:sp>
-      <p:sp>
-        <p:nvSpPr>
-          <p:cNvPr id="38" name="CasellaDiTesto 37"/>
-          <p:cNvSpPr txBox="1"/>
-          <p:nvPr/>
-        </p:nvSpPr>
-        <p:spPr>
-          <a:xfrm>
-            <a:off x="4186157" y="5384104"/>
-            <a:ext cx="2037145" cy="400110"/>
-          </a:xfrm>
-          <a:prstGeom prst="rect">
-            <a:avLst/>
-          </a:prstGeom>
-          <a:noFill/>
-        </p:spPr>
-        <p:txBody>
-          <a:bodyPr wrap="square" rtlCol="0">
-            <a:spAutoFit/>
-          </a:bodyPr>
-          <a:lstStyle/>
-          <a:p>
-            <a:r>
-              <a:rPr lang="it-IT" sz="2000" dirty="0" err="1" smtClean="0"/>
-              <a:t>xmlreadFS.m</a:t>
-            </a:r>
-            <a:endParaRPr lang="it-IT" sz="2000" dirty="0"/>
-          </a:p>
-        </p:txBody>
-      </p:sp>
-      <p:cxnSp>
-        <p:nvCxnSpPr>
-          <p:cNvPr id="44" name="Connettore 4 43"/>
-          <p:cNvCxnSpPr>
-            <a:endCxn id="15" idx="3"/>
-          </p:cNvCxnSpPr>
-          <p:nvPr/>
-        </p:nvCxnSpPr>
-        <p:spPr>
-          <a:xfrm rot="5400000" flipH="1" flipV="1">
-            <a:off x="1660256" y="6151227"/>
-            <a:ext cx="1948237" cy="570281"/>
-          </a:xfrm>
-          <a:prstGeom prst="bentConnector3">
-            <a:avLst>
-              <a:gd name="adj1" fmla="val 46436"/>
-            </a:avLst>
-          </a:prstGeom>
-          <a:ln w="57150">
-            <a:tailEnd type="triangle"/>
-          </a:ln>
-        </p:spPr>
-        <p:style>
-          <a:lnRef idx="1">
-            <a:schemeClr val="accent1"/>
-          </a:lnRef>
-          <a:fillRef idx="0">
-            <a:schemeClr val="accent1"/>
-          </a:fillRef>
-          <a:effectRef idx="0">
-            <a:schemeClr val="accent1"/>
-          </a:effectRef>
-          <a:fontRef idx="minor">
-            <a:schemeClr val="tx1"/>
-          </a:fontRef>
-        </p:style>
-      </p:cxnSp>
-      <p:cxnSp>
-        <p:nvCxnSpPr>
-          <p:cNvPr id="45" name="Connettore 4 44"/>
-          <p:cNvCxnSpPr/>
-          <p:nvPr/>
-        </p:nvCxnSpPr>
-        <p:spPr>
-          <a:xfrm rot="16200000" flipH="1">
-            <a:off x="2269105" y="6368404"/>
-            <a:ext cx="1885375" cy="281580"/>
-          </a:xfrm>
-          <a:prstGeom prst="bentConnector3">
-            <a:avLst>
-              <a:gd name="adj1" fmla="val 51842"/>
-            </a:avLst>
-          </a:prstGeom>
-          <a:ln w="57150">
-            <a:tailEnd type="triangle"/>
-          </a:ln>
-        </p:spPr>
-        <p:style>
-          <a:lnRef idx="1">
-            <a:schemeClr val="accent1"/>
-          </a:lnRef>
-          <a:fillRef idx="0">
-            <a:schemeClr val="accent1"/>
-          </a:fillRef>
-          <a:effectRef idx="0">
-            <a:schemeClr val="accent1"/>
-          </a:effectRef>
-          <a:fontRef idx="minor">
-            <a:schemeClr val="tx1"/>
-          </a:fontRef>
-        </p:style>
-      </p:cxnSp>
-      <p:sp>
-        <p:nvSpPr>
-          <p:cNvPr id="55" name="Ovale 54"/>
-          <p:cNvSpPr/>
-          <p:nvPr/>
-        </p:nvSpPr>
-        <p:spPr>
-          <a:xfrm>
-            <a:off x="2039574" y="7264821"/>
-            <a:ext cx="1506562" cy="1268772"/>
-          </a:xfrm>
-          <a:prstGeom prst="ellipse">
-            <a:avLst/>
-          </a:prstGeom>
-        </p:spPr>
-        <p:style>
-          <a:lnRef idx="2">
-            <a:schemeClr val="accent1">
-              <a:shade val="50000"/>
-            </a:schemeClr>
-          </a:lnRef>
-          <a:fillRef idx="1">
-            <a:schemeClr val="accent1"/>
-          </a:fillRef>
-          <a:effectRef idx="0">
-            <a:schemeClr val="accent1"/>
-          </a:effectRef>
-          <a:fontRef idx="minor">
-            <a:schemeClr val="lt1"/>
-          </a:fontRef>
-        </p:style>
-        <p:txBody>
-          <a:bodyPr rot="0" spcFirstLastPara="0" vertOverflow="overflow" horzOverflow="overflow" vert="horz" wrap="square" lIns="91440" tIns="45720" rIns="91440" bIns="45720" numCol="1" spcCol="0" rtlCol="0" fromWordArt="0" anchor="ctr" anchorCtr="0" forceAA="0" compatLnSpc="1">
-            <a:prstTxWarp prst="textNoShape">
-              <a:avLst/>
-            </a:prstTxWarp>
-            <a:noAutofit/>
-          </a:bodyPr>
-          <a:lstStyle/>
-          <a:p>
-            <a:pPr algn="ctr"/>
-            <a:r>
-              <a:rPr lang="it-IT" sz="2000" dirty="0" err="1"/>
-              <a:t>helpGUI</a:t>
-            </a:r>
-            <a:endParaRPr lang="it-IT" sz="2000" dirty="0"/>
-          </a:p>
-        </p:txBody>
-      </p:sp>
-      <p:cxnSp>
-        <p:nvCxnSpPr>
-          <p:cNvPr id="56" name="Connettore 4 55"/>
-          <p:cNvCxnSpPr/>
-          <p:nvPr/>
-        </p:nvCxnSpPr>
-        <p:spPr>
-          <a:xfrm rot="5400000" flipH="1" flipV="1">
-            <a:off x="36403" y="2012240"/>
-            <a:ext cx="3163274" cy="2204085"/>
-          </a:xfrm>
-          <a:prstGeom prst="bentConnector3">
-            <a:avLst>
-              <a:gd name="adj1" fmla="val 100861"/>
-            </a:avLst>
-          </a:prstGeom>
-          <a:ln w="57150">
-            <a:prstDash val="dash"/>
-            <a:tailEnd type="none"/>
-          </a:ln>
-        </p:spPr>
-        <p:style>
-          <a:lnRef idx="1">
-            <a:schemeClr val="accent1"/>
-          </a:lnRef>
-          <a:fillRef idx="0">
-            <a:schemeClr val="accent1"/>
-          </a:fillRef>
-          <a:effectRef idx="0">
-            <a:schemeClr val="accent1"/>
-          </a:effectRef>
-          <a:fontRef idx="minor">
-            <a:schemeClr val="tx1"/>
-          </a:fontRef>
-        </p:style>
-      </p:cxnSp>
-      <p:cxnSp>
-        <p:nvCxnSpPr>
-          <p:cNvPr id="75" name="Connettore 4 74"/>
-          <p:cNvCxnSpPr/>
-          <p:nvPr/>
-        </p:nvCxnSpPr>
-        <p:spPr>
-          <a:xfrm rot="16200000" flipH="1">
-            <a:off x="3314928" y="5576212"/>
-            <a:ext cx="1456043" cy="1393769"/>
-          </a:xfrm>
-          <a:prstGeom prst="bentConnector3">
-            <a:avLst>
-              <a:gd name="adj1" fmla="val 50000"/>
-            </a:avLst>
-          </a:prstGeom>
-          <a:ln w="57150">
-            <a:tailEnd type="triangle"/>
-          </a:ln>
-        </p:spPr>
-        <p:style>
-          <a:lnRef idx="1">
-            <a:schemeClr val="accent1"/>
-          </a:lnRef>
-          <a:fillRef idx="0">
-            <a:schemeClr val="accent1"/>
-          </a:fillRef>
-          <a:effectRef idx="0">
-            <a:schemeClr val="accent1"/>
-          </a:effectRef>
-          <a:fontRef idx="minor">
-            <a:schemeClr val="tx1"/>
-          </a:fontRef>
-        </p:style>
-      </p:cxnSp>
-      <p:sp>
-        <p:nvSpPr>
-          <p:cNvPr id="87" name="Elaborazione 86"/>
-          <p:cNvSpPr/>
-          <p:nvPr/>
-        </p:nvSpPr>
-        <p:spPr>
-          <a:xfrm>
-            <a:off x="4384011" y="7001118"/>
-            <a:ext cx="1785438" cy="1001192"/>
-          </a:xfrm>
-          <a:prstGeom prst="flowChartProcess">
-            <a:avLst/>
-          </a:prstGeom>
-        </p:spPr>
-        <p:style>
-          <a:lnRef idx="2">
-            <a:schemeClr val="accent1">
-              <a:shade val="50000"/>
-            </a:schemeClr>
-          </a:lnRef>
-          <a:fillRef idx="1">
-            <a:schemeClr val="accent1"/>
-          </a:fillRef>
-          <a:effectRef idx="0">
-            <a:schemeClr val="accent1"/>
-          </a:effectRef>
-          <a:fontRef idx="minor">
-            <a:schemeClr val="lt1"/>
-          </a:fontRef>
-        </p:style>
-        <p:txBody>
-          <a:bodyPr rot="0" spcFirstLastPara="0" vertOverflow="overflow" horzOverflow="overflow" vert="horz" wrap="square" lIns="91440" tIns="45720" rIns="91440" bIns="45720" numCol="1" spcCol="0" rtlCol="0" fromWordArt="0" anchor="ctr" anchorCtr="0" forceAA="0" compatLnSpc="1">
-            <a:prstTxWarp prst="textNoShape">
-              <a:avLst/>
-            </a:prstTxWarp>
-            <a:noAutofit/>
-          </a:bodyPr>
-          <a:lstStyle/>
-          <a:p>
-            <a:pPr algn="ctr"/>
-            <a:r>
-              <a:rPr lang="it-IT" sz="2000" dirty="0"/>
-              <a:t>.html FILE</a:t>
-            </a:r>
-          </a:p>
-        </p:txBody>
-      </p:sp>
-      <p:sp>
-        <p:nvSpPr>
-          <p:cNvPr id="88" name="CasellaDiTesto 87"/>
-          <p:cNvSpPr txBox="1"/>
-          <p:nvPr/>
-        </p:nvSpPr>
-        <p:spPr>
-          <a:xfrm>
-            <a:off x="4878205" y="6273097"/>
-            <a:ext cx="1715946" cy="400110"/>
-          </a:xfrm>
-          <a:prstGeom prst="rect">
-            <a:avLst/>
-          </a:prstGeom>
-          <a:noFill/>
-        </p:spPr>
-        <p:txBody>
-          <a:bodyPr wrap="square" rtlCol="0">
-            <a:spAutoFit/>
-          </a:bodyPr>
-          <a:lstStyle/>
-          <a:p>
-            <a:r>
-              <a:rPr lang="it-IT" sz="2000" dirty="0" err="1" smtClean="0"/>
-              <a:t>htmlwriteFS.m</a:t>
-            </a:r>
-            <a:endParaRPr lang="it-IT" sz="2000" dirty="0"/>
-          </a:p>
-        </p:txBody>
-      </p:sp>
-      <p:sp>
-        <p:nvSpPr>
-          <p:cNvPr id="89" name="CasellaDiTesto 88"/>
-          <p:cNvSpPr txBox="1"/>
-          <p:nvPr/>
-        </p:nvSpPr>
-        <p:spPr>
-          <a:xfrm>
-            <a:off x="0" y="219919"/>
-            <a:ext cx="6940870" cy="523220"/>
-          </a:xfrm>
-          <a:prstGeom prst="rect">
-            <a:avLst/>
-          </a:prstGeom>
-          <a:noFill/>
-        </p:spPr>
-        <p:txBody>
-          <a:bodyPr wrap="square" rtlCol="0">
-            <a:spAutoFit/>
-          </a:bodyPr>
-          <a:lstStyle/>
-          <a:p>
-            <a:pPr algn="ctr"/>
-            <a:r>
-              <a:rPr lang="it-IT" sz="2800" dirty="0" smtClean="0">
-                <a:latin typeface="Arial Rounded MT Bold" panose="020F0704030504030204" pitchFamily="34" charset="0"/>
-              </a:rPr>
-              <a:t>From </a:t>
-            </a:r>
-            <a:r>
-              <a:rPr lang="it-IT" sz="2800" dirty="0">
-                <a:latin typeface="Arial Rounded MT Bold" panose="020F0704030504030204" pitchFamily="34" charset="0"/>
-              </a:rPr>
-              <a:t>.m to .html </a:t>
-            </a:r>
-            <a:r>
-              <a:rPr lang="it-IT" sz="2800" dirty="0" err="1" smtClean="0">
-                <a:latin typeface="Arial Rounded MT Bold" panose="020F0704030504030204" pitchFamily="34" charset="0"/>
-              </a:rPr>
-              <a:t>using</a:t>
-            </a:r>
-            <a:r>
-              <a:rPr lang="it-IT" sz="2800" dirty="0" smtClean="0">
-                <a:latin typeface="Arial Rounded MT Bold" panose="020F0704030504030204" pitchFamily="34" charset="0"/>
-              </a:rPr>
-              <a:t> .xml</a:t>
-            </a:r>
-            <a:endParaRPr lang="it-IT" sz="2800" dirty="0">
-              <a:latin typeface="Arial Rounded MT Bold" panose="020F0704030504030204" pitchFamily="34" charset="0"/>
-            </a:endParaRPr>
-          </a:p>
-        </p:txBody>
-      </p:sp>
-      <p:sp>
-        <p:nvSpPr>
-          <p:cNvPr id="90" name="CasellaDiTesto 89"/>
-          <p:cNvSpPr txBox="1"/>
-          <p:nvPr/>
-        </p:nvSpPr>
-        <p:spPr>
-          <a:xfrm>
-            <a:off x="183126" y="7699152"/>
-            <a:ext cx="2037145" cy="400110"/>
-          </a:xfrm>
-          <a:prstGeom prst="rect">
-            <a:avLst/>
-          </a:prstGeom>
-          <a:noFill/>
-        </p:spPr>
-        <p:txBody>
-          <a:bodyPr wrap="square" rtlCol="0">
-            <a:spAutoFit/>
-          </a:bodyPr>
-          <a:lstStyle/>
-          <a:p>
-            <a:r>
-              <a:rPr lang="it-IT" sz="2000" dirty="0" err="1" smtClean="0"/>
-              <a:t>HelpGUI.mlapp</a:t>
-            </a:r>
-            <a:endParaRPr lang="it-IT" sz="2000" dirty="0"/>
-          </a:p>
-        </p:txBody>
-      </p:sp>
+      </p:pic>
     </p:spTree>
     <p:extLst>
       <p:ext uri="{BB962C8B-B14F-4D97-AF65-F5344CB8AC3E}">
-        <p14:creationId xmlns:p14="http://schemas.microsoft.com/office/powerpoint/2010/main" val="1331471044"/>
+        <p14:creationId xmlns:p14="http://schemas.microsoft.com/office/powerpoint/2010/main" val="2748402370"/>
       </p:ext>
     </p:extLst>
   </p:cSld>
   <p:clrMapOvr>
     <a:masterClrMapping/>
   </p:clrMapOvr>
-  <p:timing>
-    <p:tnLst>
-      <p:par>
-        <p:cTn id="1" dur="indefinite" restart="never" nodeType="tmRoot"/>
-      </p:par>
-    </p:tnLst>
-  </p:timing>
 </p:sld>
 </file>
 
@@ -4007,49 +3141,14 @@
             <p:ph type="title"/>
           </p:nvPr>
         </p:nvSpPr>
-        <p:spPr>
-          <a:xfrm>
-            <a:off x="381965" y="486838"/>
-            <a:ext cx="6004549" cy="1203066"/>
-          </a:xfrm>
-        </p:spPr>
+        <p:spPr/>
         <p:txBody>
-          <a:bodyPr>
-            <a:normAutofit fontScale="90000"/>
-          </a:bodyPr>
+          <a:bodyPr/>
           <a:lstStyle/>
           <a:p>
             <a:r>
-              <a:rPr lang="it-IT" dirty="0" err="1" smtClean="0"/>
-              <a:t>Example</a:t>
-            </a:r>
-            <a:r>
-              <a:rPr lang="it-IT" dirty="0" smtClean="0"/>
-              <a:t> of the out </a:t>
-            </a:r>
-            <a:r>
-              <a:rPr lang="it-IT" dirty="0" err="1" smtClean="0"/>
-              <a:t>strucure</a:t>
-            </a:r>
-            <a:r>
-              <a:rPr lang="it-IT" dirty="0" smtClean="0"/>
-              <a:t> </a:t>
-            </a:r>
-            <a:r>
-              <a:rPr lang="it-IT" dirty="0" err="1" smtClean="0"/>
-              <a:t>created</a:t>
-            </a:r>
-            <a:r>
-              <a:rPr lang="it-IT" dirty="0" smtClean="0"/>
-              <a:t> by </a:t>
-            </a:r>
-            <a:r>
-              <a:rPr lang="it-IT" dirty="0" err="1" smtClean="0"/>
-              <a:t>function</a:t>
-            </a:r>
-            <a:r>
-              <a:rPr lang="it-IT" dirty="0" smtClean="0"/>
-              <a:t> </a:t>
+              <a:rPr lang="it-IT" dirty="0" smtClean="0"/>
+              <a:t>File «</a:t>
             </a:r>
             <a:r>
               <a:rPr lang="it-IT" dirty="0" err="1" smtClean="0"/>
@@ -4057,19 +3156,7 @@
             </a:r>
             <a:r>
               <a:rPr lang="it-IT" dirty="0" smtClean="0"/>
-              <a:t> </a:t>
-            </a:r>
-            <a:r>
-              <a:rPr lang="it-IT" dirty="0" err="1" smtClean="0"/>
-              <a:t>starting</a:t>
-            </a:r>
-            <a:r>
-              <a:rPr lang="it-IT" dirty="0" smtClean="0"/>
-              <a:t> from file </a:t>
-            </a:r>
-            <a:r>
-              <a:rPr lang="it-IT" dirty="0" err="1" smtClean="0"/>
-              <a:t>tclust.m</a:t>
+              <a:t>»</a:t>
             </a:r>
             <a:endParaRPr lang="it-IT" dirty="0"/>
           </a:p>
@@ -4085,42 +3172,595 @@
             <p:ph idx="1"/>
           </p:nvPr>
         </p:nvSpPr>
-        <p:spPr/>
+        <p:spPr>
+          <a:xfrm>
+            <a:off x="471488" y="1924880"/>
+            <a:ext cx="6241828" cy="6976052"/>
+          </a:xfrm>
+        </p:spPr>
         <p:txBody>
-          <a:bodyPr/>
+          <a:bodyPr>
+            <a:normAutofit fontScale="92500"/>
+          </a:bodyPr>
           <a:lstStyle/>
           <a:p>
+            <a:r>
+              <a:rPr lang="it-IT" dirty="0" err="1" smtClean="0"/>
+              <a:t>Transforms</a:t>
+            </a:r>
+            <a:r>
+              <a:rPr lang="it-IT" dirty="0" smtClean="0"/>
+              <a:t> a MATLAB .m file </a:t>
+            </a:r>
+            <a:r>
+              <a:rPr lang="it-IT" dirty="0" err="1" smtClean="0"/>
+              <a:t>into</a:t>
+            </a:r>
+            <a:r>
+              <a:rPr lang="it-IT" dirty="0" smtClean="0"/>
+              <a:t> a MATLAB </a:t>
+            </a:r>
+            <a:r>
+              <a:rPr lang="it-IT" dirty="0" err="1" smtClean="0"/>
+              <a:t>structure</a:t>
+            </a:r>
+            <a:r>
+              <a:rPr lang="it-IT" dirty="0" smtClean="0"/>
+              <a:t> (</a:t>
+            </a:r>
+            <a:r>
+              <a:rPr lang="it-IT" dirty="0" err="1" smtClean="0"/>
+              <a:t>say</a:t>
+            </a:r>
+            <a:r>
+              <a:rPr lang="it-IT" dirty="0" smtClean="0"/>
+              <a:t> out) with the </a:t>
+            </a:r>
+            <a:r>
+              <a:rPr lang="it-IT" dirty="0" err="1" smtClean="0"/>
+              <a:t>following</a:t>
+            </a:r>
+            <a:r>
+              <a:rPr lang="it-IT" dirty="0" smtClean="0"/>
+              <a:t> </a:t>
+            </a:r>
+            <a:r>
+              <a:rPr lang="it-IT" dirty="0" err="1" smtClean="0"/>
+              <a:t>fields</a:t>
+            </a:r>
+            <a:r>
+              <a:rPr lang="it-IT" dirty="0" smtClean="0"/>
+              <a:t>.</a:t>
+            </a:r>
+          </a:p>
+          <a:p>
+            <a:r>
+              <a:rPr lang="it-IT" b="1" dirty="0" err="1" smtClean="0"/>
+              <a:t>out.titl</a:t>
+            </a:r>
+            <a:r>
+              <a:rPr lang="it-IT" dirty="0" smtClean="0"/>
+              <a:t>: </a:t>
+            </a:r>
+            <a:r>
+              <a:rPr lang="it-IT" dirty="0" err="1" smtClean="0"/>
+              <a:t>string</a:t>
+            </a:r>
+            <a:r>
+              <a:rPr lang="it-IT" dirty="0" smtClean="0"/>
+              <a:t> with the tille</a:t>
+            </a:r>
+          </a:p>
+          <a:p>
+            <a:r>
+              <a:rPr lang="it-IT" b="1" dirty="0" err="1"/>
+              <a:t>out.purpose</a:t>
+            </a:r>
+            <a:r>
+              <a:rPr lang="it-IT" dirty="0" smtClean="0"/>
+              <a:t>: </a:t>
+            </a:r>
+            <a:r>
+              <a:rPr lang="it-IT" dirty="0" err="1" smtClean="0"/>
+              <a:t>string</a:t>
+            </a:r>
+            <a:r>
+              <a:rPr lang="it-IT" dirty="0" smtClean="0"/>
+              <a:t> with file </a:t>
+            </a:r>
+            <a:r>
+              <a:rPr lang="it-IT" dirty="0" err="1" smtClean="0"/>
+              <a:t>purpose</a:t>
+            </a:r>
+            <a:endParaRPr lang="it-IT" dirty="0" smtClean="0"/>
+          </a:p>
+          <a:p>
+            <a:r>
+              <a:rPr lang="it-IT" b="1" dirty="0" err="1"/>
+              <a:t>out.description</a:t>
+            </a:r>
+            <a:r>
+              <a:rPr lang="it-IT" dirty="0" smtClean="0"/>
+              <a:t>: </a:t>
+            </a:r>
+            <a:r>
+              <a:rPr lang="it-IT" dirty="0" err="1" smtClean="0"/>
+              <a:t>string</a:t>
+            </a:r>
+            <a:r>
+              <a:rPr lang="it-IT" dirty="0" smtClean="0"/>
+              <a:t> with file </a:t>
+            </a:r>
+            <a:r>
+              <a:rPr lang="it-IT" dirty="0" err="1" smtClean="0"/>
+              <a:t>description</a:t>
+            </a:r>
+            <a:endParaRPr lang="it-IT" dirty="0" smtClean="0"/>
+          </a:p>
+          <a:p>
+            <a:r>
+              <a:rPr lang="it-IT" b="1" dirty="0" err="1"/>
+              <a:t>out.InpArgs</a:t>
+            </a:r>
+            <a:r>
+              <a:rPr lang="it-IT" b="1" dirty="0"/>
+              <a:t>:</a:t>
+            </a:r>
+            <a:r>
+              <a:rPr lang="it-IT" dirty="0" smtClean="0"/>
+              <a:t> </a:t>
+            </a:r>
+            <a:r>
+              <a:rPr lang="it-IT" dirty="0" err="1" smtClean="0"/>
+              <a:t>cell</a:t>
+            </a:r>
+            <a:r>
+              <a:rPr lang="it-IT" dirty="0" smtClean="0"/>
+              <a:t> of </a:t>
+            </a:r>
+            <a:r>
+              <a:rPr lang="it-IT" dirty="0" err="1" smtClean="0"/>
+              <a:t>size</a:t>
+            </a:r>
+            <a:r>
+              <a:rPr lang="it-IT" dirty="0" smtClean="0"/>
+              <a:t> b×8 with «</a:t>
+            </a:r>
+            <a:r>
+              <a:rPr lang="it-IT" dirty="0" err="1" smtClean="0"/>
+              <a:t>Required</a:t>
+            </a:r>
+            <a:r>
+              <a:rPr lang="it-IT" dirty="0" smtClean="0"/>
+              <a:t> Input </a:t>
+            </a:r>
+            <a:r>
+              <a:rPr lang="it-IT" dirty="0" err="1" smtClean="0"/>
+              <a:t>Arguments</a:t>
+            </a:r>
+            <a:r>
+              <a:rPr lang="it-IT" dirty="0" smtClean="0"/>
+              <a:t>» </a:t>
+            </a:r>
+          </a:p>
+          <a:p>
+            <a:r>
+              <a:rPr lang="it-IT" b="1" dirty="0" err="1"/>
+              <a:t>out.OptArgs</a:t>
+            </a:r>
+            <a:r>
+              <a:rPr lang="it-IT" b="1" dirty="0"/>
+              <a:t>:</a:t>
+            </a:r>
+            <a:r>
+              <a:rPr lang="it-IT" dirty="0" smtClean="0"/>
+              <a:t> </a:t>
+            </a:r>
+            <a:r>
+              <a:rPr lang="it-IT" dirty="0" err="1" smtClean="0"/>
+              <a:t>cell</a:t>
+            </a:r>
+            <a:r>
+              <a:rPr lang="it-IT" dirty="0" smtClean="0"/>
+              <a:t> of </a:t>
+            </a:r>
+            <a:r>
+              <a:rPr lang="it-IT" dirty="0" err="1" smtClean="0"/>
+              <a:t>size</a:t>
+            </a:r>
+            <a:r>
+              <a:rPr lang="it-IT" dirty="0" smtClean="0"/>
+              <a:t> c×8 </a:t>
+            </a:r>
+            <a:r>
+              <a:rPr lang="it-IT" dirty="0"/>
+              <a:t>with </a:t>
+            </a:r>
+            <a:r>
+              <a:rPr lang="it-IT" dirty="0" smtClean="0"/>
+              <a:t>«Optional Input </a:t>
+            </a:r>
+            <a:r>
+              <a:rPr lang="it-IT" dirty="0" err="1" smtClean="0"/>
+              <a:t>Arguments</a:t>
+            </a:r>
+            <a:r>
+              <a:rPr lang="it-IT" dirty="0"/>
+              <a:t>» </a:t>
+            </a:r>
+            <a:endParaRPr lang="it-IT" dirty="0" smtClean="0"/>
+          </a:p>
+          <a:p>
+            <a:r>
+              <a:rPr lang="it-IT" b="1" dirty="0" err="1"/>
+              <a:t>out.OutArgs</a:t>
+            </a:r>
+            <a:r>
+              <a:rPr lang="it-IT" b="1" dirty="0" smtClean="0"/>
+              <a:t>: </a:t>
+            </a:r>
+            <a:r>
+              <a:rPr lang="it-IT" dirty="0" err="1" smtClean="0"/>
+              <a:t>cell</a:t>
+            </a:r>
+            <a:r>
+              <a:rPr lang="it-IT" dirty="0" smtClean="0"/>
+              <a:t> </a:t>
+            </a:r>
+            <a:r>
+              <a:rPr lang="it-IT" dirty="0"/>
+              <a:t>of </a:t>
+            </a:r>
+            <a:r>
+              <a:rPr lang="it-IT" dirty="0" err="1"/>
+              <a:t>size</a:t>
+            </a:r>
+            <a:r>
+              <a:rPr lang="it-IT" dirty="0"/>
+              <a:t> d</a:t>
+            </a:r>
+            <a:r>
+              <a:rPr lang="it-IT" dirty="0" smtClean="0"/>
+              <a:t>×8 </a:t>
+            </a:r>
+            <a:r>
+              <a:rPr lang="it-IT" dirty="0"/>
+              <a:t>with </a:t>
+            </a:r>
+            <a:r>
+              <a:rPr lang="it-IT" dirty="0" smtClean="0"/>
+              <a:t>«Output </a:t>
+            </a:r>
+            <a:r>
+              <a:rPr lang="it-IT" dirty="0" err="1" smtClean="0"/>
+              <a:t>Arguments</a:t>
+            </a:r>
+            <a:r>
+              <a:rPr lang="it-IT" dirty="0"/>
+              <a:t>» </a:t>
+            </a:r>
+          </a:p>
+          <a:p>
+            <a:r>
+              <a:rPr lang="it-IT" b="1" dirty="0" err="1"/>
+              <a:t>out.MoreAbout</a:t>
+            </a:r>
+            <a:r>
+              <a:rPr lang="it-IT" dirty="0" smtClean="0"/>
+              <a:t>: </a:t>
+            </a:r>
+            <a:r>
+              <a:rPr lang="it-IT" dirty="0" err="1" smtClean="0"/>
+              <a:t>string</a:t>
+            </a:r>
+            <a:r>
+              <a:rPr lang="it-IT" dirty="0" smtClean="0"/>
+              <a:t> with </a:t>
+            </a:r>
+            <a:r>
+              <a:rPr lang="it-IT" dirty="0" err="1" smtClean="0"/>
+              <a:t>additional</a:t>
+            </a:r>
+            <a:r>
+              <a:rPr lang="it-IT" dirty="0" smtClean="0"/>
+              <a:t> </a:t>
+            </a:r>
+            <a:r>
+              <a:rPr lang="it-IT" dirty="0" err="1" smtClean="0"/>
+              <a:t>theoretical</a:t>
+            </a:r>
+            <a:r>
+              <a:rPr lang="it-IT" dirty="0" smtClean="0"/>
+              <a:t> </a:t>
+            </a:r>
+            <a:r>
+              <a:rPr lang="it-IT" dirty="0" err="1" smtClean="0"/>
+              <a:t>details</a:t>
+            </a:r>
+            <a:endParaRPr lang="it-IT" dirty="0" smtClean="0"/>
+          </a:p>
+          <a:p>
+            <a:r>
+              <a:rPr lang="it-IT" b="1" dirty="0" err="1"/>
+              <a:t>out.Acknowledgements</a:t>
+            </a:r>
+            <a:r>
+              <a:rPr lang="it-IT" dirty="0" smtClean="0"/>
+              <a:t>: </a:t>
+            </a:r>
+            <a:r>
+              <a:rPr lang="it-IT" dirty="0" err="1" smtClean="0"/>
+              <a:t>string</a:t>
+            </a:r>
+            <a:r>
+              <a:rPr lang="it-IT" dirty="0" smtClean="0"/>
+              <a:t> with </a:t>
+            </a:r>
+            <a:r>
+              <a:rPr lang="it-IT" dirty="0" err="1" smtClean="0"/>
+              <a:t>acknowledgements</a:t>
+            </a:r>
+            <a:endParaRPr lang="it-IT" dirty="0" smtClean="0"/>
+          </a:p>
+          <a:p>
+            <a:r>
+              <a:rPr lang="it-IT" b="1" dirty="0" err="1"/>
+              <a:t>out.References</a:t>
+            </a:r>
+            <a:r>
+              <a:rPr lang="it-IT" b="1" dirty="0"/>
+              <a:t>: </a:t>
+            </a:r>
+            <a:r>
+              <a:rPr lang="it-IT" dirty="0" err="1" smtClean="0"/>
+              <a:t>cell</a:t>
+            </a:r>
+            <a:r>
+              <a:rPr lang="it-IT" dirty="0" smtClean="0"/>
+              <a:t> of </a:t>
+            </a:r>
+            <a:r>
+              <a:rPr lang="it-IT" dirty="0" err="1" smtClean="0"/>
+              <a:t>size</a:t>
+            </a:r>
+            <a:r>
+              <a:rPr lang="it-IT" dirty="0" smtClean="0"/>
+              <a:t> f×1 with the </a:t>
+            </a:r>
+            <a:r>
+              <a:rPr lang="it-IT" dirty="0" err="1" smtClean="0"/>
+              <a:t>references</a:t>
+            </a:r>
+            <a:endParaRPr lang="it-IT" dirty="0" smtClean="0"/>
+          </a:p>
+          <a:p>
+            <a:r>
+              <a:rPr lang="it-IT" b="1" dirty="0" err="1"/>
+              <a:t>out.SeeAlso</a:t>
+            </a:r>
+            <a:r>
+              <a:rPr lang="it-IT" b="1" dirty="0"/>
+              <a:t>:</a:t>
+            </a:r>
+            <a:r>
+              <a:rPr lang="it-IT" dirty="0" smtClean="0"/>
+              <a:t> </a:t>
+            </a:r>
+            <a:r>
+              <a:rPr lang="it-IT" dirty="0" err="1" smtClean="0"/>
+              <a:t>cell</a:t>
+            </a:r>
+            <a:r>
+              <a:rPr lang="it-IT" dirty="0" smtClean="0"/>
+              <a:t> of </a:t>
+            </a:r>
+            <a:r>
+              <a:rPr lang="it-IT" dirty="0" err="1" smtClean="0"/>
+              <a:t>size</a:t>
+            </a:r>
+            <a:r>
+              <a:rPr lang="it-IT" dirty="0" smtClean="0"/>
+              <a:t> gx1 with </a:t>
+            </a:r>
+            <a:r>
+              <a:rPr lang="it-IT" dirty="0" err="1" smtClean="0"/>
+              <a:t>connected</a:t>
+            </a:r>
+            <a:r>
+              <a:rPr lang="it-IT" dirty="0" smtClean="0"/>
+              <a:t> MATLAB </a:t>
+            </a:r>
+            <a:r>
+              <a:rPr lang="it-IT" dirty="0" err="1" smtClean="0"/>
+              <a:t>files</a:t>
+            </a:r>
+            <a:endParaRPr lang="it-IT" dirty="0" smtClean="0"/>
+          </a:p>
+          <a:p>
+            <a:r>
+              <a:rPr lang="it-IT" b="1" dirty="0" err="1"/>
+              <a:t>out.Ex</a:t>
+            </a:r>
+            <a:r>
+              <a:rPr lang="it-IT" dirty="0" smtClean="0"/>
+              <a:t>: </a:t>
+            </a:r>
+            <a:r>
+              <a:rPr lang="it-IT" dirty="0" err="1" smtClean="0"/>
+              <a:t>cell</a:t>
+            </a:r>
+            <a:r>
+              <a:rPr lang="it-IT" dirty="0" smtClean="0"/>
+              <a:t> of </a:t>
+            </a:r>
+            <a:r>
+              <a:rPr lang="it-IT" dirty="0" err="1" smtClean="0"/>
+              <a:t>size</a:t>
+            </a:r>
+            <a:r>
+              <a:rPr lang="it-IT" dirty="0" smtClean="0"/>
+              <a:t> hx1 with </a:t>
+            </a:r>
+            <a:r>
+              <a:rPr lang="it-IT" dirty="0" err="1" smtClean="0"/>
+              <a:t>Examples</a:t>
+            </a:r>
+            <a:r>
+              <a:rPr lang="it-IT" dirty="0" smtClean="0"/>
+              <a:t> </a:t>
+            </a:r>
+            <a:endParaRPr lang="it-IT" dirty="0"/>
+          </a:p>
+          <a:p>
+            <a:r>
+              <a:rPr lang="it-IT" b="1" dirty="0" err="1"/>
+              <a:t>out.ExtraEx</a:t>
+            </a:r>
+            <a:r>
+              <a:rPr lang="it-IT" b="1" dirty="0"/>
+              <a:t>:</a:t>
+            </a:r>
+            <a:r>
+              <a:rPr lang="it-IT" dirty="0" smtClean="0"/>
+              <a:t> </a:t>
+            </a:r>
+            <a:r>
+              <a:rPr lang="it-IT" dirty="0" err="1"/>
+              <a:t>cell</a:t>
+            </a:r>
+            <a:r>
+              <a:rPr lang="it-IT" dirty="0"/>
+              <a:t> of </a:t>
+            </a:r>
+            <a:r>
+              <a:rPr lang="it-IT" dirty="0" err="1"/>
+              <a:t>size</a:t>
+            </a:r>
+            <a:r>
+              <a:rPr lang="it-IT" dirty="0"/>
+              <a:t> </a:t>
+            </a:r>
+            <a:r>
+              <a:rPr lang="it-IT" dirty="0" smtClean="0"/>
+              <a:t>lx1 </a:t>
+            </a:r>
+            <a:r>
+              <a:rPr lang="it-IT" dirty="0"/>
+              <a:t>with </a:t>
+            </a:r>
+            <a:r>
+              <a:rPr lang="it-IT" dirty="0" smtClean="0"/>
+              <a:t>Extra </a:t>
+            </a:r>
+            <a:r>
+              <a:rPr lang="it-IT" dirty="0" err="1" smtClean="0"/>
+              <a:t>Examples</a:t>
+            </a:r>
+            <a:endParaRPr lang="it-IT" dirty="0" smtClean="0"/>
+          </a:p>
+          <a:p>
+            <a:r>
+              <a:rPr lang="it-IT" b="1" dirty="0"/>
+              <a:t>out. </a:t>
+            </a:r>
+            <a:r>
+              <a:rPr lang="it-IT" b="1" dirty="0" err="1"/>
+              <a:t>InpArgsMisMatch</a:t>
+            </a:r>
+            <a:r>
+              <a:rPr lang="it-IT" dirty="0" smtClean="0"/>
+              <a:t>: </a:t>
+            </a:r>
+            <a:r>
+              <a:rPr lang="it-IT" dirty="0" err="1" smtClean="0"/>
+              <a:t>eventual</a:t>
+            </a:r>
+            <a:r>
+              <a:rPr lang="it-IT" dirty="0" smtClean="0"/>
+              <a:t> </a:t>
+            </a:r>
+            <a:r>
+              <a:rPr lang="it-IT" dirty="0" err="1" smtClean="0"/>
+              <a:t>mismatch</a:t>
+            </a:r>
+            <a:r>
+              <a:rPr lang="it-IT" dirty="0" smtClean="0"/>
+              <a:t> in </a:t>
+            </a:r>
+            <a:r>
+              <a:rPr lang="it-IT" dirty="0" err="1" smtClean="0"/>
+              <a:t>InpArgs</a:t>
+            </a:r>
+            <a:endParaRPr lang="it-IT" dirty="0" smtClean="0"/>
+          </a:p>
+          <a:p>
+            <a:r>
+              <a:rPr lang="it-IT" b="1" dirty="0" err="1"/>
+              <a:t>out.OutArgsStructMisMatch</a:t>
+            </a:r>
+            <a:r>
+              <a:rPr lang="it-IT" dirty="0" smtClean="0"/>
+              <a:t>: </a:t>
+            </a:r>
+            <a:r>
+              <a:rPr lang="it-IT" dirty="0" err="1"/>
+              <a:t>eventual</a:t>
+            </a:r>
+            <a:r>
+              <a:rPr lang="it-IT" dirty="0"/>
+              <a:t> </a:t>
+            </a:r>
+            <a:r>
+              <a:rPr lang="it-IT" dirty="0" err="1"/>
+              <a:t>mismatch</a:t>
+            </a:r>
+            <a:r>
+              <a:rPr lang="it-IT" dirty="0"/>
+              <a:t> in </a:t>
+            </a:r>
+            <a:r>
+              <a:rPr lang="it-IT" dirty="0" err="1" smtClean="0"/>
+              <a:t>OutArgs</a:t>
+            </a:r>
+            <a:endParaRPr lang="it-IT" dirty="0" smtClean="0"/>
+          </a:p>
+          <a:p>
+            <a:r>
+              <a:rPr lang="it-IT" b="1" dirty="0" err="1"/>
+              <a:t>out.linkHTMLMisMatch</a:t>
+            </a:r>
+            <a:r>
+              <a:rPr lang="it-IT" dirty="0" smtClean="0"/>
+              <a:t>: </a:t>
+            </a:r>
+            <a:r>
+              <a:rPr lang="it-IT" dirty="0" err="1" smtClean="0"/>
+              <a:t>eventual</a:t>
+            </a:r>
+            <a:r>
+              <a:rPr lang="it-IT" dirty="0" smtClean="0"/>
+              <a:t> </a:t>
+            </a:r>
+            <a:r>
+              <a:rPr lang="it-IT" dirty="0" err="1" smtClean="0"/>
+              <a:t>mismatch</a:t>
+            </a:r>
+            <a:r>
+              <a:rPr lang="it-IT" dirty="0" smtClean="0"/>
+              <a:t> in </a:t>
+            </a:r>
+            <a:r>
+              <a:rPr lang="it-IT" dirty="0" err="1" smtClean="0"/>
+              <a:t>links</a:t>
+            </a:r>
             <a:endParaRPr lang="it-IT" dirty="0"/>
           </a:p>
         </p:txBody>
       </p:sp>
-      <p:pic>
-        <p:nvPicPr>
-          <p:cNvPr id="4" name="Immagine 3"/>
-          <p:cNvPicPr>
-            <a:picLocks noChangeAspect="1"/>
-          </p:cNvPicPr>
-          <p:nvPr/>
-        </p:nvPicPr>
-        <p:blipFill rotWithShape="1">
-          <a:blip r:embed="rId2"/>
-          <a:srcRect l="503" t="-2" r="28538" b="-464"/>
-          <a:stretch/>
-        </p:blipFill>
-        <p:spPr>
-          <a:xfrm>
-            <a:off x="0" y="2434167"/>
-            <a:ext cx="6840639" cy="4348598"/>
-          </a:xfrm>
-          <a:prstGeom prst="rect">
-            <a:avLst/>
-          </a:prstGeom>
-        </p:spPr>
-      </p:pic>
     </p:spTree>
     <p:extLst>
       <p:ext uri="{BB962C8B-B14F-4D97-AF65-F5344CB8AC3E}">
-        <p14:creationId xmlns:p14="http://schemas.microsoft.com/office/powerpoint/2010/main" val="2391896206"/>
+        <p14:creationId xmlns:p14="http://schemas.microsoft.com/office/powerpoint/2010/main" val="2815801700"/>
       </p:ext>
     </p:extLst>
   </p:cSld>
@@ -4172,21 +3812,21 @@
         </p:spPr>
         <p:txBody>
           <a:bodyPr>
-            <a:normAutofit/>
+            <a:normAutofit fontScale="90000"/>
           </a:bodyPr>
           <a:lstStyle/>
           <a:p>
             <a:r>
               <a:rPr lang="it-IT" dirty="0" err="1" smtClean="0"/>
-              <a:t>Dissection</a:t>
-            </a:r>
-            <a:r>
-              <a:rPr lang="it-IT" dirty="0" smtClean="0"/>
-              <a:t> of the </a:t>
-            </a:r>
-            <a:r>
-              <a:rPr lang="it-IT" dirty="0" err="1" smtClean="0"/>
-              <a:t>field</a:t>
+              <a:t>Example</a:t>
+            </a:r>
+            <a:r>
+              <a:rPr lang="it-IT" dirty="0" smtClean="0"/>
+              <a:t> of the out </a:t>
+            </a:r>
+            <a:r>
+              <a:rPr lang="it-IT" dirty="0" err="1" smtClean="0"/>
+              <a:t>strucure</a:t>
             </a:r>
             <a:r>
               <a:rPr lang="it-IT" dirty="0" smtClean="0"/>
@@ -4194,15 +3834,15 @@
             </a:r>
             <a:r>
               <a:rPr lang="it-IT" dirty="0" err="1" smtClean="0"/>
-              <a:t>out.OptArgs</a:t>
-            </a:r>
-            <a:r>
-              <a:rPr lang="it-IT" dirty="0" smtClean="0"/>
-              <a:t> (Optional </a:t>
-            </a:r>
-            <a:r>
-              <a:rPr lang="it-IT" dirty="0" err="1" smtClean="0"/>
-              <a:t>arguments</a:t>
+              <a:t>created</a:t>
+            </a:r>
+            <a:r>
+              <a:rPr lang="it-IT" dirty="0" smtClean="0"/>
+              <a:t> by </a:t>
+            </a:r>
+            <a:r>
+              <a:rPr lang="it-IT" dirty="0" err="1" smtClean="0"/>
+              <a:t>function</a:t>
             </a:r>
             <a:r>
               <a:rPr lang="it-IT" dirty="0" smtClean="0"/>
@@ -4210,11 +3850,23 @@
             </a:r>
             <a:r>
               <a:rPr lang="it-IT" dirty="0" err="1" smtClean="0"/>
-              <a:t>section</a:t>
-            </a:r>
-            <a:r>
-              <a:rPr lang="it-IT" dirty="0" smtClean="0"/>
-              <a:t>)</a:t>
+              <a:t>mreadFS.m</a:t>
+            </a:r>
+            <a:r>
+              <a:rPr lang="it-IT" dirty="0" smtClean="0"/>
+              <a:t> </a:t>
+            </a:r>
+            <a:r>
+              <a:rPr lang="it-IT" dirty="0" err="1" smtClean="0"/>
+              <a:t>starting</a:t>
+            </a:r>
+            <a:r>
+              <a:rPr lang="it-IT" dirty="0" smtClean="0"/>
+              <a:t> from file </a:t>
+            </a:r>
+            <a:r>
+              <a:rPr lang="it-IT" dirty="0" err="1" smtClean="0"/>
+              <a:t>tclust.m</a:t>
             </a:r>
             <a:endParaRPr lang="it-IT" dirty="0"/>
           </a:p>
@@ -4241,7 +3893,7 @@
       </p:sp>
       <p:pic>
         <p:nvPicPr>
-          <p:cNvPr id="5" name="Immagine 4"/>
+          <p:cNvPr id="4" name="Immagine 3"/>
           <p:cNvPicPr>
             <a:picLocks noChangeAspect="1"/>
           </p:cNvPicPr>
@@ -4249,36 +3901,13 @@
         </p:nvPicPr>
         <p:blipFill rotWithShape="1">
           <a:blip r:embed="rId2"/>
-          <a:srcRect l="3134" t="17018" r="12833" b="1198"/>
+          <a:srcRect l="503" t="-2" r="28538" b="-464"/>
           <a:stretch/>
         </p:blipFill>
         <p:spPr>
           <a:xfrm>
-            <a:off x="0" y="1608012"/>
-            <a:ext cx="6672805" cy="3727047"/>
-          </a:xfrm>
-          <a:prstGeom prst="rect">
-            <a:avLst/>
-          </a:prstGeom>
-        </p:spPr>
-      </p:pic>
-      <p:pic>
-        <p:nvPicPr>
-          <p:cNvPr id="6" name="Immagine 5"/>
-          <p:cNvPicPr>
-            <a:picLocks noChangeAspect="1"/>
-          </p:cNvPicPr>
-          <p:nvPr/>
-        </p:nvPicPr>
-        <p:blipFill rotWithShape="1">
-          <a:blip r:embed="rId3"/>
-          <a:srcRect r="8744"/>
-          <a:stretch/>
-        </p:blipFill>
-        <p:spPr>
-          <a:xfrm>
-            <a:off x="1" y="5509550"/>
-            <a:ext cx="6794338" cy="3170195"/>
+            <a:off x="0" y="2434167"/>
+            <a:ext cx="6840639" cy="4348598"/>
           </a:xfrm>
           <a:prstGeom prst="rect">
             <a:avLst/>
@@ -4288,7 +3917,7 @@
     </p:spTree>
     <p:extLst>
       <p:ext uri="{BB962C8B-B14F-4D97-AF65-F5344CB8AC3E}">
-        <p14:creationId xmlns:p14="http://schemas.microsoft.com/office/powerpoint/2010/main" val="3592959381"/>
+        <p14:creationId xmlns:p14="http://schemas.microsoft.com/office/powerpoint/2010/main" val="2391896206"/>
       </p:ext>
     </p:extLst>
   </p:cSld>
@@ -4340,7 +3969,7 @@
         </p:spPr>
         <p:txBody>
           <a:bodyPr>
-            <a:normAutofit fontScale="90000"/>
+            <a:normAutofit/>
           </a:bodyPr>
           <a:lstStyle/>
           <a:p>
@@ -4362,15 +3991,15 @@
             </a:r>
             <a:r>
               <a:rPr lang="it-IT" dirty="0" err="1" smtClean="0"/>
-              <a:t>out.description</a:t>
-            </a:r>
-            <a:r>
-              <a:rPr lang="it-IT" dirty="0" smtClean="0"/>
-              <a:t> and a </a:t>
-            </a:r>
-            <a:r>
-              <a:rPr lang="it-IT" dirty="0" err="1" smtClean="0"/>
-              <a:t>particular</a:t>
+              <a:t>out.OptArgs</a:t>
+            </a:r>
+            <a:r>
+              <a:rPr lang="it-IT" dirty="0" smtClean="0"/>
+              <a:t> (Optional </a:t>
+            </a:r>
+            <a:r>
+              <a:rPr lang="it-IT" dirty="0" err="1" smtClean="0"/>
+              <a:t>arguments</a:t>
             </a:r>
             <a:r>
               <a:rPr lang="it-IT" dirty="0" smtClean="0"/>
@@ -4378,15 +4007,11 @@
             </a:r>
             <a:r>
               <a:rPr lang="it-IT" dirty="0" err="1" smtClean="0"/>
-              <a:t>element</a:t>
-            </a:r>
-            <a:r>
-              <a:rPr lang="it-IT" dirty="0" smtClean="0"/>
-              <a:t> inside </a:t>
-            </a:r>
-            <a:r>
-              <a:rPr lang="it-IT" dirty="0" err="1" smtClean="0"/>
-              <a:t>out.OptArgs</a:t>
+              <a:t>section</a:t>
+            </a:r>
+            <a:r>
+              <a:rPr lang="it-IT" dirty="0" smtClean="0"/>
+              <a:t>)</a:t>
             </a:r>
             <a:endParaRPr lang="it-IT" dirty="0"/>
           </a:p>
@@ -4413,22 +4038,21 @@
       </p:sp>
       <p:pic>
         <p:nvPicPr>
-          <p:cNvPr id="4" name="Immagine 3"/>
+          <p:cNvPr id="5" name="Immagine 4"/>
           <p:cNvPicPr>
             <a:picLocks noChangeAspect="1"/>
           </p:cNvPicPr>
           <p:nvPr/>
         </p:nvPicPr>
-        <p:blipFill>
+        <p:blipFill rotWithShape="1">
           <a:blip r:embed="rId2"/>
-          <a:stretch>
-            <a:fillRect/>
-          </a:stretch>
+          <a:srcRect l="3134" t="17018" r="12833" b="1198"/>
+          <a:stretch/>
         </p:blipFill>
         <p:spPr>
           <a:xfrm>
-            <a:off x="-44761" y="1896508"/>
-            <a:ext cx="6955330" cy="3657600"/>
+            <a:off x="0" y="1608012"/>
+            <a:ext cx="6672805" cy="3727047"/>
           </a:xfrm>
           <a:prstGeom prst="rect">
             <a:avLst/>
@@ -4437,22 +4061,21 @@
       </p:pic>
       <p:pic>
         <p:nvPicPr>
-          <p:cNvPr id="7" name="Immagine 6"/>
+          <p:cNvPr id="6" name="Immagine 5"/>
           <p:cNvPicPr>
             <a:picLocks noChangeAspect="1"/>
           </p:cNvPicPr>
           <p:nvPr/>
         </p:nvPicPr>
-        <p:blipFill>
+        <p:blipFill rotWithShape="1">
           <a:blip r:embed="rId3"/>
-          <a:stretch>
-            <a:fillRect/>
-          </a:stretch>
+          <a:srcRect r="8744"/>
+          <a:stretch/>
         </p:blipFill>
         <p:spPr>
           <a:xfrm>
-            <a:off x="-44761" y="6091767"/>
-            <a:ext cx="6858000" cy="2209992"/>
+            <a:off x="1" y="5509550"/>
+            <a:ext cx="6794338" cy="3170195"/>
           </a:xfrm>
           <a:prstGeom prst="rect">
             <a:avLst/>
@@ -4462,7 +4085,7 @@
     </p:spTree>
     <p:extLst>
       <p:ext uri="{BB962C8B-B14F-4D97-AF65-F5344CB8AC3E}">
-        <p14:creationId xmlns:p14="http://schemas.microsoft.com/office/powerpoint/2010/main" val="101551354"/>
+        <p14:creationId xmlns:p14="http://schemas.microsoft.com/office/powerpoint/2010/main" val="3592959381"/>
       </p:ext>
     </p:extLst>
   </p:cSld>
@@ -4506,6 +4129,180 @@
             <p:ph type="title"/>
           </p:nvPr>
         </p:nvSpPr>
+        <p:spPr>
+          <a:xfrm>
+            <a:off x="381965" y="486838"/>
+            <a:ext cx="6004549" cy="1203066"/>
+          </a:xfrm>
+        </p:spPr>
+        <p:txBody>
+          <a:bodyPr>
+            <a:normAutofit fontScale="90000"/>
+          </a:bodyPr>
+          <a:lstStyle/>
+          <a:p>
+            <a:r>
+              <a:rPr lang="it-IT" dirty="0" err="1" smtClean="0"/>
+              <a:t>Dissection</a:t>
+            </a:r>
+            <a:r>
+              <a:rPr lang="it-IT" dirty="0" smtClean="0"/>
+              <a:t> of the </a:t>
+            </a:r>
+            <a:r>
+              <a:rPr lang="it-IT" dirty="0" err="1" smtClean="0"/>
+              <a:t>field</a:t>
+            </a:r>
+            <a:r>
+              <a:rPr lang="it-IT" dirty="0" smtClean="0"/>
+              <a:t> </a:t>
+            </a:r>
+            <a:r>
+              <a:rPr lang="it-IT" dirty="0" err="1" smtClean="0"/>
+              <a:t>out.description</a:t>
+            </a:r>
+            <a:r>
+              <a:rPr lang="it-IT" dirty="0" smtClean="0"/>
+              <a:t> and a </a:t>
+            </a:r>
+            <a:r>
+              <a:rPr lang="it-IT" dirty="0" err="1" smtClean="0"/>
+              <a:t>particular</a:t>
+            </a:r>
+            <a:r>
+              <a:rPr lang="it-IT" dirty="0" smtClean="0"/>
+              <a:t> </a:t>
+            </a:r>
+            <a:r>
+              <a:rPr lang="it-IT" dirty="0" err="1" smtClean="0"/>
+              <a:t>element</a:t>
+            </a:r>
+            <a:r>
+              <a:rPr lang="it-IT" dirty="0" smtClean="0"/>
+              <a:t> inside </a:t>
+            </a:r>
+            <a:r>
+              <a:rPr lang="it-IT" dirty="0" err="1" smtClean="0"/>
+              <a:t>out.OptArgs</a:t>
+            </a:r>
+            <a:endParaRPr lang="it-IT" dirty="0"/>
+          </a:p>
+        </p:txBody>
+      </p:sp>
+      <p:sp>
+        <p:nvSpPr>
+          <p:cNvPr id="3" name="Segnaposto contenuto 2"/>
+          <p:cNvSpPr>
+            <a:spLocks noGrp="1"/>
+          </p:cNvSpPr>
+          <p:nvPr>
+            <p:ph idx="1"/>
+          </p:nvPr>
+        </p:nvSpPr>
+        <p:spPr/>
+        <p:txBody>
+          <a:bodyPr/>
+          <a:lstStyle/>
+          <a:p>
+            <a:endParaRPr lang="it-IT" dirty="0"/>
+          </a:p>
+        </p:txBody>
+      </p:sp>
+      <p:pic>
+        <p:nvPicPr>
+          <p:cNvPr id="4" name="Immagine 3"/>
+          <p:cNvPicPr>
+            <a:picLocks noChangeAspect="1"/>
+          </p:cNvPicPr>
+          <p:nvPr/>
+        </p:nvPicPr>
+        <p:blipFill>
+          <a:blip r:embed="rId2"/>
+          <a:stretch>
+            <a:fillRect/>
+          </a:stretch>
+        </p:blipFill>
+        <p:spPr>
+          <a:xfrm>
+            <a:off x="-44761" y="1896508"/>
+            <a:ext cx="6955330" cy="3657600"/>
+          </a:xfrm>
+          <a:prstGeom prst="rect">
+            <a:avLst/>
+          </a:prstGeom>
+        </p:spPr>
+      </p:pic>
+      <p:pic>
+        <p:nvPicPr>
+          <p:cNvPr id="7" name="Immagine 6"/>
+          <p:cNvPicPr>
+            <a:picLocks noChangeAspect="1"/>
+          </p:cNvPicPr>
+          <p:nvPr/>
+        </p:nvPicPr>
+        <p:blipFill>
+          <a:blip r:embed="rId3"/>
+          <a:stretch>
+            <a:fillRect/>
+          </a:stretch>
+        </p:blipFill>
+        <p:spPr>
+          <a:xfrm>
+            <a:off x="-44761" y="6091767"/>
+            <a:ext cx="6858000" cy="2209992"/>
+          </a:xfrm>
+          <a:prstGeom prst="rect">
+            <a:avLst/>
+          </a:prstGeom>
+        </p:spPr>
+      </p:pic>
+    </p:spTree>
+    <p:extLst>
+      <p:ext uri="{BB962C8B-B14F-4D97-AF65-F5344CB8AC3E}">
+        <p14:creationId xmlns:p14="http://schemas.microsoft.com/office/powerpoint/2010/main" val="101551354"/>
+      </p:ext>
+    </p:extLst>
+  </p:cSld>
+  <p:clrMapOvr>
+    <a:masterClrMapping/>
+  </p:clrMapOvr>
+  <p:timing>
+    <p:tnLst>
+      <p:par>
+        <p:cTn id="1" dur="indefinite" restart="never" nodeType="tmRoot"/>
+      </p:par>
+    </p:tnLst>
+  </p:timing>
+</p:sld>
+</file>
+
+<file path=ppt/slides/slide14.xml><?xml version="1.0" encoding="utf-8"?>
+<p:sld xmlns:a="http://schemas.openxmlformats.org/drawingml/2006/main" xmlns:r="http://schemas.openxmlformats.org/officeDocument/2006/relationships" xmlns:p="http://schemas.openxmlformats.org/presentationml/2006/main">
+  <p:cSld>
+    <p:spTree>
+      <p:nvGrpSpPr>
+        <p:cNvPr id="1" name=""/>
+        <p:cNvGrpSpPr/>
+        <p:nvPr/>
+      </p:nvGrpSpPr>
+      <p:grpSpPr>
+        <a:xfrm>
+          <a:off x="0" y="0"/>
+          <a:ext cx="0" cy="0"/>
+          <a:chOff x="0" y="0"/>
+          <a:chExt cx="0" cy="0"/>
+        </a:xfrm>
+      </p:grpSpPr>
+      <p:sp>
+        <p:nvSpPr>
+          <p:cNvPr id="2" name="Titolo 1"/>
+          <p:cNvSpPr>
+            <a:spLocks noGrp="1"/>
+          </p:cNvSpPr>
+          <p:nvPr>
+            <p:ph type="title"/>
+          </p:nvPr>
+        </p:nvSpPr>
         <p:spPr/>
         <p:txBody>
           <a:bodyPr/>
@@ -4789,7 +4586,7 @@
 </p:sld>
 </file>
 
-<file path=ppt/slides/slide14.xml><?xml version="1.0" encoding="utf-8"?>
+<file path=ppt/slides/slide15.xml><?xml version="1.0" encoding="utf-8"?>
 <p:sld xmlns:a="http://schemas.openxmlformats.org/drawingml/2006/main" xmlns:r="http://schemas.openxmlformats.org/officeDocument/2006/relationships" xmlns:p="http://schemas.openxmlformats.org/presentationml/2006/main">
   <p:cSld>
     <p:spTree>
@@ -5306,7 +5103,7 @@
 </p:sld>
 </file>
 
-<file path=ppt/slides/slide15.xml><?xml version="1.0" encoding="utf-8"?>
+<file path=ppt/slides/slide16.xml><?xml version="1.0" encoding="utf-8"?>
 <p:sld xmlns:a="http://schemas.openxmlformats.org/drawingml/2006/main" xmlns:r="http://schemas.openxmlformats.org/officeDocument/2006/relationships" xmlns:p="http://schemas.openxmlformats.org/presentationml/2006/main">
   <p:cSld>
     <p:spTree>
@@ -5711,7 +5508,7 @@
 </p:sld>
 </file>
 
-<file path=ppt/slides/slide16.xml><?xml version="1.0" encoding="utf-8"?>
+<file path=ppt/slides/slide17.xml><?xml version="1.0" encoding="utf-8"?>
 <p:sld xmlns:a="http://schemas.openxmlformats.org/drawingml/2006/main" xmlns:r="http://schemas.openxmlformats.org/officeDocument/2006/relationships" xmlns:p="http://schemas.openxmlformats.org/presentationml/2006/main">
   <p:cSld>
     <p:spTree>
@@ -6401,7 +6198,7 @@
 </p:sld>
 </file>
 
-<file path=ppt/slides/slide17.xml><?xml version="1.0" encoding="utf-8"?>
+<file path=ppt/slides/slide18.xml><?xml version="1.0" encoding="utf-8"?>
 <p:sld xmlns:a="http://schemas.openxmlformats.org/drawingml/2006/main" xmlns:r="http://schemas.openxmlformats.org/officeDocument/2006/relationships" xmlns:p="http://schemas.openxmlformats.org/presentationml/2006/main">
   <p:cSld>
     <p:spTree>
@@ -6507,7 +6304,7 @@
 </p:sld>
 </file>
 
-<file path=ppt/slides/slide18.xml><?xml version="1.0" encoding="utf-8"?>
+<file path=ppt/slides/slide19.xml><?xml version="1.0" encoding="utf-8"?>
 <p:sld xmlns:a="http://schemas.openxmlformats.org/drawingml/2006/main" xmlns:r="http://schemas.openxmlformats.org/officeDocument/2006/relationships" xmlns:p="http://schemas.openxmlformats.org/presentationml/2006/main">
   <p:cSld>
     <p:spTree>
@@ -6827,7 +6624,993 @@
 </p:sld>
 </file>
 
-<file path=ppt/slides/slide19.xml><?xml version="1.0" encoding="utf-8"?>
+<file path=ppt/slides/slide2.xml><?xml version="1.0" encoding="utf-8"?>
+<p:sld xmlns:a="http://schemas.openxmlformats.org/drawingml/2006/main" xmlns:r="http://schemas.openxmlformats.org/officeDocument/2006/relationships" xmlns:p="http://schemas.openxmlformats.org/presentationml/2006/main">
+  <p:cSld>
+    <p:spTree>
+      <p:nvGrpSpPr>
+        <p:cNvPr id="1" name=""/>
+        <p:cNvGrpSpPr/>
+        <p:nvPr/>
+      </p:nvGrpSpPr>
+      <p:grpSpPr>
+        <a:xfrm>
+          <a:off x="0" y="0"/>
+          <a:ext cx="0" cy="0"/>
+          <a:chOff x="0" y="0"/>
+          <a:chExt cx="0" cy="0"/>
+        </a:xfrm>
+      </p:grpSpPr>
+      <p:sp>
+        <p:nvSpPr>
+          <p:cNvPr id="4" name="Ovale 3"/>
+          <p:cNvSpPr/>
+          <p:nvPr/>
+        </p:nvSpPr>
+        <p:spPr>
+          <a:xfrm>
+            <a:off x="2887885" y="1156467"/>
+            <a:ext cx="1031996" cy="752354"/>
+          </a:xfrm>
+          <a:prstGeom prst="ellipse">
+            <a:avLst/>
+          </a:prstGeom>
+        </p:spPr>
+        <p:style>
+          <a:lnRef idx="2">
+            <a:schemeClr val="accent1">
+              <a:shade val="50000"/>
+            </a:schemeClr>
+          </a:lnRef>
+          <a:fillRef idx="1">
+            <a:schemeClr val="accent1"/>
+          </a:fillRef>
+          <a:effectRef idx="0">
+            <a:schemeClr val="accent1"/>
+          </a:effectRef>
+          <a:fontRef idx="minor">
+            <a:schemeClr val="lt1"/>
+          </a:fontRef>
+        </p:style>
+        <p:txBody>
+          <a:bodyPr rot="0" spcFirstLastPara="0" vertOverflow="overflow" horzOverflow="overflow" vert="horz" wrap="square" lIns="91440" tIns="45720" rIns="91440" bIns="45720" numCol="1" spcCol="0" rtlCol="0" fromWordArt="0" anchor="ctr" anchorCtr="0" forceAA="0" compatLnSpc="1">
+            <a:prstTxWarp prst="textNoShape">
+              <a:avLst/>
+            </a:prstTxWarp>
+            <a:noAutofit/>
+          </a:bodyPr>
+          <a:lstStyle/>
+          <a:p>
+            <a:pPr algn="ctr"/>
+            <a:r>
+              <a:rPr lang="it-IT" sz="2000" dirty="0"/>
+              <a:t>.m FILE</a:t>
+            </a:r>
+          </a:p>
+        </p:txBody>
+      </p:sp>
+      <p:cxnSp>
+        <p:nvCxnSpPr>
+          <p:cNvPr id="6" name="Connettore 4 5"/>
+          <p:cNvCxnSpPr/>
+          <p:nvPr/>
+        </p:nvCxnSpPr>
+        <p:spPr>
+          <a:xfrm rot="5400000">
+            <a:off x="3038317" y="2273462"/>
+            <a:ext cx="730205" cy="924"/>
+          </a:xfrm>
+          <a:prstGeom prst="bentConnector3">
+            <a:avLst/>
+          </a:prstGeom>
+          <a:ln w="57150">
+            <a:tailEnd type="triangle"/>
+          </a:ln>
+        </p:spPr>
+        <p:style>
+          <a:lnRef idx="1">
+            <a:schemeClr val="accent1"/>
+          </a:lnRef>
+          <a:fillRef idx="0">
+            <a:schemeClr val="accent1"/>
+          </a:fillRef>
+          <a:effectRef idx="0">
+            <a:schemeClr val="accent1"/>
+          </a:effectRef>
+          <a:fontRef idx="minor">
+            <a:schemeClr val="tx1"/>
+          </a:fontRef>
+        </p:style>
+      </p:cxnSp>
+      <p:sp>
+        <p:nvSpPr>
+          <p:cNvPr id="7" name="Ovale 6"/>
+          <p:cNvSpPr/>
+          <p:nvPr/>
+        </p:nvSpPr>
+        <p:spPr>
+          <a:xfrm>
+            <a:off x="2720083" y="2639027"/>
+            <a:ext cx="1365748" cy="752354"/>
+          </a:xfrm>
+          <a:prstGeom prst="ellipse">
+            <a:avLst/>
+          </a:prstGeom>
+        </p:spPr>
+        <p:style>
+          <a:lnRef idx="2">
+            <a:schemeClr val="accent1">
+              <a:shade val="50000"/>
+            </a:schemeClr>
+          </a:lnRef>
+          <a:fillRef idx="1">
+            <a:schemeClr val="accent1"/>
+          </a:fillRef>
+          <a:effectRef idx="0">
+            <a:schemeClr val="accent1"/>
+          </a:effectRef>
+          <a:fontRef idx="minor">
+            <a:schemeClr val="lt1"/>
+          </a:fontRef>
+        </p:style>
+        <p:txBody>
+          <a:bodyPr rot="0" spcFirstLastPara="0" vertOverflow="overflow" horzOverflow="overflow" vert="horz" wrap="square" lIns="91440" tIns="45720" rIns="91440" bIns="45720" numCol="1" spcCol="0" rtlCol="0" fromWordArt="0" anchor="ctr" anchorCtr="0" forceAA="0" compatLnSpc="1">
+            <a:prstTxWarp prst="textNoShape">
+              <a:avLst/>
+            </a:prstTxWarp>
+            <a:noAutofit/>
+          </a:bodyPr>
+          <a:lstStyle/>
+          <a:p>
+            <a:pPr algn="ctr"/>
+            <a:r>
+              <a:rPr lang="it-IT" sz="2000" dirty="0"/>
+              <a:t>out</a:t>
+            </a:r>
+          </a:p>
+          <a:p>
+            <a:pPr algn="ctr"/>
+            <a:r>
+              <a:rPr lang="it-IT" sz="2000" dirty="0"/>
+              <a:t>(</a:t>
+            </a:r>
+            <a:r>
+              <a:rPr lang="it-IT" sz="2000" dirty="0" err="1"/>
+              <a:t>struct</a:t>
+            </a:r>
+            <a:r>
+              <a:rPr lang="it-IT" sz="2000" dirty="0"/>
+              <a:t>)</a:t>
+            </a:r>
+          </a:p>
+        </p:txBody>
+      </p:sp>
+      <p:sp>
+        <p:nvSpPr>
+          <p:cNvPr id="9" name="CasellaDiTesto 8"/>
+          <p:cNvSpPr txBox="1"/>
+          <p:nvPr/>
+        </p:nvSpPr>
+        <p:spPr>
+          <a:xfrm>
+            <a:off x="3402958" y="2067110"/>
+            <a:ext cx="2037145" cy="400110"/>
+          </a:xfrm>
+          <a:prstGeom prst="rect">
+            <a:avLst/>
+          </a:prstGeom>
+          <a:noFill/>
+        </p:spPr>
+        <p:txBody>
+          <a:bodyPr wrap="square" rtlCol="0">
+            <a:spAutoFit/>
+          </a:bodyPr>
+          <a:lstStyle/>
+          <a:p>
+            <a:r>
+              <a:rPr lang="it-IT" sz="2000" dirty="0" err="1" smtClean="0"/>
+              <a:t>mreadFS.m</a:t>
+            </a:r>
+            <a:endParaRPr lang="it-IT" sz="2000" dirty="0"/>
+          </a:p>
+        </p:txBody>
+      </p:sp>
+      <p:cxnSp>
+        <p:nvCxnSpPr>
+          <p:cNvPr id="10" name="Connettore 4 9"/>
+          <p:cNvCxnSpPr/>
+          <p:nvPr/>
+        </p:nvCxnSpPr>
+        <p:spPr>
+          <a:xfrm rot="5400000">
+            <a:off x="2678000" y="4094190"/>
+            <a:ext cx="1450840" cy="925"/>
+          </a:xfrm>
+          <a:prstGeom prst="bentConnector3">
+            <a:avLst/>
+          </a:prstGeom>
+          <a:ln w="57150">
+            <a:tailEnd type="triangle"/>
+          </a:ln>
+        </p:spPr>
+        <p:style>
+          <a:lnRef idx="1">
+            <a:schemeClr val="accent1"/>
+          </a:lnRef>
+          <a:fillRef idx="0">
+            <a:schemeClr val="accent1"/>
+          </a:fillRef>
+          <a:effectRef idx="0">
+            <a:schemeClr val="accent1"/>
+          </a:effectRef>
+          <a:fontRef idx="minor">
+            <a:schemeClr val="tx1"/>
+          </a:fontRef>
+        </p:style>
+      </p:cxnSp>
+      <p:sp>
+        <p:nvSpPr>
+          <p:cNvPr id="12" name="CasellaDiTesto 11"/>
+          <p:cNvSpPr txBox="1"/>
+          <p:nvPr/>
+        </p:nvSpPr>
+        <p:spPr>
+          <a:xfrm>
+            <a:off x="3495901" y="3573602"/>
+            <a:ext cx="2727401" cy="400110"/>
+          </a:xfrm>
+          <a:prstGeom prst="rect">
+            <a:avLst/>
+          </a:prstGeom>
+          <a:noFill/>
+        </p:spPr>
+        <p:txBody>
+          <a:bodyPr wrap="square" rtlCol="0">
+            <a:spAutoFit/>
+          </a:bodyPr>
+          <a:lstStyle/>
+          <a:p>
+            <a:r>
+              <a:rPr lang="it-IT" sz="2000" dirty="0" err="1" smtClean="0"/>
+              <a:t>removeextraspacesLF.m</a:t>
+            </a:r>
+            <a:r>
+              <a:rPr lang="it-IT" sz="2000" dirty="0" smtClean="0"/>
+              <a:t> </a:t>
+            </a:r>
+            <a:endParaRPr lang="it-IT" sz="2000" dirty="0"/>
+          </a:p>
+        </p:txBody>
+      </p:sp>
+      <p:cxnSp>
+        <p:nvCxnSpPr>
+          <p:cNvPr id="14" name="Connettore 4 13"/>
+          <p:cNvCxnSpPr>
+            <a:endCxn id="18" idx="6"/>
+          </p:cNvCxnSpPr>
+          <p:nvPr/>
+        </p:nvCxnSpPr>
+        <p:spPr>
+          <a:xfrm rot="10800000" flipV="1">
+            <a:off x="1031996" y="5190329"/>
+            <a:ext cx="1926998" cy="5921"/>
+          </a:xfrm>
+          <a:prstGeom prst="bentConnector3">
+            <a:avLst/>
+          </a:prstGeom>
+          <a:ln w="57150">
+            <a:solidFill>
+              <a:schemeClr val="accent1">
+                <a:alpha val="97000"/>
+              </a:schemeClr>
+            </a:solidFill>
+            <a:tailEnd type="triangle"/>
+          </a:ln>
+        </p:spPr>
+        <p:style>
+          <a:lnRef idx="1">
+            <a:schemeClr val="accent1"/>
+          </a:lnRef>
+          <a:fillRef idx="0">
+            <a:schemeClr val="accent1"/>
+          </a:fillRef>
+          <a:effectRef idx="0">
+            <a:schemeClr val="accent1"/>
+          </a:effectRef>
+          <a:fontRef idx="minor">
+            <a:schemeClr val="tx1"/>
+          </a:fontRef>
+        </p:style>
+      </p:cxnSp>
+      <p:sp>
+        <p:nvSpPr>
+          <p:cNvPr id="15" name="Ovale 14"/>
+          <p:cNvSpPr/>
+          <p:nvPr/>
+        </p:nvSpPr>
+        <p:spPr>
+          <a:xfrm>
+            <a:off x="2720083" y="4820073"/>
+            <a:ext cx="1361808" cy="752354"/>
+          </a:xfrm>
+          <a:prstGeom prst="ellipse">
+            <a:avLst/>
+          </a:prstGeom>
+        </p:spPr>
+        <p:style>
+          <a:lnRef idx="2">
+            <a:schemeClr val="accent1">
+              <a:shade val="50000"/>
+            </a:schemeClr>
+          </a:lnRef>
+          <a:fillRef idx="1">
+            <a:schemeClr val="accent1"/>
+          </a:fillRef>
+          <a:effectRef idx="0">
+            <a:schemeClr val="accent1"/>
+          </a:effectRef>
+          <a:fontRef idx="minor">
+            <a:schemeClr val="lt1"/>
+          </a:fontRef>
+        </p:style>
+        <p:txBody>
+          <a:bodyPr rot="0" spcFirstLastPara="0" vertOverflow="overflow" horzOverflow="overflow" vert="horz" wrap="square" lIns="91440" tIns="45720" rIns="91440" bIns="45720" numCol="1" spcCol="0" rtlCol="0" fromWordArt="0" anchor="ctr" anchorCtr="0" forceAA="0" compatLnSpc="1">
+            <a:prstTxWarp prst="textNoShape">
+              <a:avLst/>
+            </a:prstTxWarp>
+            <a:noAutofit/>
+          </a:bodyPr>
+          <a:lstStyle/>
+          <a:p>
+            <a:pPr algn="ctr"/>
+            <a:r>
+              <a:rPr lang="it-IT" sz="2000" dirty="0"/>
+              <a:t>out (</a:t>
+            </a:r>
+            <a:r>
+              <a:rPr lang="it-IT" sz="2000" dirty="0" err="1"/>
+              <a:t>struct</a:t>
+            </a:r>
+            <a:r>
+              <a:rPr lang="it-IT" sz="2000" dirty="0"/>
+              <a:t>)</a:t>
+            </a:r>
+          </a:p>
+        </p:txBody>
+      </p:sp>
+      <p:sp>
+        <p:nvSpPr>
+          <p:cNvPr id="17" name="Ovale 16"/>
+          <p:cNvSpPr/>
+          <p:nvPr/>
+        </p:nvSpPr>
+        <p:spPr>
+          <a:xfrm>
+            <a:off x="5769978" y="4820073"/>
+            <a:ext cx="1031996" cy="752354"/>
+          </a:xfrm>
+          <a:prstGeom prst="ellipse">
+            <a:avLst/>
+          </a:prstGeom>
+        </p:spPr>
+        <p:style>
+          <a:lnRef idx="2">
+            <a:schemeClr val="accent1">
+              <a:shade val="50000"/>
+            </a:schemeClr>
+          </a:lnRef>
+          <a:fillRef idx="1">
+            <a:schemeClr val="accent1"/>
+          </a:fillRef>
+          <a:effectRef idx="0">
+            <a:schemeClr val="accent1"/>
+          </a:effectRef>
+          <a:fontRef idx="minor">
+            <a:schemeClr val="lt1"/>
+          </a:fontRef>
+        </p:style>
+        <p:txBody>
+          <a:bodyPr rot="0" spcFirstLastPara="0" vertOverflow="overflow" horzOverflow="overflow" vert="horz" wrap="square" lIns="91440" tIns="45720" rIns="91440" bIns="45720" numCol="1" spcCol="0" rtlCol="0" fromWordArt="0" anchor="ctr" anchorCtr="0" forceAA="0" compatLnSpc="1">
+            <a:prstTxWarp prst="textNoShape">
+              <a:avLst/>
+            </a:prstTxWarp>
+            <a:noAutofit/>
+          </a:bodyPr>
+          <a:lstStyle/>
+          <a:p>
+            <a:pPr algn="ctr"/>
+            <a:r>
+              <a:rPr lang="it-IT" sz="2000" dirty="0"/>
+              <a:t>.xml file</a:t>
+            </a:r>
+          </a:p>
+        </p:txBody>
+      </p:sp>
+      <p:sp>
+        <p:nvSpPr>
+          <p:cNvPr id="18" name="Ovale 17"/>
+          <p:cNvSpPr/>
+          <p:nvPr/>
+        </p:nvSpPr>
+        <p:spPr>
+          <a:xfrm>
+            <a:off x="0" y="4820073"/>
+            <a:ext cx="1031996" cy="752354"/>
+          </a:xfrm>
+          <a:prstGeom prst="ellipse">
+            <a:avLst/>
+          </a:prstGeom>
+        </p:spPr>
+        <p:style>
+          <a:lnRef idx="2">
+            <a:schemeClr val="accent1">
+              <a:shade val="50000"/>
+            </a:schemeClr>
+          </a:lnRef>
+          <a:fillRef idx="1">
+            <a:schemeClr val="accent1"/>
+          </a:fillRef>
+          <a:effectRef idx="0">
+            <a:schemeClr val="accent1"/>
+          </a:effectRef>
+          <a:fontRef idx="minor">
+            <a:schemeClr val="lt1"/>
+          </a:fontRef>
+        </p:style>
+        <p:txBody>
+          <a:bodyPr rot="0" spcFirstLastPara="0" vertOverflow="overflow" horzOverflow="overflow" vert="horz" wrap="square" lIns="91440" tIns="45720" rIns="91440" bIns="45720" numCol="1" spcCol="0" rtlCol="0" fromWordArt="0" anchor="ctr" anchorCtr="0" forceAA="0" compatLnSpc="1">
+            <a:prstTxWarp prst="textNoShape">
+              <a:avLst/>
+            </a:prstTxWarp>
+            <a:noAutofit/>
+          </a:bodyPr>
+          <a:lstStyle/>
+          <a:p>
+            <a:pPr algn="ctr"/>
+            <a:r>
+              <a:rPr lang="it-IT" sz="2000" dirty="0"/>
+              <a:t>.m FILE</a:t>
+            </a:r>
+          </a:p>
+        </p:txBody>
+      </p:sp>
+      <p:cxnSp>
+        <p:nvCxnSpPr>
+          <p:cNvPr id="24" name="Connettore 4 23"/>
+          <p:cNvCxnSpPr/>
+          <p:nvPr/>
+        </p:nvCxnSpPr>
+        <p:spPr>
+          <a:xfrm rot="5400000">
+            <a:off x="5145305" y="4007619"/>
+            <a:ext cx="12700" cy="2884989"/>
+          </a:xfrm>
+          <a:prstGeom prst="bentConnector3">
+            <a:avLst>
+              <a:gd name="adj1" fmla="val 3075969"/>
+            </a:avLst>
+          </a:prstGeom>
+          <a:ln w="57150">
+            <a:tailEnd type="triangle"/>
+          </a:ln>
+        </p:spPr>
+        <p:style>
+          <a:lnRef idx="1">
+            <a:schemeClr val="accent1"/>
+          </a:lnRef>
+          <a:fillRef idx="0">
+            <a:schemeClr val="accent1"/>
+          </a:fillRef>
+          <a:effectRef idx="0">
+            <a:schemeClr val="accent1"/>
+          </a:effectRef>
+          <a:fontRef idx="minor">
+            <a:schemeClr val="tx1"/>
+          </a:fontRef>
+        </p:style>
+      </p:cxnSp>
+      <p:sp>
+        <p:nvSpPr>
+          <p:cNvPr id="27" name="CasellaDiTesto 26"/>
+          <p:cNvSpPr txBox="1"/>
+          <p:nvPr/>
+        </p:nvSpPr>
+        <p:spPr>
+          <a:xfrm>
+            <a:off x="1343195" y="4759442"/>
+            <a:ext cx="2037145" cy="400110"/>
+          </a:xfrm>
+          <a:prstGeom prst="rect">
+            <a:avLst/>
+          </a:prstGeom>
+          <a:noFill/>
+        </p:spPr>
+        <p:txBody>
+          <a:bodyPr wrap="square" rtlCol="0">
+            <a:spAutoFit/>
+          </a:bodyPr>
+          <a:lstStyle/>
+          <a:p>
+            <a:r>
+              <a:rPr lang="it-IT" sz="2000" dirty="0" err="1" smtClean="0"/>
+              <a:t>mwriteFS.m</a:t>
+            </a:r>
+            <a:endParaRPr lang="it-IT" sz="2000" dirty="0"/>
+          </a:p>
+        </p:txBody>
+      </p:sp>
+      <p:cxnSp>
+        <p:nvCxnSpPr>
+          <p:cNvPr id="28" name="Connettore 4 27"/>
+          <p:cNvCxnSpPr>
+            <a:endCxn id="17" idx="0"/>
+          </p:cNvCxnSpPr>
+          <p:nvPr/>
+        </p:nvCxnSpPr>
+        <p:spPr>
+          <a:xfrm flipV="1">
+            <a:off x="3776903" y="4820074"/>
+            <a:ext cx="2509073" cy="124035"/>
+          </a:xfrm>
+          <a:prstGeom prst="bentConnector4">
+            <a:avLst>
+              <a:gd name="adj1" fmla="val 505"/>
+              <a:gd name="adj2" fmla="val 284303"/>
+            </a:avLst>
+          </a:prstGeom>
+          <a:ln w="57150">
+            <a:tailEnd type="triangle"/>
+          </a:ln>
+        </p:spPr>
+        <p:style>
+          <a:lnRef idx="1">
+            <a:schemeClr val="accent1"/>
+          </a:lnRef>
+          <a:fillRef idx="0">
+            <a:schemeClr val="accent1"/>
+          </a:fillRef>
+          <a:effectRef idx="0">
+            <a:schemeClr val="accent1"/>
+          </a:effectRef>
+          <a:fontRef idx="minor">
+            <a:schemeClr val="tx1"/>
+          </a:fontRef>
+        </p:style>
+      </p:cxnSp>
+      <p:sp>
+        <p:nvSpPr>
+          <p:cNvPr id="29" name="CasellaDiTesto 28"/>
+          <p:cNvSpPr txBox="1"/>
+          <p:nvPr/>
+        </p:nvSpPr>
+        <p:spPr>
+          <a:xfrm>
+            <a:off x="4396933" y="4611914"/>
+            <a:ext cx="1715946" cy="400110"/>
+          </a:xfrm>
+          <a:prstGeom prst="rect">
+            <a:avLst/>
+          </a:prstGeom>
+          <a:noFill/>
+        </p:spPr>
+        <p:txBody>
+          <a:bodyPr wrap="square" rtlCol="0">
+            <a:spAutoFit/>
+          </a:bodyPr>
+          <a:lstStyle/>
+          <a:p>
+            <a:r>
+              <a:rPr lang="it-IT" sz="2000" dirty="0" err="1" smtClean="0"/>
+              <a:t>xmlwriteFS.m</a:t>
+            </a:r>
+            <a:endParaRPr lang="it-IT" sz="2000" dirty="0"/>
+          </a:p>
+        </p:txBody>
+      </p:sp>
+      <p:sp>
+        <p:nvSpPr>
+          <p:cNvPr id="38" name="CasellaDiTesto 37"/>
+          <p:cNvSpPr txBox="1"/>
+          <p:nvPr/>
+        </p:nvSpPr>
+        <p:spPr>
+          <a:xfrm>
+            <a:off x="4186157" y="5384104"/>
+            <a:ext cx="2037145" cy="400110"/>
+          </a:xfrm>
+          <a:prstGeom prst="rect">
+            <a:avLst/>
+          </a:prstGeom>
+          <a:noFill/>
+        </p:spPr>
+        <p:txBody>
+          <a:bodyPr wrap="square" rtlCol="0">
+            <a:spAutoFit/>
+          </a:bodyPr>
+          <a:lstStyle/>
+          <a:p>
+            <a:r>
+              <a:rPr lang="it-IT" sz="2000" dirty="0" err="1" smtClean="0"/>
+              <a:t>xmlreadFS.m</a:t>
+            </a:r>
+            <a:endParaRPr lang="it-IT" sz="2000" dirty="0"/>
+          </a:p>
+        </p:txBody>
+      </p:sp>
+      <p:cxnSp>
+        <p:nvCxnSpPr>
+          <p:cNvPr id="44" name="Connettore 4 43"/>
+          <p:cNvCxnSpPr>
+            <a:endCxn id="15" idx="3"/>
+          </p:cNvCxnSpPr>
+          <p:nvPr/>
+        </p:nvCxnSpPr>
+        <p:spPr>
+          <a:xfrm rot="5400000" flipH="1" flipV="1">
+            <a:off x="1660256" y="6151227"/>
+            <a:ext cx="1948237" cy="570281"/>
+          </a:xfrm>
+          <a:prstGeom prst="bentConnector3">
+            <a:avLst>
+              <a:gd name="adj1" fmla="val 46436"/>
+            </a:avLst>
+          </a:prstGeom>
+          <a:ln w="57150">
+            <a:tailEnd type="triangle"/>
+          </a:ln>
+        </p:spPr>
+        <p:style>
+          <a:lnRef idx="1">
+            <a:schemeClr val="accent1"/>
+          </a:lnRef>
+          <a:fillRef idx="0">
+            <a:schemeClr val="accent1"/>
+          </a:fillRef>
+          <a:effectRef idx="0">
+            <a:schemeClr val="accent1"/>
+          </a:effectRef>
+          <a:fontRef idx="minor">
+            <a:schemeClr val="tx1"/>
+          </a:fontRef>
+        </p:style>
+      </p:cxnSp>
+      <p:cxnSp>
+        <p:nvCxnSpPr>
+          <p:cNvPr id="45" name="Connettore 4 44"/>
+          <p:cNvCxnSpPr/>
+          <p:nvPr/>
+        </p:nvCxnSpPr>
+        <p:spPr>
+          <a:xfrm rot="16200000" flipH="1">
+            <a:off x="2269105" y="6368404"/>
+            <a:ext cx="1885375" cy="281580"/>
+          </a:xfrm>
+          <a:prstGeom prst="bentConnector3">
+            <a:avLst>
+              <a:gd name="adj1" fmla="val 51842"/>
+            </a:avLst>
+          </a:prstGeom>
+          <a:ln w="57150">
+            <a:tailEnd type="triangle"/>
+          </a:ln>
+        </p:spPr>
+        <p:style>
+          <a:lnRef idx="1">
+            <a:schemeClr val="accent1"/>
+          </a:lnRef>
+          <a:fillRef idx="0">
+            <a:schemeClr val="accent1"/>
+          </a:fillRef>
+          <a:effectRef idx="0">
+            <a:schemeClr val="accent1"/>
+          </a:effectRef>
+          <a:fontRef idx="minor">
+            <a:schemeClr val="tx1"/>
+          </a:fontRef>
+        </p:style>
+      </p:cxnSp>
+      <p:sp>
+        <p:nvSpPr>
+          <p:cNvPr id="55" name="Ovale 54"/>
+          <p:cNvSpPr/>
+          <p:nvPr/>
+        </p:nvSpPr>
+        <p:spPr>
+          <a:xfrm>
+            <a:off x="2039574" y="7264821"/>
+            <a:ext cx="1506562" cy="1268772"/>
+          </a:xfrm>
+          <a:prstGeom prst="ellipse">
+            <a:avLst/>
+          </a:prstGeom>
+        </p:spPr>
+        <p:style>
+          <a:lnRef idx="2">
+            <a:schemeClr val="accent1">
+              <a:shade val="50000"/>
+            </a:schemeClr>
+          </a:lnRef>
+          <a:fillRef idx="1">
+            <a:schemeClr val="accent1"/>
+          </a:fillRef>
+          <a:effectRef idx="0">
+            <a:schemeClr val="accent1"/>
+          </a:effectRef>
+          <a:fontRef idx="minor">
+            <a:schemeClr val="lt1"/>
+          </a:fontRef>
+        </p:style>
+        <p:txBody>
+          <a:bodyPr rot="0" spcFirstLastPara="0" vertOverflow="overflow" horzOverflow="overflow" vert="horz" wrap="square" lIns="91440" tIns="45720" rIns="91440" bIns="45720" numCol="1" spcCol="0" rtlCol="0" fromWordArt="0" anchor="ctr" anchorCtr="0" forceAA="0" compatLnSpc="1">
+            <a:prstTxWarp prst="textNoShape">
+              <a:avLst/>
+            </a:prstTxWarp>
+            <a:noAutofit/>
+          </a:bodyPr>
+          <a:lstStyle/>
+          <a:p>
+            <a:pPr algn="ctr"/>
+            <a:r>
+              <a:rPr lang="it-IT" sz="2000" dirty="0" err="1"/>
+              <a:t>helpGUI</a:t>
+            </a:r>
+            <a:endParaRPr lang="it-IT" sz="2000" dirty="0"/>
+          </a:p>
+        </p:txBody>
+      </p:sp>
+      <p:cxnSp>
+        <p:nvCxnSpPr>
+          <p:cNvPr id="56" name="Connettore 4 55"/>
+          <p:cNvCxnSpPr/>
+          <p:nvPr/>
+        </p:nvCxnSpPr>
+        <p:spPr>
+          <a:xfrm rot="5400000" flipH="1" flipV="1">
+            <a:off x="36403" y="2012240"/>
+            <a:ext cx="3163274" cy="2204085"/>
+          </a:xfrm>
+          <a:prstGeom prst="bentConnector3">
+            <a:avLst>
+              <a:gd name="adj1" fmla="val 100861"/>
+            </a:avLst>
+          </a:prstGeom>
+          <a:ln w="57150">
+            <a:prstDash val="dash"/>
+            <a:tailEnd type="none"/>
+          </a:ln>
+        </p:spPr>
+        <p:style>
+          <a:lnRef idx="1">
+            <a:schemeClr val="accent1"/>
+          </a:lnRef>
+          <a:fillRef idx="0">
+            <a:schemeClr val="accent1"/>
+          </a:fillRef>
+          <a:effectRef idx="0">
+            <a:schemeClr val="accent1"/>
+          </a:effectRef>
+          <a:fontRef idx="minor">
+            <a:schemeClr val="tx1"/>
+          </a:fontRef>
+        </p:style>
+      </p:cxnSp>
+      <p:cxnSp>
+        <p:nvCxnSpPr>
+          <p:cNvPr id="75" name="Connettore 4 74"/>
+          <p:cNvCxnSpPr/>
+          <p:nvPr/>
+        </p:nvCxnSpPr>
+        <p:spPr>
+          <a:xfrm rot="16200000" flipH="1">
+            <a:off x="3314928" y="5576212"/>
+            <a:ext cx="1456043" cy="1393769"/>
+          </a:xfrm>
+          <a:prstGeom prst="bentConnector3">
+            <a:avLst>
+              <a:gd name="adj1" fmla="val 50000"/>
+            </a:avLst>
+          </a:prstGeom>
+          <a:ln w="57150">
+            <a:tailEnd type="triangle"/>
+          </a:ln>
+        </p:spPr>
+        <p:style>
+          <a:lnRef idx="1">
+            <a:schemeClr val="accent1"/>
+          </a:lnRef>
+          <a:fillRef idx="0">
+            <a:schemeClr val="accent1"/>
+          </a:fillRef>
+          <a:effectRef idx="0">
+            <a:schemeClr val="accent1"/>
+          </a:effectRef>
+          <a:fontRef idx="minor">
+            <a:schemeClr val="tx1"/>
+          </a:fontRef>
+        </p:style>
+      </p:cxnSp>
+      <p:sp>
+        <p:nvSpPr>
+          <p:cNvPr id="87" name="Elaborazione 86"/>
+          <p:cNvSpPr/>
+          <p:nvPr/>
+        </p:nvSpPr>
+        <p:spPr>
+          <a:xfrm>
+            <a:off x="4384011" y="7001118"/>
+            <a:ext cx="1785438" cy="1001192"/>
+          </a:xfrm>
+          <a:prstGeom prst="flowChartProcess">
+            <a:avLst/>
+          </a:prstGeom>
+        </p:spPr>
+        <p:style>
+          <a:lnRef idx="2">
+            <a:schemeClr val="accent1">
+              <a:shade val="50000"/>
+            </a:schemeClr>
+          </a:lnRef>
+          <a:fillRef idx="1">
+            <a:schemeClr val="accent1"/>
+          </a:fillRef>
+          <a:effectRef idx="0">
+            <a:schemeClr val="accent1"/>
+          </a:effectRef>
+          <a:fontRef idx="minor">
+            <a:schemeClr val="lt1"/>
+          </a:fontRef>
+        </p:style>
+        <p:txBody>
+          <a:bodyPr rot="0" spcFirstLastPara="0" vertOverflow="overflow" horzOverflow="overflow" vert="horz" wrap="square" lIns="91440" tIns="45720" rIns="91440" bIns="45720" numCol="1" spcCol="0" rtlCol="0" fromWordArt="0" anchor="ctr" anchorCtr="0" forceAA="0" compatLnSpc="1">
+            <a:prstTxWarp prst="textNoShape">
+              <a:avLst/>
+            </a:prstTxWarp>
+            <a:noAutofit/>
+          </a:bodyPr>
+          <a:lstStyle/>
+          <a:p>
+            <a:pPr algn="ctr"/>
+            <a:r>
+              <a:rPr lang="it-IT" sz="2000" dirty="0"/>
+              <a:t>.html FILE</a:t>
+            </a:r>
+          </a:p>
+        </p:txBody>
+      </p:sp>
+      <p:sp>
+        <p:nvSpPr>
+          <p:cNvPr id="88" name="CasellaDiTesto 87"/>
+          <p:cNvSpPr txBox="1"/>
+          <p:nvPr/>
+        </p:nvSpPr>
+        <p:spPr>
+          <a:xfrm>
+            <a:off x="4878205" y="6273097"/>
+            <a:ext cx="1715946" cy="400110"/>
+          </a:xfrm>
+          <a:prstGeom prst="rect">
+            <a:avLst/>
+          </a:prstGeom>
+          <a:noFill/>
+        </p:spPr>
+        <p:txBody>
+          <a:bodyPr wrap="square" rtlCol="0">
+            <a:spAutoFit/>
+          </a:bodyPr>
+          <a:lstStyle/>
+          <a:p>
+            <a:r>
+              <a:rPr lang="it-IT" sz="2000" dirty="0" err="1" smtClean="0"/>
+              <a:t>htmlwriteFS.m</a:t>
+            </a:r>
+            <a:endParaRPr lang="it-IT" sz="2000" dirty="0"/>
+          </a:p>
+        </p:txBody>
+      </p:sp>
+      <p:sp>
+        <p:nvSpPr>
+          <p:cNvPr id="89" name="CasellaDiTesto 88"/>
+          <p:cNvSpPr txBox="1"/>
+          <p:nvPr/>
+        </p:nvSpPr>
+        <p:spPr>
+          <a:xfrm>
+            <a:off x="0" y="219919"/>
+            <a:ext cx="6940870" cy="523220"/>
+          </a:xfrm>
+          <a:prstGeom prst="rect">
+            <a:avLst/>
+          </a:prstGeom>
+          <a:noFill/>
+        </p:spPr>
+        <p:txBody>
+          <a:bodyPr wrap="square" rtlCol="0">
+            <a:spAutoFit/>
+          </a:bodyPr>
+          <a:lstStyle/>
+          <a:p>
+            <a:pPr algn="ctr"/>
+            <a:r>
+              <a:rPr lang="it-IT" sz="2800" dirty="0" smtClean="0">
+                <a:latin typeface="Arial Rounded MT Bold" panose="020F0704030504030204" pitchFamily="34" charset="0"/>
+              </a:rPr>
+              <a:t>From </a:t>
+            </a:r>
+            <a:r>
+              <a:rPr lang="it-IT" sz="2800" dirty="0">
+                <a:latin typeface="Arial Rounded MT Bold" panose="020F0704030504030204" pitchFamily="34" charset="0"/>
+              </a:rPr>
+              <a:t>.m to .html </a:t>
+            </a:r>
+            <a:r>
+              <a:rPr lang="it-IT" sz="2800" dirty="0" err="1" smtClean="0">
+                <a:latin typeface="Arial Rounded MT Bold" panose="020F0704030504030204" pitchFamily="34" charset="0"/>
+              </a:rPr>
+              <a:t>using</a:t>
+            </a:r>
+            <a:r>
+              <a:rPr lang="it-IT" sz="2800" dirty="0" smtClean="0">
+                <a:latin typeface="Arial Rounded MT Bold" panose="020F0704030504030204" pitchFamily="34" charset="0"/>
+              </a:rPr>
+              <a:t> .xml</a:t>
+            </a:r>
+            <a:endParaRPr lang="it-IT" sz="2800" dirty="0">
+              <a:latin typeface="Arial Rounded MT Bold" panose="020F0704030504030204" pitchFamily="34" charset="0"/>
+            </a:endParaRPr>
+          </a:p>
+        </p:txBody>
+      </p:sp>
+      <p:sp>
+        <p:nvSpPr>
+          <p:cNvPr id="90" name="CasellaDiTesto 89"/>
+          <p:cNvSpPr txBox="1"/>
+          <p:nvPr/>
+        </p:nvSpPr>
+        <p:spPr>
+          <a:xfrm>
+            <a:off x="183126" y="7699152"/>
+            <a:ext cx="2037145" cy="400110"/>
+          </a:xfrm>
+          <a:prstGeom prst="rect">
+            <a:avLst/>
+          </a:prstGeom>
+          <a:noFill/>
+        </p:spPr>
+        <p:txBody>
+          <a:bodyPr wrap="square" rtlCol="0">
+            <a:spAutoFit/>
+          </a:bodyPr>
+          <a:lstStyle/>
+          <a:p>
+            <a:r>
+              <a:rPr lang="it-IT" sz="2000" dirty="0" err="1" smtClean="0"/>
+              <a:t>HelpGUI.mlapp</a:t>
+            </a:r>
+            <a:endParaRPr lang="it-IT" sz="2000" dirty="0"/>
+          </a:p>
+        </p:txBody>
+      </p:sp>
+    </p:spTree>
+    <p:extLst>
+      <p:ext uri="{BB962C8B-B14F-4D97-AF65-F5344CB8AC3E}">
+        <p14:creationId xmlns:p14="http://schemas.microsoft.com/office/powerpoint/2010/main" val="1331471044"/>
+      </p:ext>
+    </p:extLst>
+  </p:cSld>
+  <p:clrMapOvr>
+    <a:masterClrMapping/>
+  </p:clrMapOvr>
+  <p:timing>
+    <p:tnLst>
+      <p:par>
+        <p:cTn id="1" dur="indefinite" restart="never" nodeType="tmRoot"/>
+      </p:par>
+    </p:tnLst>
+  </p:timing>
+</p:sld>
+</file>
+
+<file path=ppt/slides/slide20.xml><?xml version="1.0" encoding="utf-8"?>
 <p:sld xmlns:a="http://schemas.openxmlformats.org/drawingml/2006/main" xmlns:r="http://schemas.openxmlformats.org/officeDocument/2006/relationships" xmlns:p="http://schemas.openxmlformats.org/presentationml/2006/main">
   <p:cSld>
     <p:spTree>
@@ -7331,590 +8114,7 @@
 </p:sld>
 </file>
 
-<file path=ppt/slides/slide2.xml><?xml version="1.0" encoding="utf-8"?>
-<p:sld xmlns:a="http://schemas.openxmlformats.org/drawingml/2006/main" xmlns:r="http://schemas.openxmlformats.org/officeDocument/2006/relationships" xmlns:p="http://schemas.openxmlformats.org/presentationml/2006/main">
-  <p:cSld>
-    <p:spTree>
-      <p:nvGrpSpPr>
-        <p:cNvPr id="1" name=""/>
-        <p:cNvGrpSpPr/>
-        <p:nvPr/>
-      </p:nvGrpSpPr>
-      <p:grpSpPr>
-        <a:xfrm>
-          <a:off x="0" y="0"/>
-          <a:ext cx="0" cy="0"/>
-          <a:chOff x="0" y="0"/>
-          <a:chExt cx="0" cy="0"/>
-        </a:xfrm>
-      </p:grpSpPr>
-      <p:pic>
-        <p:nvPicPr>
-          <p:cNvPr id="25" name="Immagine 24"/>
-          <p:cNvPicPr>
-            <a:picLocks noChangeAspect="1"/>
-          </p:cNvPicPr>
-          <p:nvPr/>
-        </p:nvPicPr>
-        <p:blipFill rotWithShape="1">
-          <a:blip r:embed="rId2"/>
-          <a:srcRect r="10810" b="57059"/>
-          <a:stretch/>
-        </p:blipFill>
-        <p:spPr>
-          <a:xfrm>
-            <a:off x="143813" y="7235706"/>
-            <a:ext cx="6762895" cy="1861995"/>
-          </a:xfrm>
-          <a:prstGeom prst="rect">
-            <a:avLst/>
-          </a:prstGeom>
-        </p:spPr>
-      </p:pic>
-      <p:sp>
-        <p:nvSpPr>
-          <p:cNvPr id="2" name="Titolo 1"/>
-          <p:cNvSpPr>
-            <a:spLocks noGrp="1"/>
-          </p:cNvSpPr>
-          <p:nvPr>
-            <p:ph type="title"/>
-          </p:nvPr>
-        </p:nvSpPr>
-        <p:spPr/>
-        <p:txBody>
-          <a:bodyPr/>
-          <a:lstStyle/>
-          <a:p>
-            <a:r>
-              <a:rPr lang="it-IT" dirty="0" err="1" smtClean="0"/>
-              <a:t>Example</a:t>
-            </a:r>
-            <a:r>
-              <a:rPr lang="it-IT" dirty="0" smtClean="0"/>
-              <a:t> of (</a:t>
-            </a:r>
-            <a:r>
-              <a:rPr lang="it-IT" dirty="0" err="1" smtClean="0"/>
-              <a:t>structured</a:t>
-            </a:r>
-            <a:r>
-              <a:rPr lang="it-IT" dirty="0" smtClean="0"/>
-              <a:t>) .m file</a:t>
-            </a:r>
-            <a:endParaRPr lang="it-IT" dirty="0"/>
-          </a:p>
-        </p:txBody>
-      </p:sp>
-      <p:sp>
-        <p:nvSpPr>
-          <p:cNvPr id="3" name="Segnaposto contenuto 2"/>
-          <p:cNvSpPr>
-            <a:spLocks noGrp="1"/>
-          </p:cNvSpPr>
-          <p:nvPr>
-            <p:ph idx="1"/>
-          </p:nvPr>
-        </p:nvSpPr>
-        <p:spPr/>
-        <p:txBody>
-          <a:bodyPr/>
-          <a:lstStyle/>
-          <a:p>
-            <a:endParaRPr lang="it-IT" dirty="0"/>
-          </a:p>
-        </p:txBody>
-      </p:sp>
-      <p:pic>
-        <p:nvPicPr>
-          <p:cNvPr id="4" name="Immagine 3"/>
-          <p:cNvPicPr>
-            <a:picLocks noChangeAspect="1"/>
-          </p:cNvPicPr>
-          <p:nvPr/>
-        </p:nvPicPr>
-        <p:blipFill rotWithShape="1">
-          <a:blip r:embed="rId3"/>
-          <a:srcRect t="1" r="7920" b="1198"/>
-          <a:stretch/>
-        </p:blipFill>
-        <p:spPr>
-          <a:xfrm>
-            <a:off x="0" y="2852099"/>
-            <a:ext cx="6967959" cy="4382078"/>
-          </a:xfrm>
-          <a:prstGeom prst="rect">
-            <a:avLst/>
-          </a:prstGeom>
-        </p:spPr>
-      </p:pic>
-      <p:grpSp>
-        <p:nvGrpSpPr>
-          <p:cNvPr id="24" name="Gruppo 23"/>
-          <p:cNvGrpSpPr/>
-          <p:nvPr/>
-        </p:nvGrpSpPr>
-        <p:grpSpPr>
-          <a:xfrm>
-            <a:off x="2789499" y="1751628"/>
-            <a:ext cx="2013995" cy="1419835"/>
-            <a:chOff x="2789499" y="1751628"/>
-            <a:chExt cx="2013995" cy="1419835"/>
-          </a:xfrm>
-        </p:grpSpPr>
-        <p:sp>
-          <p:nvSpPr>
-            <p:cNvPr id="5" name="Ovale 4"/>
-            <p:cNvSpPr/>
-            <p:nvPr/>
-          </p:nvSpPr>
-          <p:spPr>
-            <a:xfrm>
-              <a:off x="2789499" y="1751628"/>
-              <a:ext cx="2013995" cy="1003514"/>
-            </a:xfrm>
-            <a:prstGeom prst="ellipse">
-              <a:avLst/>
-            </a:prstGeom>
-          </p:spPr>
-          <p:style>
-            <a:lnRef idx="2">
-              <a:schemeClr val="accent1">
-                <a:shade val="50000"/>
-              </a:schemeClr>
-            </a:lnRef>
-            <a:fillRef idx="1">
-              <a:schemeClr val="accent1"/>
-            </a:fillRef>
-            <a:effectRef idx="0">
-              <a:schemeClr val="accent1"/>
-            </a:effectRef>
-            <a:fontRef idx="minor">
-              <a:schemeClr val="lt1"/>
-            </a:fontRef>
-          </p:style>
-          <p:txBody>
-            <a:bodyPr rtlCol="0" anchor="ctr"/>
-            <a:lstStyle/>
-            <a:p>
-              <a:pPr algn="ctr"/>
-              <a:r>
-                <a:rPr lang="it-IT" dirty="0" smtClean="0"/>
-                <a:t>Second line </a:t>
-              </a:r>
-              <a:r>
-                <a:rPr lang="it-IT" dirty="0" err="1" smtClean="0"/>
-                <a:t>is</a:t>
-              </a:r>
-              <a:r>
-                <a:rPr lang="it-IT" dirty="0" smtClean="0"/>
-                <a:t> «</a:t>
-              </a:r>
-              <a:r>
-                <a:rPr lang="it-IT" dirty="0" err="1" smtClean="0"/>
-                <a:t>purpose</a:t>
-              </a:r>
-              <a:r>
-                <a:rPr lang="it-IT" dirty="0" smtClean="0"/>
-                <a:t>»</a:t>
-              </a:r>
-              <a:endParaRPr lang="it-IT" dirty="0"/>
-            </a:p>
-          </p:txBody>
-        </p:sp>
-        <p:cxnSp>
-          <p:nvCxnSpPr>
-            <p:cNvPr id="7" name="Connettore 2 6"/>
-            <p:cNvCxnSpPr/>
-            <p:nvPr/>
-          </p:nvCxnSpPr>
-          <p:spPr>
-            <a:xfrm flipH="1">
-              <a:off x="2789499" y="2434167"/>
-              <a:ext cx="335666" cy="737296"/>
-            </a:xfrm>
-            <a:prstGeom prst="straightConnector1">
-              <a:avLst/>
-            </a:prstGeom>
-            <a:ln w="38100">
-              <a:tailEnd type="triangle"/>
-            </a:ln>
-          </p:spPr>
-          <p:style>
-            <a:lnRef idx="1">
-              <a:schemeClr val="accent1"/>
-            </a:lnRef>
-            <a:fillRef idx="0">
-              <a:schemeClr val="accent1"/>
-            </a:fillRef>
-            <a:effectRef idx="0">
-              <a:schemeClr val="accent1"/>
-            </a:effectRef>
-            <a:fontRef idx="minor">
-              <a:schemeClr val="tx1"/>
-            </a:fontRef>
-          </p:style>
-        </p:cxnSp>
-      </p:grpSp>
-      <p:sp>
-        <p:nvSpPr>
-          <p:cNvPr id="8" name="Ovale 7"/>
-          <p:cNvSpPr/>
-          <p:nvPr/>
-        </p:nvSpPr>
-        <p:spPr>
-          <a:xfrm>
-            <a:off x="4803494" y="5598816"/>
-            <a:ext cx="2013995" cy="1003514"/>
-          </a:xfrm>
-          <a:prstGeom prst="ellipse">
-            <a:avLst/>
-          </a:prstGeom>
-        </p:spPr>
-        <p:style>
-          <a:lnRef idx="2">
-            <a:schemeClr val="accent1">
-              <a:shade val="50000"/>
-            </a:schemeClr>
-          </a:lnRef>
-          <a:fillRef idx="1">
-            <a:schemeClr val="accent1"/>
-          </a:fillRef>
-          <a:effectRef idx="0">
-            <a:schemeClr val="accent1"/>
-          </a:effectRef>
-          <a:fontRef idx="minor">
-            <a:schemeClr val="lt1"/>
-          </a:fontRef>
-        </p:style>
-        <p:txBody>
-          <a:bodyPr rtlCol="0" anchor="ctr"/>
-          <a:lstStyle/>
-          <a:p>
-            <a:pPr algn="ctr"/>
-            <a:r>
-              <a:rPr lang="it-IT" dirty="0" err="1" smtClean="0"/>
-              <a:t>Description</a:t>
-            </a:r>
-            <a:endParaRPr lang="it-IT" dirty="0"/>
-          </a:p>
-        </p:txBody>
-      </p:sp>
-      <p:cxnSp>
-        <p:nvCxnSpPr>
-          <p:cNvPr id="9" name="Connettore 2 8"/>
-          <p:cNvCxnSpPr/>
-          <p:nvPr/>
-        </p:nvCxnSpPr>
-        <p:spPr>
-          <a:xfrm flipH="1" flipV="1">
-            <a:off x="775504" y="6458673"/>
-            <a:ext cx="694482" cy="1193436"/>
-          </a:xfrm>
-          <a:prstGeom prst="straightConnector1">
-            <a:avLst/>
-          </a:prstGeom>
-          <a:ln w="38100">
-            <a:tailEnd type="triangle"/>
-          </a:ln>
-        </p:spPr>
-        <p:style>
-          <a:lnRef idx="1">
-            <a:schemeClr val="accent1"/>
-          </a:lnRef>
-          <a:fillRef idx="0">
-            <a:schemeClr val="accent1"/>
-          </a:fillRef>
-          <a:effectRef idx="0">
-            <a:schemeClr val="accent1"/>
-          </a:effectRef>
-          <a:fontRef idx="minor">
-            <a:schemeClr val="tx1"/>
-          </a:fontRef>
-        </p:style>
-      </p:cxnSp>
-      <p:sp>
-        <p:nvSpPr>
-          <p:cNvPr id="10" name="Rettangolo 9"/>
-          <p:cNvSpPr/>
-          <p:nvPr/>
-        </p:nvSpPr>
-        <p:spPr>
-          <a:xfrm>
-            <a:off x="601884" y="4019932"/>
-            <a:ext cx="6366075" cy="1733929"/>
-          </a:xfrm>
-          <a:prstGeom prst="rect">
-            <a:avLst/>
-          </a:prstGeom>
-          <a:noFill/>
-        </p:spPr>
-        <p:style>
-          <a:lnRef idx="2">
-            <a:schemeClr val="accent1">
-              <a:shade val="50000"/>
-            </a:schemeClr>
-          </a:lnRef>
-          <a:fillRef idx="1">
-            <a:schemeClr val="accent1"/>
-          </a:fillRef>
-          <a:effectRef idx="0">
-            <a:schemeClr val="accent1"/>
-          </a:effectRef>
-          <a:fontRef idx="minor">
-            <a:schemeClr val="lt1"/>
-          </a:fontRef>
-        </p:style>
-        <p:txBody>
-          <a:bodyPr rtlCol="0" anchor="ctr"/>
-          <a:lstStyle/>
-          <a:p>
-            <a:pPr algn="ctr"/>
-            <a:endParaRPr lang="it-IT"/>
-          </a:p>
-        </p:txBody>
-      </p:sp>
-      <p:sp>
-        <p:nvSpPr>
-          <p:cNvPr id="13" name="Ovale 12"/>
-          <p:cNvSpPr/>
-          <p:nvPr/>
-        </p:nvSpPr>
-        <p:spPr>
-          <a:xfrm>
-            <a:off x="471490" y="7580889"/>
-            <a:ext cx="2318010" cy="1003514"/>
-          </a:xfrm>
-          <a:prstGeom prst="ellipse">
-            <a:avLst/>
-          </a:prstGeom>
-        </p:spPr>
-        <p:style>
-          <a:lnRef idx="2">
-            <a:schemeClr val="accent1">
-              <a:shade val="50000"/>
-            </a:schemeClr>
-          </a:lnRef>
-          <a:fillRef idx="1">
-            <a:schemeClr val="accent1"/>
-          </a:fillRef>
-          <a:effectRef idx="0">
-            <a:schemeClr val="accent1"/>
-          </a:effectRef>
-          <a:fontRef idx="minor">
-            <a:schemeClr val="lt1"/>
-          </a:fontRef>
-        </p:style>
-        <p:txBody>
-          <a:bodyPr rtlCol="0" anchor="ctr"/>
-          <a:lstStyle/>
-          <a:p>
-            <a:pPr algn="ctr"/>
-            <a:r>
-              <a:rPr lang="it-IT" dirty="0" err="1" smtClean="0"/>
-              <a:t>Required</a:t>
-            </a:r>
-            <a:r>
-              <a:rPr lang="it-IT" dirty="0" smtClean="0"/>
-              <a:t> input </a:t>
-            </a:r>
-            <a:r>
-              <a:rPr lang="it-IT" dirty="0" err="1" smtClean="0"/>
-              <a:t>arguments</a:t>
-            </a:r>
-            <a:r>
-              <a:rPr lang="it-IT" dirty="0" smtClean="0"/>
-              <a:t> </a:t>
-            </a:r>
-            <a:r>
-              <a:rPr lang="it-IT" dirty="0" err="1" smtClean="0"/>
-              <a:t>section</a:t>
-            </a:r>
-            <a:endParaRPr lang="it-IT" dirty="0"/>
-          </a:p>
-        </p:txBody>
-      </p:sp>
-      <p:cxnSp>
-        <p:nvCxnSpPr>
-          <p:cNvPr id="16" name="Connettore 4 15"/>
-          <p:cNvCxnSpPr/>
-          <p:nvPr/>
-        </p:nvCxnSpPr>
-        <p:spPr>
-          <a:xfrm>
-            <a:off x="192519" y="5933773"/>
-            <a:ext cx="6665484" cy="668557"/>
-          </a:xfrm>
-          <a:prstGeom prst="bentConnector3">
-            <a:avLst>
-              <a:gd name="adj1" fmla="val 44443"/>
-            </a:avLst>
-          </a:prstGeom>
-        </p:spPr>
-        <p:style>
-          <a:lnRef idx="1">
-            <a:schemeClr val="accent1"/>
-          </a:lnRef>
-          <a:fillRef idx="0">
-            <a:schemeClr val="accent1"/>
-          </a:fillRef>
-          <a:effectRef idx="0">
-            <a:schemeClr val="accent1"/>
-          </a:effectRef>
-          <a:fontRef idx="minor">
-            <a:schemeClr val="tx1"/>
-          </a:fontRef>
-        </p:style>
-      </p:cxnSp>
-      <p:cxnSp>
-        <p:nvCxnSpPr>
-          <p:cNvPr id="20" name="Connettore diritto 19"/>
-          <p:cNvCxnSpPr/>
-          <p:nvPr/>
-        </p:nvCxnSpPr>
-        <p:spPr>
-          <a:xfrm>
-            <a:off x="219919" y="5933773"/>
-            <a:ext cx="11575" cy="1480316"/>
-          </a:xfrm>
-          <a:prstGeom prst="line">
-            <a:avLst/>
-          </a:prstGeom>
-        </p:spPr>
-        <p:style>
-          <a:lnRef idx="1">
-            <a:schemeClr val="accent1"/>
-          </a:lnRef>
-          <a:fillRef idx="0">
-            <a:schemeClr val="accent1"/>
-          </a:fillRef>
-          <a:effectRef idx="0">
-            <a:schemeClr val="accent1"/>
-          </a:effectRef>
-          <a:fontRef idx="minor">
-            <a:schemeClr val="tx1"/>
-          </a:fontRef>
-        </p:style>
-      </p:cxnSp>
-      <p:cxnSp>
-        <p:nvCxnSpPr>
-          <p:cNvPr id="21" name="Connettore diritto 20"/>
-          <p:cNvCxnSpPr/>
-          <p:nvPr/>
-        </p:nvCxnSpPr>
-        <p:spPr>
-          <a:xfrm>
-            <a:off x="6865327" y="6667375"/>
-            <a:ext cx="11575" cy="1480316"/>
-          </a:xfrm>
-          <a:prstGeom prst="line">
-            <a:avLst/>
-          </a:prstGeom>
-        </p:spPr>
-        <p:style>
-          <a:lnRef idx="1">
-            <a:schemeClr val="accent1"/>
-          </a:lnRef>
-          <a:fillRef idx="0">
-            <a:schemeClr val="accent1"/>
-          </a:fillRef>
-          <a:effectRef idx="0">
-            <a:schemeClr val="accent1"/>
-          </a:effectRef>
-          <a:fontRef idx="minor">
-            <a:schemeClr val="tx1"/>
-          </a:fontRef>
-        </p:style>
-      </p:cxnSp>
-      <p:cxnSp>
-        <p:nvCxnSpPr>
-          <p:cNvPr id="22" name="Connettore 2 21"/>
-          <p:cNvCxnSpPr/>
-          <p:nvPr/>
-        </p:nvCxnSpPr>
-        <p:spPr>
-          <a:xfrm flipH="1" flipV="1">
-            <a:off x="3903746" y="5701137"/>
-            <a:ext cx="917111" cy="388888"/>
-          </a:xfrm>
-          <a:prstGeom prst="straightConnector1">
-            <a:avLst/>
-          </a:prstGeom>
-          <a:ln w="38100">
-            <a:tailEnd type="triangle"/>
-          </a:ln>
-        </p:spPr>
-        <p:style>
-          <a:lnRef idx="1">
-            <a:schemeClr val="accent1"/>
-          </a:lnRef>
-          <a:fillRef idx="0">
-            <a:schemeClr val="accent1"/>
-          </a:fillRef>
-          <a:effectRef idx="0">
-            <a:schemeClr val="accent1"/>
-          </a:effectRef>
-          <a:fontRef idx="minor">
-            <a:schemeClr val="tx1"/>
-          </a:fontRef>
-        </p:style>
-      </p:cxnSp>
-      <p:cxnSp>
-        <p:nvCxnSpPr>
-          <p:cNvPr id="27" name="Connettore diritto 26"/>
-          <p:cNvCxnSpPr/>
-          <p:nvPr/>
-        </p:nvCxnSpPr>
-        <p:spPr>
-          <a:xfrm>
-            <a:off x="471489" y="6342926"/>
-            <a:ext cx="2456906" cy="0"/>
-          </a:xfrm>
-          <a:prstGeom prst="line">
-            <a:avLst/>
-          </a:prstGeom>
-          <a:ln w="76200">
-            <a:solidFill>
-              <a:srgbClr val="002060"/>
-            </a:solidFill>
-          </a:ln>
-        </p:spPr>
-        <p:style>
-          <a:lnRef idx="1">
-            <a:schemeClr val="accent1"/>
-          </a:lnRef>
-          <a:fillRef idx="0">
-            <a:schemeClr val="accent1"/>
-          </a:fillRef>
-          <a:effectRef idx="0">
-            <a:schemeClr val="accent1"/>
-          </a:effectRef>
-          <a:fontRef idx="minor">
-            <a:schemeClr val="tx1"/>
-          </a:fontRef>
-        </p:style>
-      </p:cxnSp>
-    </p:spTree>
-    <p:extLst>
-      <p:ext uri="{BB962C8B-B14F-4D97-AF65-F5344CB8AC3E}">
-        <p14:creationId xmlns:p14="http://schemas.microsoft.com/office/powerpoint/2010/main" val="1587330144"/>
-      </p:ext>
-    </p:extLst>
-  </p:cSld>
-  <p:clrMapOvr>
-    <a:masterClrMapping/>
-  </p:clrMapOvr>
-  <p:timing>
-    <p:tnLst>
-      <p:par>
-        <p:cTn id="1" dur="indefinite" restart="never" nodeType="tmRoot"/>
-      </p:par>
-    </p:tnLst>
-  </p:timing>
-</p:sld>
-</file>
-
-<file path=ppt/slides/slide20.xml><?xml version="1.0" encoding="utf-8"?>
+<file path=ppt/slides/slide21.xml><?xml version="1.0" encoding="utf-8"?>
 <p:sld xmlns:a="http://schemas.openxmlformats.org/drawingml/2006/main" xmlns:r="http://schemas.openxmlformats.org/officeDocument/2006/relationships" xmlns:p="http://schemas.openxmlformats.org/presentationml/2006/main">
   <p:cSld>
     <p:spTree>
@@ -8280,115 +8480,6 @@
 </p:sld>
 </file>
 
-<file path=ppt/slides/slide21.xml><?xml version="1.0" encoding="utf-8"?>
-<p:sld xmlns:a="http://schemas.openxmlformats.org/drawingml/2006/main" xmlns:r="http://schemas.openxmlformats.org/officeDocument/2006/relationships" xmlns:p="http://schemas.openxmlformats.org/presentationml/2006/main">
-  <p:cSld>
-    <p:spTree>
-      <p:nvGrpSpPr>
-        <p:cNvPr id="1" name=""/>
-        <p:cNvGrpSpPr/>
-        <p:nvPr/>
-      </p:nvGrpSpPr>
-      <p:grpSpPr>
-        <a:xfrm>
-          <a:off x="0" y="0"/>
-          <a:ext cx="0" cy="0"/>
-          <a:chOff x="0" y="0"/>
-          <a:chExt cx="0" cy="0"/>
-        </a:xfrm>
-      </p:grpSpPr>
-      <p:sp>
-        <p:nvSpPr>
-          <p:cNvPr id="2" name="Titolo 1"/>
-          <p:cNvSpPr>
-            <a:spLocks noGrp="1"/>
-          </p:cNvSpPr>
-          <p:nvPr>
-            <p:ph type="title"/>
-          </p:nvPr>
-        </p:nvSpPr>
-        <p:spPr>
-          <a:xfrm>
-            <a:off x="390467" y="232195"/>
-            <a:ext cx="5915025" cy="1767417"/>
-          </a:xfrm>
-        </p:spPr>
-        <p:txBody>
-          <a:bodyPr/>
-          <a:lstStyle/>
-          <a:p>
-            <a:r>
-              <a:rPr lang="it-IT" dirty="0" smtClean="0"/>
-              <a:t>Some </a:t>
-            </a:r>
-            <a:r>
-              <a:rPr lang="it-IT" dirty="0" err="1" smtClean="0"/>
-              <a:t>screenshots</a:t>
-            </a:r>
-            <a:r>
-              <a:rPr lang="it-IT" dirty="0" smtClean="0"/>
-              <a:t> from the GUI: the «</a:t>
-            </a:r>
-            <a:r>
-              <a:rPr lang="it-IT" dirty="0" err="1" smtClean="0"/>
-              <a:t>Preamble</a:t>
-            </a:r>
-            <a:r>
-              <a:rPr lang="it-IT" dirty="0" smtClean="0"/>
-              <a:t>» </a:t>
-            </a:r>
-            <a:r>
-              <a:rPr lang="it-IT" dirty="0" err="1" smtClean="0"/>
-              <a:t>tab</a:t>
-            </a:r>
-            <a:endParaRPr lang="it-IT" dirty="0"/>
-          </a:p>
-        </p:txBody>
-      </p:sp>
-      <p:pic>
-        <p:nvPicPr>
-          <p:cNvPr id="3" name="Immagine 2"/>
-          <p:cNvPicPr>
-            <a:picLocks noChangeAspect="1"/>
-          </p:cNvPicPr>
-          <p:nvPr/>
-        </p:nvPicPr>
-        <p:blipFill>
-          <a:blip r:embed="rId2"/>
-          <a:stretch>
-            <a:fillRect/>
-          </a:stretch>
-        </p:blipFill>
-        <p:spPr>
-          <a:xfrm>
-            <a:off x="1" y="1898798"/>
-            <a:ext cx="6944810" cy="6226080"/>
-          </a:xfrm>
-          <a:prstGeom prst="rect">
-            <a:avLst/>
-          </a:prstGeom>
-        </p:spPr>
-      </p:pic>
-    </p:spTree>
-    <p:extLst>
-      <p:ext uri="{BB962C8B-B14F-4D97-AF65-F5344CB8AC3E}">
-        <p14:creationId xmlns:p14="http://schemas.microsoft.com/office/powerpoint/2010/main" val="3900757552"/>
-      </p:ext>
-    </p:extLst>
-  </p:cSld>
-  <p:clrMapOvr>
-    <a:masterClrMapping/>
-  </p:clrMapOvr>
-  <p:timing>
-    <p:tnLst>
-      <p:par>
-        <p:cTn id="1" dur="indefinite" restart="never" nodeType="tmRoot"/>
-      </p:par>
-    </p:tnLst>
-  </p:timing>
-</p:sld>
-</file>
-
 <file path=ppt/slides/slide22.xml><?xml version="1.0" encoding="utf-8"?>
 <p:sld xmlns:a="http://schemas.openxmlformats.org/drawingml/2006/main" xmlns:r="http://schemas.openxmlformats.org/officeDocument/2006/relationships" xmlns:p="http://schemas.openxmlformats.org/presentationml/2006/main">
   <p:cSld>
@@ -8436,11 +8527,11 @@
             </a:r>
             <a:r>
               <a:rPr lang="it-IT" dirty="0" smtClean="0"/>
-              <a:t> from the GUI: the «Optional </a:t>
-            </a:r>
-            <a:r>
-              <a:rPr lang="it-IT" dirty="0" err="1" smtClean="0"/>
-              <a:t>Arguments</a:t>
+              <a:t> from the GUI: the «</a:t>
+            </a:r>
+            <a:r>
+              <a:rPr lang="it-IT" dirty="0" err="1" smtClean="0"/>
+              <a:t>Preamble</a:t>
             </a:r>
             <a:r>
               <a:rPr lang="it-IT" dirty="0" smtClean="0"/>
@@ -8481,7 +8572,7 @@
     </p:spTree>
     <p:extLst>
       <p:ext uri="{BB962C8B-B14F-4D97-AF65-F5344CB8AC3E}">
-        <p14:creationId xmlns:p14="http://schemas.microsoft.com/office/powerpoint/2010/main" val="1285261155"/>
+        <p14:creationId xmlns:p14="http://schemas.microsoft.com/office/powerpoint/2010/main" val="3900757552"/>
       </p:ext>
     </p:extLst>
   </p:cSld>
@@ -8545,7 +8636,7 @@
             </a:r>
             <a:r>
               <a:rPr lang="it-IT" dirty="0" smtClean="0"/>
-              <a:t> from the GUI: the «Output </a:t>
+              <a:t> from the GUI: the «Optional </a:t>
             </a:r>
             <a:r>
               <a:rPr lang="it-IT" dirty="0" err="1" smtClean="0"/>
@@ -8565,7 +8656,7 @@
       </p:sp>
       <p:pic>
         <p:nvPicPr>
-          <p:cNvPr id="4" name="Immagine 3"/>
+          <p:cNvPr id="3" name="Immagine 2"/>
           <p:cNvPicPr>
             <a:picLocks noChangeAspect="1"/>
           </p:cNvPicPr>
@@ -8579,8 +8670,8 @@
         </p:blipFill>
         <p:spPr>
           <a:xfrm>
-            <a:off x="0" y="1640202"/>
-            <a:ext cx="6919560" cy="6210838"/>
+            <a:off x="1" y="1898798"/>
+            <a:ext cx="6944810" cy="6226080"/>
           </a:xfrm>
           <a:prstGeom prst="rect">
             <a:avLst/>
@@ -8590,7 +8681,7 @@
     </p:spTree>
     <p:extLst>
       <p:ext uri="{BB962C8B-B14F-4D97-AF65-F5344CB8AC3E}">
-        <p14:creationId xmlns:p14="http://schemas.microsoft.com/office/powerpoint/2010/main" val="2013146182"/>
+        <p14:creationId xmlns:p14="http://schemas.microsoft.com/office/powerpoint/2010/main" val="1285261155"/>
       </p:ext>
     </p:extLst>
   </p:cSld>
@@ -8634,6 +8725,115 @@
             <p:ph type="title"/>
           </p:nvPr>
         </p:nvSpPr>
+        <p:spPr>
+          <a:xfrm>
+            <a:off x="390467" y="232195"/>
+            <a:ext cx="5915025" cy="1767417"/>
+          </a:xfrm>
+        </p:spPr>
+        <p:txBody>
+          <a:bodyPr/>
+          <a:lstStyle/>
+          <a:p>
+            <a:r>
+              <a:rPr lang="it-IT" dirty="0" smtClean="0"/>
+              <a:t>Some </a:t>
+            </a:r>
+            <a:r>
+              <a:rPr lang="it-IT" dirty="0" err="1" smtClean="0"/>
+              <a:t>screenshots</a:t>
+            </a:r>
+            <a:r>
+              <a:rPr lang="it-IT" dirty="0" smtClean="0"/>
+              <a:t> from the GUI: the «Output </a:t>
+            </a:r>
+            <a:r>
+              <a:rPr lang="it-IT" dirty="0" err="1" smtClean="0"/>
+              <a:t>Arguments</a:t>
+            </a:r>
+            <a:r>
+              <a:rPr lang="it-IT" dirty="0" smtClean="0"/>
+              <a:t>» </a:t>
+            </a:r>
+            <a:r>
+              <a:rPr lang="it-IT" dirty="0" err="1" smtClean="0"/>
+              <a:t>tab</a:t>
+            </a:r>
+            <a:endParaRPr lang="it-IT" dirty="0"/>
+          </a:p>
+        </p:txBody>
+      </p:sp>
+      <p:pic>
+        <p:nvPicPr>
+          <p:cNvPr id="4" name="Immagine 3"/>
+          <p:cNvPicPr>
+            <a:picLocks noChangeAspect="1"/>
+          </p:cNvPicPr>
+          <p:nvPr/>
+        </p:nvPicPr>
+        <p:blipFill>
+          <a:blip r:embed="rId2"/>
+          <a:stretch>
+            <a:fillRect/>
+          </a:stretch>
+        </p:blipFill>
+        <p:spPr>
+          <a:xfrm>
+            <a:off x="0" y="1640202"/>
+            <a:ext cx="6919560" cy="6210838"/>
+          </a:xfrm>
+          <a:prstGeom prst="rect">
+            <a:avLst/>
+          </a:prstGeom>
+        </p:spPr>
+      </p:pic>
+    </p:spTree>
+    <p:extLst>
+      <p:ext uri="{BB962C8B-B14F-4D97-AF65-F5344CB8AC3E}">
+        <p14:creationId xmlns:p14="http://schemas.microsoft.com/office/powerpoint/2010/main" val="2013146182"/>
+      </p:ext>
+    </p:extLst>
+  </p:cSld>
+  <p:clrMapOvr>
+    <a:masterClrMapping/>
+  </p:clrMapOvr>
+  <p:timing>
+    <p:tnLst>
+      <p:par>
+        <p:cTn id="1" dur="indefinite" restart="never" nodeType="tmRoot"/>
+      </p:par>
+    </p:tnLst>
+  </p:timing>
+</p:sld>
+</file>
+
+<file path=ppt/slides/slide25.xml><?xml version="1.0" encoding="utf-8"?>
+<p:sld xmlns:a="http://schemas.openxmlformats.org/drawingml/2006/main" xmlns:r="http://schemas.openxmlformats.org/officeDocument/2006/relationships" xmlns:p="http://schemas.openxmlformats.org/presentationml/2006/main">
+  <p:cSld>
+    <p:spTree>
+      <p:nvGrpSpPr>
+        <p:cNvPr id="1" name=""/>
+        <p:cNvGrpSpPr/>
+        <p:nvPr/>
+      </p:nvGrpSpPr>
+      <p:grpSpPr>
+        <a:xfrm>
+          <a:off x="0" y="0"/>
+          <a:ext cx="0" cy="0"/>
+          <a:chOff x="0" y="0"/>
+          <a:chExt cx="0" cy="0"/>
+        </a:xfrm>
+      </p:grpSpPr>
+      <p:sp>
+        <p:nvSpPr>
+          <p:cNvPr id="2" name="Titolo 1"/>
+          <p:cNvSpPr>
+            <a:spLocks noGrp="1"/>
+          </p:cNvSpPr>
+          <p:nvPr>
+            <p:ph type="title"/>
+          </p:nvPr>
+        </p:nvSpPr>
         <p:spPr/>
         <p:txBody>
           <a:bodyPr/>
@@ -8750,7 +8950,7 @@
 </p:sld>
 </file>
 
-<file path=ppt/slides/slide25.xml><?xml version="1.0" encoding="utf-8"?>
+<file path=ppt/slides/slide26.xml><?xml version="1.0" encoding="utf-8"?>
 <p:sld xmlns:a="http://schemas.openxmlformats.org/drawingml/2006/main" xmlns:r="http://schemas.openxmlformats.org/officeDocument/2006/relationships" xmlns:p="http://schemas.openxmlformats.org/presentationml/2006/main">
   <p:cSld>
     <p:spTree>
@@ -9100,7 +9300,7 @@
 </p:sld>
 </file>
 
-<file path=ppt/slides/slide26.xml><?xml version="1.0" encoding="utf-8"?>
+<file path=ppt/slides/slide27.xml><?xml version="1.0" encoding="utf-8"?>
 <p:sld xmlns:a="http://schemas.openxmlformats.org/drawingml/2006/main" xmlns:r="http://schemas.openxmlformats.org/officeDocument/2006/relationships" xmlns:p="http://schemas.openxmlformats.org/presentationml/2006/main">
   <p:cSld>
     <p:spTree>
@@ -9353,7 +9553,7 @@
 </p:sld>
 </file>
 
-<file path=ppt/slides/slide27.xml><?xml version="1.0" encoding="utf-8"?>
+<file path=ppt/slides/slide28.xml><?xml version="1.0" encoding="utf-8"?>
 <p:sld xmlns:a="http://schemas.openxmlformats.org/drawingml/2006/main" xmlns:r="http://schemas.openxmlformats.org/officeDocument/2006/relationships" xmlns:p="http://schemas.openxmlformats.org/presentationml/2006/main">
   <p:cSld>
     <p:spTree>
@@ -10018,255 +10218,6 @@
 </p:sld>
 </file>
 
-<file path=ppt/slides/slide28.xml><?xml version="1.0" encoding="utf-8"?>
-<p:sld xmlns:a="http://schemas.openxmlformats.org/drawingml/2006/main" xmlns:r="http://schemas.openxmlformats.org/officeDocument/2006/relationships" xmlns:p="http://schemas.openxmlformats.org/presentationml/2006/main">
-  <p:cSld>
-    <p:spTree>
-      <p:nvGrpSpPr>
-        <p:cNvPr id="1" name=""/>
-        <p:cNvGrpSpPr/>
-        <p:nvPr/>
-      </p:nvGrpSpPr>
-      <p:grpSpPr>
-        <a:xfrm>
-          <a:off x="0" y="0"/>
-          <a:ext cx="0" cy="0"/>
-          <a:chOff x="0" y="0"/>
-          <a:chExt cx="0" cy="0"/>
-        </a:xfrm>
-      </p:grpSpPr>
-      <p:sp>
-        <p:nvSpPr>
-          <p:cNvPr id="2" name="Titolo 1"/>
-          <p:cNvSpPr>
-            <a:spLocks noGrp="1"/>
-          </p:cNvSpPr>
-          <p:nvPr>
-            <p:ph type="title"/>
-          </p:nvPr>
-        </p:nvSpPr>
-        <p:spPr/>
-        <p:txBody>
-          <a:bodyPr/>
-          <a:lstStyle/>
-          <a:p>
-            <a:r>
-              <a:rPr lang="it-IT" dirty="0" smtClean="0"/>
-              <a:t>File «</a:t>
-            </a:r>
-            <a:r>
-              <a:rPr lang="it-IT" dirty="0" err="1" smtClean="0"/>
-              <a:t>htmlwriteFS.m</a:t>
-            </a:r>
-            <a:r>
-              <a:rPr lang="it-IT" dirty="0" smtClean="0"/>
-              <a:t>»</a:t>
-            </a:r>
-            <a:endParaRPr lang="it-IT" dirty="0"/>
-          </a:p>
-        </p:txBody>
-      </p:sp>
-      <p:sp>
-        <p:nvSpPr>
-          <p:cNvPr id="3" name="Segnaposto contenuto 2"/>
-          <p:cNvSpPr>
-            <a:spLocks noGrp="1"/>
-          </p:cNvSpPr>
-          <p:nvPr>
-            <p:ph idx="1"/>
-          </p:nvPr>
-        </p:nvSpPr>
-        <p:spPr/>
-        <p:txBody>
-          <a:bodyPr/>
-          <a:lstStyle/>
-          <a:p>
-            <a:r>
-              <a:rPr lang="it-IT" dirty="0" err="1" smtClean="0"/>
-              <a:t>This</a:t>
-            </a:r>
-            <a:r>
-              <a:rPr lang="it-IT" dirty="0" smtClean="0"/>
-              <a:t> routine </a:t>
-            </a:r>
-            <a:r>
-              <a:rPr lang="it-IT" dirty="0" err="1" smtClean="0"/>
-              <a:t>takes</a:t>
-            </a:r>
-            <a:r>
-              <a:rPr lang="it-IT" dirty="0" smtClean="0"/>
-              <a:t> </a:t>
-            </a:r>
-            <a:r>
-              <a:rPr lang="it-IT" dirty="0" err="1" smtClean="0"/>
-              <a:t>as</a:t>
-            </a:r>
-            <a:r>
-              <a:rPr lang="it-IT" dirty="0" smtClean="0"/>
-              <a:t> input the out </a:t>
-            </a:r>
-            <a:r>
-              <a:rPr lang="it-IT" dirty="0" err="1" smtClean="0"/>
-              <a:t>structure</a:t>
-            </a:r>
-            <a:r>
-              <a:rPr lang="it-IT" dirty="0" smtClean="0"/>
-              <a:t> </a:t>
-            </a:r>
-            <a:r>
-              <a:rPr lang="it-IT" dirty="0" err="1" smtClean="0"/>
-              <a:t>described</a:t>
-            </a:r>
-            <a:r>
-              <a:rPr lang="it-IT" dirty="0" smtClean="0"/>
-              <a:t> </a:t>
-            </a:r>
-            <a:r>
-              <a:rPr lang="it-IT" dirty="0" err="1" smtClean="0"/>
-              <a:t>previously</a:t>
-            </a:r>
-            <a:r>
-              <a:rPr lang="it-IT" dirty="0" smtClean="0"/>
-              <a:t> and </a:t>
-            </a:r>
-            <a:r>
-              <a:rPr lang="it-IT" dirty="0" err="1" smtClean="0"/>
-              <a:t>creates</a:t>
-            </a:r>
-            <a:r>
-              <a:rPr lang="it-IT" dirty="0" smtClean="0"/>
-              <a:t> the </a:t>
-            </a:r>
-            <a:r>
-              <a:rPr lang="it-IT" dirty="0" err="1" smtClean="0"/>
-              <a:t>corresponding</a:t>
-            </a:r>
-            <a:r>
-              <a:rPr lang="it-IT" dirty="0" smtClean="0"/>
-              <a:t> HTML file </a:t>
-            </a:r>
-            <a:r>
-              <a:rPr lang="it-IT" dirty="0" err="1" smtClean="0"/>
-              <a:t>using</a:t>
-            </a:r>
-            <a:r>
-              <a:rPr lang="it-IT" dirty="0" smtClean="0"/>
-              <a:t> the </a:t>
-            </a:r>
-            <a:r>
-              <a:rPr lang="it-IT" dirty="0" err="1" smtClean="0"/>
-              <a:t>styles</a:t>
-            </a:r>
-            <a:r>
-              <a:rPr lang="it-IT" dirty="0" smtClean="0"/>
-              <a:t> of the MATLAB help </a:t>
-            </a:r>
-            <a:r>
-              <a:rPr lang="it-IT" dirty="0" err="1" smtClean="0"/>
-              <a:t>system</a:t>
-            </a:r>
-            <a:endParaRPr lang="it-IT" dirty="0" smtClean="0"/>
-          </a:p>
-          <a:p>
-            <a:endParaRPr lang="it-IT" dirty="0"/>
-          </a:p>
-          <a:p>
-            <a:r>
-              <a:rPr lang="it-IT" dirty="0" smtClean="0"/>
-              <a:t>In </a:t>
-            </a:r>
-            <a:r>
-              <a:rPr lang="it-IT" dirty="0" err="1" smtClean="0"/>
-              <a:t>this</a:t>
-            </a:r>
-            <a:r>
-              <a:rPr lang="it-IT" dirty="0" smtClean="0"/>
-              <a:t> routine </a:t>
-            </a:r>
-            <a:r>
-              <a:rPr lang="it-IT" dirty="0" err="1" smtClean="0"/>
-              <a:t>all</a:t>
-            </a:r>
-            <a:r>
-              <a:rPr lang="it-IT" dirty="0" smtClean="0"/>
-              <a:t> </a:t>
-            </a:r>
-            <a:r>
-              <a:rPr lang="it-IT" dirty="0" err="1" smtClean="0"/>
-              <a:t>elements</a:t>
-            </a:r>
-            <a:r>
-              <a:rPr lang="it-IT" dirty="0" smtClean="0"/>
-              <a:t> of </a:t>
-            </a:r>
-            <a:r>
-              <a:rPr lang="it-IT" dirty="0" err="1" smtClean="0"/>
-              <a:t>structure</a:t>
-            </a:r>
-            <a:r>
-              <a:rPr lang="it-IT" dirty="0" smtClean="0"/>
-              <a:t> out are </a:t>
-            </a:r>
-            <a:r>
-              <a:rPr lang="it-IT" dirty="0" err="1" smtClean="0"/>
-              <a:t>embedded</a:t>
-            </a:r>
-            <a:r>
-              <a:rPr lang="it-IT" dirty="0" smtClean="0"/>
-              <a:t> inside the HTML MATLAB </a:t>
-            </a:r>
-            <a:r>
-              <a:rPr lang="it-IT" dirty="0" err="1" smtClean="0"/>
-              <a:t>framework</a:t>
-            </a:r>
-            <a:endParaRPr lang="it-IT" dirty="0"/>
-          </a:p>
-        </p:txBody>
-      </p:sp>
-      <p:pic>
-        <p:nvPicPr>
-          <p:cNvPr id="5" name="Immagine 4"/>
-          <p:cNvPicPr>
-            <a:picLocks noChangeAspect="1"/>
-          </p:cNvPicPr>
-          <p:nvPr/>
-        </p:nvPicPr>
-        <p:blipFill>
-          <a:blip r:embed="rId2"/>
-          <a:stretch>
-            <a:fillRect/>
-          </a:stretch>
-        </p:blipFill>
-        <p:spPr>
-          <a:xfrm>
-            <a:off x="-63660" y="5580499"/>
-            <a:ext cx="6985321" cy="2080440"/>
-          </a:xfrm>
-          <a:prstGeom prst="rect">
-            <a:avLst/>
-          </a:prstGeom>
-        </p:spPr>
-      </p:pic>
-    </p:spTree>
-    <p:extLst>
-      <p:ext uri="{BB962C8B-B14F-4D97-AF65-F5344CB8AC3E}">
-        <p14:creationId xmlns:p14="http://schemas.microsoft.com/office/powerpoint/2010/main" val="3466082394"/>
-      </p:ext>
-    </p:extLst>
-  </p:cSld>
-  <p:clrMapOvr>
-    <a:masterClrMapping/>
-  </p:clrMapOvr>
-  <p:timing>
-    <p:tnLst>
-      <p:par>
-        <p:cTn id="1" dur="indefinite" restart="never" nodeType="tmRoot"/>
-      </p:par>
-    </p:tnLst>
-  </p:timing>
-</p:sld>
-</file>
-
 <file path=ppt/slides/slide29.xml><?xml version="1.0" encoding="utf-8"?>
 <p:sld xmlns:a="http://schemas.openxmlformats.org/drawingml/2006/main" xmlns:r="http://schemas.openxmlformats.org/officeDocument/2006/relationships" xmlns:p="http://schemas.openxmlformats.org/presentationml/2006/main">
   <p:cSld>
@@ -10317,6 +10268,838 @@
       </p:sp>
       <p:sp>
         <p:nvSpPr>
+          <p:cNvPr id="3" name="Segnaposto contenuto 2"/>
+          <p:cNvSpPr>
+            <a:spLocks noGrp="1"/>
+          </p:cNvSpPr>
+          <p:nvPr>
+            <p:ph idx="1"/>
+          </p:nvPr>
+        </p:nvSpPr>
+        <p:spPr/>
+        <p:txBody>
+          <a:bodyPr/>
+          <a:lstStyle/>
+          <a:p>
+            <a:r>
+              <a:rPr lang="it-IT" dirty="0" err="1" smtClean="0"/>
+              <a:t>This</a:t>
+            </a:r>
+            <a:r>
+              <a:rPr lang="it-IT" dirty="0" smtClean="0"/>
+              <a:t> routine </a:t>
+            </a:r>
+            <a:r>
+              <a:rPr lang="it-IT" dirty="0" err="1" smtClean="0"/>
+              <a:t>takes</a:t>
+            </a:r>
+            <a:r>
+              <a:rPr lang="it-IT" dirty="0" smtClean="0"/>
+              <a:t> </a:t>
+            </a:r>
+            <a:r>
+              <a:rPr lang="it-IT" dirty="0" err="1" smtClean="0"/>
+              <a:t>as</a:t>
+            </a:r>
+            <a:r>
+              <a:rPr lang="it-IT" dirty="0" smtClean="0"/>
+              <a:t> input the out </a:t>
+            </a:r>
+            <a:r>
+              <a:rPr lang="it-IT" dirty="0" err="1" smtClean="0"/>
+              <a:t>structure</a:t>
+            </a:r>
+            <a:r>
+              <a:rPr lang="it-IT" dirty="0" smtClean="0"/>
+              <a:t> </a:t>
+            </a:r>
+            <a:r>
+              <a:rPr lang="it-IT" dirty="0" err="1" smtClean="0"/>
+              <a:t>described</a:t>
+            </a:r>
+            <a:r>
+              <a:rPr lang="it-IT" dirty="0" smtClean="0"/>
+              <a:t> </a:t>
+            </a:r>
+            <a:r>
+              <a:rPr lang="it-IT" dirty="0" err="1" smtClean="0"/>
+              <a:t>previously</a:t>
+            </a:r>
+            <a:r>
+              <a:rPr lang="it-IT" dirty="0" smtClean="0"/>
+              <a:t> and </a:t>
+            </a:r>
+            <a:r>
+              <a:rPr lang="it-IT" dirty="0" err="1" smtClean="0"/>
+              <a:t>creates</a:t>
+            </a:r>
+            <a:r>
+              <a:rPr lang="it-IT" dirty="0" smtClean="0"/>
+              <a:t> the </a:t>
+            </a:r>
+            <a:r>
+              <a:rPr lang="it-IT" dirty="0" err="1" smtClean="0"/>
+              <a:t>corresponding</a:t>
+            </a:r>
+            <a:r>
+              <a:rPr lang="it-IT" dirty="0" smtClean="0"/>
+              <a:t> HTML file </a:t>
+            </a:r>
+            <a:r>
+              <a:rPr lang="it-IT" dirty="0" err="1" smtClean="0"/>
+              <a:t>using</a:t>
+            </a:r>
+            <a:r>
+              <a:rPr lang="it-IT" dirty="0" smtClean="0"/>
+              <a:t> the </a:t>
+            </a:r>
+            <a:r>
+              <a:rPr lang="it-IT" dirty="0" err="1" smtClean="0"/>
+              <a:t>styles</a:t>
+            </a:r>
+            <a:r>
+              <a:rPr lang="it-IT" dirty="0" smtClean="0"/>
+              <a:t> of the MATLAB help </a:t>
+            </a:r>
+            <a:r>
+              <a:rPr lang="it-IT" dirty="0" err="1" smtClean="0"/>
+              <a:t>system</a:t>
+            </a:r>
+            <a:endParaRPr lang="it-IT" dirty="0" smtClean="0"/>
+          </a:p>
+          <a:p>
+            <a:endParaRPr lang="it-IT" dirty="0"/>
+          </a:p>
+          <a:p>
+            <a:r>
+              <a:rPr lang="it-IT" dirty="0" smtClean="0"/>
+              <a:t>In </a:t>
+            </a:r>
+            <a:r>
+              <a:rPr lang="it-IT" dirty="0" err="1" smtClean="0"/>
+              <a:t>this</a:t>
+            </a:r>
+            <a:r>
+              <a:rPr lang="it-IT" dirty="0" smtClean="0"/>
+              <a:t> routine </a:t>
+            </a:r>
+            <a:r>
+              <a:rPr lang="it-IT" dirty="0" err="1" smtClean="0"/>
+              <a:t>all</a:t>
+            </a:r>
+            <a:r>
+              <a:rPr lang="it-IT" dirty="0" smtClean="0"/>
+              <a:t> </a:t>
+            </a:r>
+            <a:r>
+              <a:rPr lang="it-IT" dirty="0" err="1" smtClean="0"/>
+              <a:t>elements</a:t>
+            </a:r>
+            <a:r>
+              <a:rPr lang="it-IT" dirty="0" smtClean="0"/>
+              <a:t> of </a:t>
+            </a:r>
+            <a:r>
+              <a:rPr lang="it-IT" dirty="0" err="1" smtClean="0"/>
+              <a:t>structure</a:t>
+            </a:r>
+            <a:r>
+              <a:rPr lang="it-IT" dirty="0" smtClean="0"/>
+              <a:t> out are </a:t>
+            </a:r>
+            <a:r>
+              <a:rPr lang="it-IT" dirty="0" err="1" smtClean="0"/>
+              <a:t>embedded</a:t>
+            </a:r>
+            <a:r>
+              <a:rPr lang="it-IT" dirty="0" smtClean="0"/>
+              <a:t> inside the HTML MATLAB </a:t>
+            </a:r>
+            <a:r>
+              <a:rPr lang="it-IT" dirty="0" err="1" smtClean="0"/>
+              <a:t>framework</a:t>
+            </a:r>
+            <a:endParaRPr lang="it-IT" dirty="0"/>
+          </a:p>
+        </p:txBody>
+      </p:sp>
+      <p:pic>
+        <p:nvPicPr>
+          <p:cNvPr id="5" name="Immagine 4"/>
+          <p:cNvPicPr>
+            <a:picLocks noChangeAspect="1"/>
+          </p:cNvPicPr>
+          <p:nvPr/>
+        </p:nvPicPr>
+        <p:blipFill>
+          <a:blip r:embed="rId2"/>
+          <a:stretch>
+            <a:fillRect/>
+          </a:stretch>
+        </p:blipFill>
+        <p:spPr>
+          <a:xfrm>
+            <a:off x="-63660" y="5580499"/>
+            <a:ext cx="6985321" cy="2080440"/>
+          </a:xfrm>
+          <a:prstGeom prst="rect">
+            <a:avLst/>
+          </a:prstGeom>
+        </p:spPr>
+      </p:pic>
+    </p:spTree>
+    <p:extLst>
+      <p:ext uri="{BB962C8B-B14F-4D97-AF65-F5344CB8AC3E}">
+        <p14:creationId xmlns:p14="http://schemas.microsoft.com/office/powerpoint/2010/main" val="3466082394"/>
+      </p:ext>
+    </p:extLst>
+  </p:cSld>
+  <p:clrMapOvr>
+    <a:masterClrMapping/>
+  </p:clrMapOvr>
+  <p:timing>
+    <p:tnLst>
+      <p:par>
+        <p:cTn id="1" dur="indefinite" restart="never" nodeType="tmRoot"/>
+      </p:par>
+    </p:tnLst>
+  </p:timing>
+</p:sld>
+</file>
+
+<file path=ppt/slides/slide3.xml><?xml version="1.0" encoding="utf-8"?>
+<p:sld xmlns:a="http://schemas.openxmlformats.org/drawingml/2006/main" xmlns:r="http://schemas.openxmlformats.org/officeDocument/2006/relationships" xmlns:p="http://schemas.openxmlformats.org/presentationml/2006/main">
+  <p:cSld>
+    <p:spTree>
+      <p:nvGrpSpPr>
+        <p:cNvPr id="1" name=""/>
+        <p:cNvGrpSpPr/>
+        <p:nvPr/>
+      </p:nvGrpSpPr>
+      <p:grpSpPr>
+        <a:xfrm>
+          <a:off x="0" y="0"/>
+          <a:ext cx="0" cy="0"/>
+          <a:chOff x="0" y="0"/>
+          <a:chExt cx="0" cy="0"/>
+        </a:xfrm>
+      </p:grpSpPr>
+      <p:pic>
+        <p:nvPicPr>
+          <p:cNvPr id="25" name="Immagine 24"/>
+          <p:cNvPicPr>
+            <a:picLocks noChangeAspect="1"/>
+          </p:cNvPicPr>
+          <p:nvPr/>
+        </p:nvPicPr>
+        <p:blipFill rotWithShape="1">
+          <a:blip r:embed="rId2"/>
+          <a:srcRect r="10810" b="57059"/>
+          <a:stretch/>
+        </p:blipFill>
+        <p:spPr>
+          <a:xfrm>
+            <a:off x="143813" y="7235706"/>
+            <a:ext cx="6762895" cy="1861995"/>
+          </a:xfrm>
+          <a:prstGeom prst="rect">
+            <a:avLst/>
+          </a:prstGeom>
+        </p:spPr>
+      </p:pic>
+      <p:sp>
+        <p:nvSpPr>
+          <p:cNvPr id="2" name="Titolo 1"/>
+          <p:cNvSpPr>
+            <a:spLocks noGrp="1"/>
+          </p:cNvSpPr>
+          <p:nvPr>
+            <p:ph type="title"/>
+          </p:nvPr>
+        </p:nvSpPr>
+        <p:spPr/>
+        <p:txBody>
+          <a:bodyPr/>
+          <a:lstStyle/>
+          <a:p>
+            <a:r>
+              <a:rPr lang="it-IT" dirty="0" err="1" smtClean="0"/>
+              <a:t>Example</a:t>
+            </a:r>
+            <a:r>
+              <a:rPr lang="it-IT" dirty="0" smtClean="0"/>
+              <a:t> of (</a:t>
+            </a:r>
+            <a:r>
+              <a:rPr lang="it-IT" dirty="0" err="1" smtClean="0"/>
+              <a:t>structured</a:t>
+            </a:r>
+            <a:r>
+              <a:rPr lang="it-IT" dirty="0" smtClean="0"/>
+              <a:t>) .m file</a:t>
+            </a:r>
+            <a:endParaRPr lang="it-IT" dirty="0"/>
+          </a:p>
+        </p:txBody>
+      </p:sp>
+      <p:sp>
+        <p:nvSpPr>
+          <p:cNvPr id="3" name="Segnaposto contenuto 2"/>
+          <p:cNvSpPr>
+            <a:spLocks noGrp="1"/>
+          </p:cNvSpPr>
+          <p:nvPr>
+            <p:ph idx="1"/>
+          </p:nvPr>
+        </p:nvSpPr>
+        <p:spPr/>
+        <p:txBody>
+          <a:bodyPr/>
+          <a:lstStyle/>
+          <a:p>
+            <a:endParaRPr lang="it-IT" dirty="0"/>
+          </a:p>
+        </p:txBody>
+      </p:sp>
+      <p:pic>
+        <p:nvPicPr>
+          <p:cNvPr id="4" name="Immagine 3"/>
+          <p:cNvPicPr>
+            <a:picLocks noChangeAspect="1"/>
+          </p:cNvPicPr>
+          <p:nvPr/>
+        </p:nvPicPr>
+        <p:blipFill rotWithShape="1">
+          <a:blip r:embed="rId3"/>
+          <a:srcRect t="1" r="7920" b="1198"/>
+          <a:stretch/>
+        </p:blipFill>
+        <p:spPr>
+          <a:xfrm>
+            <a:off x="0" y="2852099"/>
+            <a:ext cx="6967959" cy="4382078"/>
+          </a:xfrm>
+          <a:prstGeom prst="rect">
+            <a:avLst/>
+          </a:prstGeom>
+        </p:spPr>
+      </p:pic>
+      <p:grpSp>
+        <p:nvGrpSpPr>
+          <p:cNvPr id="24" name="Gruppo 23"/>
+          <p:cNvGrpSpPr/>
+          <p:nvPr/>
+        </p:nvGrpSpPr>
+        <p:grpSpPr>
+          <a:xfrm>
+            <a:off x="2789499" y="1751628"/>
+            <a:ext cx="2013995" cy="1419835"/>
+            <a:chOff x="2789499" y="1751628"/>
+            <a:chExt cx="2013995" cy="1419835"/>
+          </a:xfrm>
+        </p:grpSpPr>
+        <p:sp>
+          <p:nvSpPr>
+            <p:cNvPr id="5" name="Ovale 4"/>
+            <p:cNvSpPr/>
+            <p:nvPr/>
+          </p:nvSpPr>
+          <p:spPr>
+            <a:xfrm>
+              <a:off x="2789499" y="1751628"/>
+              <a:ext cx="2013995" cy="1003514"/>
+            </a:xfrm>
+            <a:prstGeom prst="ellipse">
+              <a:avLst/>
+            </a:prstGeom>
+          </p:spPr>
+          <p:style>
+            <a:lnRef idx="2">
+              <a:schemeClr val="accent1">
+                <a:shade val="50000"/>
+              </a:schemeClr>
+            </a:lnRef>
+            <a:fillRef idx="1">
+              <a:schemeClr val="accent1"/>
+            </a:fillRef>
+            <a:effectRef idx="0">
+              <a:schemeClr val="accent1"/>
+            </a:effectRef>
+            <a:fontRef idx="minor">
+              <a:schemeClr val="lt1"/>
+            </a:fontRef>
+          </p:style>
+          <p:txBody>
+            <a:bodyPr rtlCol="0" anchor="ctr"/>
+            <a:lstStyle/>
+            <a:p>
+              <a:pPr algn="ctr"/>
+              <a:r>
+                <a:rPr lang="it-IT" dirty="0" smtClean="0"/>
+                <a:t>Second line </a:t>
+              </a:r>
+              <a:r>
+                <a:rPr lang="it-IT" dirty="0" err="1" smtClean="0"/>
+                <a:t>is</a:t>
+              </a:r>
+              <a:r>
+                <a:rPr lang="it-IT" dirty="0" smtClean="0"/>
+                <a:t> «</a:t>
+              </a:r>
+              <a:r>
+                <a:rPr lang="it-IT" dirty="0" err="1" smtClean="0"/>
+                <a:t>purpose</a:t>
+              </a:r>
+              <a:r>
+                <a:rPr lang="it-IT" dirty="0" smtClean="0"/>
+                <a:t>»</a:t>
+              </a:r>
+              <a:endParaRPr lang="it-IT" dirty="0"/>
+            </a:p>
+          </p:txBody>
+        </p:sp>
+        <p:cxnSp>
+          <p:nvCxnSpPr>
+            <p:cNvPr id="7" name="Connettore 2 6"/>
+            <p:cNvCxnSpPr/>
+            <p:nvPr/>
+          </p:nvCxnSpPr>
+          <p:spPr>
+            <a:xfrm flipH="1">
+              <a:off x="2789499" y="2434167"/>
+              <a:ext cx="335666" cy="737296"/>
+            </a:xfrm>
+            <a:prstGeom prst="straightConnector1">
+              <a:avLst/>
+            </a:prstGeom>
+            <a:ln w="38100">
+              <a:tailEnd type="triangle"/>
+            </a:ln>
+          </p:spPr>
+          <p:style>
+            <a:lnRef idx="1">
+              <a:schemeClr val="accent1"/>
+            </a:lnRef>
+            <a:fillRef idx="0">
+              <a:schemeClr val="accent1"/>
+            </a:fillRef>
+            <a:effectRef idx="0">
+              <a:schemeClr val="accent1"/>
+            </a:effectRef>
+            <a:fontRef idx="minor">
+              <a:schemeClr val="tx1"/>
+            </a:fontRef>
+          </p:style>
+        </p:cxnSp>
+      </p:grpSp>
+      <p:sp>
+        <p:nvSpPr>
+          <p:cNvPr id="8" name="Ovale 7"/>
+          <p:cNvSpPr/>
+          <p:nvPr/>
+        </p:nvSpPr>
+        <p:spPr>
+          <a:xfrm>
+            <a:off x="4803494" y="5598816"/>
+            <a:ext cx="2013995" cy="1003514"/>
+          </a:xfrm>
+          <a:prstGeom prst="ellipse">
+            <a:avLst/>
+          </a:prstGeom>
+        </p:spPr>
+        <p:style>
+          <a:lnRef idx="2">
+            <a:schemeClr val="accent1">
+              <a:shade val="50000"/>
+            </a:schemeClr>
+          </a:lnRef>
+          <a:fillRef idx="1">
+            <a:schemeClr val="accent1"/>
+          </a:fillRef>
+          <a:effectRef idx="0">
+            <a:schemeClr val="accent1"/>
+          </a:effectRef>
+          <a:fontRef idx="minor">
+            <a:schemeClr val="lt1"/>
+          </a:fontRef>
+        </p:style>
+        <p:txBody>
+          <a:bodyPr rtlCol="0" anchor="ctr"/>
+          <a:lstStyle/>
+          <a:p>
+            <a:pPr algn="ctr"/>
+            <a:r>
+              <a:rPr lang="it-IT" dirty="0" err="1" smtClean="0"/>
+              <a:t>Description</a:t>
+            </a:r>
+            <a:endParaRPr lang="it-IT" dirty="0"/>
+          </a:p>
+        </p:txBody>
+      </p:sp>
+      <p:cxnSp>
+        <p:nvCxnSpPr>
+          <p:cNvPr id="9" name="Connettore 2 8"/>
+          <p:cNvCxnSpPr/>
+          <p:nvPr/>
+        </p:nvCxnSpPr>
+        <p:spPr>
+          <a:xfrm flipH="1" flipV="1">
+            <a:off x="775504" y="6458673"/>
+            <a:ext cx="694482" cy="1193436"/>
+          </a:xfrm>
+          <a:prstGeom prst="straightConnector1">
+            <a:avLst/>
+          </a:prstGeom>
+          <a:ln w="38100">
+            <a:tailEnd type="triangle"/>
+          </a:ln>
+        </p:spPr>
+        <p:style>
+          <a:lnRef idx="1">
+            <a:schemeClr val="accent1"/>
+          </a:lnRef>
+          <a:fillRef idx="0">
+            <a:schemeClr val="accent1"/>
+          </a:fillRef>
+          <a:effectRef idx="0">
+            <a:schemeClr val="accent1"/>
+          </a:effectRef>
+          <a:fontRef idx="minor">
+            <a:schemeClr val="tx1"/>
+          </a:fontRef>
+        </p:style>
+      </p:cxnSp>
+      <p:sp>
+        <p:nvSpPr>
+          <p:cNvPr id="10" name="Rettangolo 9"/>
+          <p:cNvSpPr/>
+          <p:nvPr/>
+        </p:nvSpPr>
+        <p:spPr>
+          <a:xfrm>
+            <a:off x="601884" y="4019932"/>
+            <a:ext cx="6366075" cy="1733929"/>
+          </a:xfrm>
+          <a:prstGeom prst="rect">
+            <a:avLst/>
+          </a:prstGeom>
+          <a:noFill/>
+        </p:spPr>
+        <p:style>
+          <a:lnRef idx="2">
+            <a:schemeClr val="accent1">
+              <a:shade val="50000"/>
+            </a:schemeClr>
+          </a:lnRef>
+          <a:fillRef idx="1">
+            <a:schemeClr val="accent1"/>
+          </a:fillRef>
+          <a:effectRef idx="0">
+            <a:schemeClr val="accent1"/>
+          </a:effectRef>
+          <a:fontRef idx="minor">
+            <a:schemeClr val="lt1"/>
+          </a:fontRef>
+        </p:style>
+        <p:txBody>
+          <a:bodyPr rtlCol="0" anchor="ctr"/>
+          <a:lstStyle/>
+          <a:p>
+            <a:pPr algn="ctr"/>
+            <a:endParaRPr lang="it-IT"/>
+          </a:p>
+        </p:txBody>
+      </p:sp>
+      <p:sp>
+        <p:nvSpPr>
+          <p:cNvPr id="13" name="Ovale 12"/>
+          <p:cNvSpPr/>
+          <p:nvPr/>
+        </p:nvSpPr>
+        <p:spPr>
+          <a:xfrm>
+            <a:off x="471490" y="7580889"/>
+            <a:ext cx="2318010" cy="1003514"/>
+          </a:xfrm>
+          <a:prstGeom prst="ellipse">
+            <a:avLst/>
+          </a:prstGeom>
+        </p:spPr>
+        <p:style>
+          <a:lnRef idx="2">
+            <a:schemeClr val="accent1">
+              <a:shade val="50000"/>
+            </a:schemeClr>
+          </a:lnRef>
+          <a:fillRef idx="1">
+            <a:schemeClr val="accent1"/>
+          </a:fillRef>
+          <a:effectRef idx="0">
+            <a:schemeClr val="accent1"/>
+          </a:effectRef>
+          <a:fontRef idx="minor">
+            <a:schemeClr val="lt1"/>
+          </a:fontRef>
+        </p:style>
+        <p:txBody>
+          <a:bodyPr rtlCol="0" anchor="ctr"/>
+          <a:lstStyle/>
+          <a:p>
+            <a:pPr algn="ctr"/>
+            <a:r>
+              <a:rPr lang="it-IT" dirty="0" err="1" smtClean="0"/>
+              <a:t>Required</a:t>
+            </a:r>
+            <a:r>
+              <a:rPr lang="it-IT" dirty="0" smtClean="0"/>
+              <a:t> input </a:t>
+            </a:r>
+            <a:r>
+              <a:rPr lang="it-IT" dirty="0" err="1" smtClean="0"/>
+              <a:t>arguments</a:t>
+            </a:r>
+            <a:r>
+              <a:rPr lang="it-IT" dirty="0" smtClean="0"/>
+              <a:t> </a:t>
+            </a:r>
+            <a:r>
+              <a:rPr lang="it-IT" dirty="0" err="1" smtClean="0"/>
+              <a:t>section</a:t>
+            </a:r>
+            <a:endParaRPr lang="it-IT" dirty="0"/>
+          </a:p>
+        </p:txBody>
+      </p:sp>
+      <p:cxnSp>
+        <p:nvCxnSpPr>
+          <p:cNvPr id="16" name="Connettore 4 15"/>
+          <p:cNvCxnSpPr/>
+          <p:nvPr/>
+        </p:nvCxnSpPr>
+        <p:spPr>
+          <a:xfrm>
+            <a:off x="192519" y="5933773"/>
+            <a:ext cx="6665484" cy="668557"/>
+          </a:xfrm>
+          <a:prstGeom prst="bentConnector3">
+            <a:avLst>
+              <a:gd name="adj1" fmla="val 44443"/>
+            </a:avLst>
+          </a:prstGeom>
+        </p:spPr>
+        <p:style>
+          <a:lnRef idx="1">
+            <a:schemeClr val="accent1"/>
+          </a:lnRef>
+          <a:fillRef idx="0">
+            <a:schemeClr val="accent1"/>
+          </a:fillRef>
+          <a:effectRef idx="0">
+            <a:schemeClr val="accent1"/>
+          </a:effectRef>
+          <a:fontRef idx="minor">
+            <a:schemeClr val="tx1"/>
+          </a:fontRef>
+        </p:style>
+      </p:cxnSp>
+      <p:cxnSp>
+        <p:nvCxnSpPr>
+          <p:cNvPr id="20" name="Connettore diritto 19"/>
+          <p:cNvCxnSpPr/>
+          <p:nvPr/>
+        </p:nvCxnSpPr>
+        <p:spPr>
+          <a:xfrm>
+            <a:off x="219919" y="5933773"/>
+            <a:ext cx="11575" cy="1480316"/>
+          </a:xfrm>
+          <a:prstGeom prst="line">
+            <a:avLst/>
+          </a:prstGeom>
+        </p:spPr>
+        <p:style>
+          <a:lnRef idx="1">
+            <a:schemeClr val="accent1"/>
+          </a:lnRef>
+          <a:fillRef idx="0">
+            <a:schemeClr val="accent1"/>
+          </a:fillRef>
+          <a:effectRef idx="0">
+            <a:schemeClr val="accent1"/>
+          </a:effectRef>
+          <a:fontRef idx="minor">
+            <a:schemeClr val="tx1"/>
+          </a:fontRef>
+        </p:style>
+      </p:cxnSp>
+      <p:cxnSp>
+        <p:nvCxnSpPr>
+          <p:cNvPr id="21" name="Connettore diritto 20"/>
+          <p:cNvCxnSpPr/>
+          <p:nvPr/>
+        </p:nvCxnSpPr>
+        <p:spPr>
+          <a:xfrm>
+            <a:off x="6865327" y="6667375"/>
+            <a:ext cx="11575" cy="1480316"/>
+          </a:xfrm>
+          <a:prstGeom prst="line">
+            <a:avLst/>
+          </a:prstGeom>
+        </p:spPr>
+        <p:style>
+          <a:lnRef idx="1">
+            <a:schemeClr val="accent1"/>
+          </a:lnRef>
+          <a:fillRef idx="0">
+            <a:schemeClr val="accent1"/>
+          </a:fillRef>
+          <a:effectRef idx="0">
+            <a:schemeClr val="accent1"/>
+          </a:effectRef>
+          <a:fontRef idx="minor">
+            <a:schemeClr val="tx1"/>
+          </a:fontRef>
+        </p:style>
+      </p:cxnSp>
+      <p:cxnSp>
+        <p:nvCxnSpPr>
+          <p:cNvPr id="22" name="Connettore 2 21"/>
+          <p:cNvCxnSpPr/>
+          <p:nvPr/>
+        </p:nvCxnSpPr>
+        <p:spPr>
+          <a:xfrm flipH="1" flipV="1">
+            <a:off x="3903746" y="5701137"/>
+            <a:ext cx="917111" cy="388888"/>
+          </a:xfrm>
+          <a:prstGeom prst="straightConnector1">
+            <a:avLst/>
+          </a:prstGeom>
+          <a:ln w="38100">
+            <a:tailEnd type="triangle"/>
+          </a:ln>
+        </p:spPr>
+        <p:style>
+          <a:lnRef idx="1">
+            <a:schemeClr val="accent1"/>
+          </a:lnRef>
+          <a:fillRef idx="0">
+            <a:schemeClr val="accent1"/>
+          </a:fillRef>
+          <a:effectRef idx="0">
+            <a:schemeClr val="accent1"/>
+          </a:effectRef>
+          <a:fontRef idx="minor">
+            <a:schemeClr val="tx1"/>
+          </a:fontRef>
+        </p:style>
+      </p:cxnSp>
+      <p:cxnSp>
+        <p:nvCxnSpPr>
+          <p:cNvPr id="27" name="Connettore diritto 26"/>
+          <p:cNvCxnSpPr/>
+          <p:nvPr/>
+        </p:nvCxnSpPr>
+        <p:spPr>
+          <a:xfrm>
+            <a:off x="471489" y="6342926"/>
+            <a:ext cx="2456906" cy="0"/>
+          </a:xfrm>
+          <a:prstGeom prst="line">
+            <a:avLst/>
+          </a:prstGeom>
+          <a:ln w="76200">
+            <a:solidFill>
+              <a:srgbClr val="002060"/>
+            </a:solidFill>
+          </a:ln>
+        </p:spPr>
+        <p:style>
+          <a:lnRef idx="1">
+            <a:schemeClr val="accent1"/>
+          </a:lnRef>
+          <a:fillRef idx="0">
+            <a:schemeClr val="accent1"/>
+          </a:fillRef>
+          <a:effectRef idx="0">
+            <a:schemeClr val="accent1"/>
+          </a:effectRef>
+          <a:fontRef idx="minor">
+            <a:schemeClr val="tx1"/>
+          </a:fontRef>
+        </p:style>
+      </p:cxnSp>
+    </p:spTree>
+    <p:extLst>
+      <p:ext uri="{BB962C8B-B14F-4D97-AF65-F5344CB8AC3E}">
+        <p14:creationId xmlns:p14="http://schemas.microsoft.com/office/powerpoint/2010/main" val="1587330144"/>
+      </p:ext>
+    </p:extLst>
+  </p:cSld>
+  <p:clrMapOvr>
+    <a:masterClrMapping/>
+  </p:clrMapOvr>
+  <p:timing>
+    <p:tnLst>
+      <p:par>
+        <p:cTn id="1" dur="indefinite" restart="never" nodeType="tmRoot"/>
+      </p:par>
+    </p:tnLst>
+  </p:timing>
+</p:sld>
+</file>
+
+<file path=ppt/slides/slide30.xml><?xml version="1.0" encoding="utf-8"?>
+<p:sld xmlns:a="http://schemas.openxmlformats.org/drawingml/2006/main" xmlns:r="http://schemas.openxmlformats.org/officeDocument/2006/relationships" xmlns:p="http://schemas.openxmlformats.org/presentationml/2006/main">
+  <p:cSld>
+    <p:spTree>
+      <p:nvGrpSpPr>
+        <p:cNvPr id="1" name=""/>
+        <p:cNvGrpSpPr/>
+        <p:nvPr/>
+      </p:nvGrpSpPr>
+      <p:grpSpPr>
+        <a:xfrm>
+          <a:off x="0" y="0"/>
+          <a:ext cx="0" cy="0"/>
+          <a:chOff x="0" y="0"/>
+          <a:chExt cx="0" cy="0"/>
+        </a:xfrm>
+      </p:grpSpPr>
+      <p:sp>
+        <p:nvSpPr>
+          <p:cNvPr id="2" name="Titolo 1"/>
+          <p:cNvSpPr>
+            <a:spLocks noGrp="1"/>
+          </p:cNvSpPr>
+          <p:nvPr>
+            <p:ph type="title"/>
+          </p:nvPr>
+        </p:nvSpPr>
+        <p:spPr/>
+        <p:txBody>
+          <a:bodyPr/>
+          <a:lstStyle/>
+          <a:p>
+            <a:r>
+              <a:rPr lang="it-IT" dirty="0" smtClean="0"/>
+              <a:t>File «</a:t>
+            </a:r>
+            <a:r>
+              <a:rPr lang="it-IT" dirty="0" err="1" smtClean="0"/>
+              <a:t>htmlwriteFS.m</a:t>
+            </a:r>
+            <a:r>
+              <a:rPr lang="it-IT" dirty="0" smtClean="0"/>
+              <a:t>»</a:t>
+            </a:r>
+            <a:endParaRPr lang="it-IT" dirty="0"/>
+          </a:p>
+        </p:txBody>
+      </p:sp>
+      <p:sp>
+        <p:nvSpPr>
           <p:cNvPr id="4" name="Segnaposto contenuto 3"/>
           <p:cNvSpPr>
             <a:spLocks noGrp="1"/>
@@ -10377,7 +11160,377 @@
 </p:sld>
 </file>
 
-<file path=ppt/slides/slide3.xml><?xml version="1.0" encoding="utf-8"?>
+<file path=ppt/slides/slide31.xml><?xml version="1.0" encoding="utf-8"?>
+<p:sld xmlns:a="http://schemas.openxmlformats.org/drawingml/2006/main" xmlns:r="http://schemas.openxmlformats.org/officeDocument/2006/relationships" xmlns:p="http://schemas.openxmlformats.org/presentationml/2006/main">
+  <p:cSld>
+    <p:spTree>
+      <p:nvGrpSpPr>
+        <p:cNvPr id="1" name=""/>
+        <p:cNvGrpSpPr/>
+        <p:nvPr/>
+      </p:nvGrpSpPr>
+      <p:grpSpPr>
+        <a:xfrm>
+          <a:off x="0" y="0"/>
+          <a:ext cx="0" cy="0"/>
+          <a:chOff x="0" y="0"/>
+          <a:chExt cx="0" cy="0"/>
+        </a:xfrm>
+      </p:grpSpPr>
+      <p:sp>
+        <p:nvSpPr>
+          <p:cNvPr id="2" name="Titolo 1"/>
+          <p:cNvSpPr>
+            <a:spLocks noGrp="1"/>
+          </p:cNvSpPr>
+          <p:nvPr>
+            <p:ph type="title"/>
+          </p:nvPr>
+        </p:nvSpPr>
+        <p:spPr/>
+        <p:txBody>
+          <a:bodyPr/>
+          <a:lstStyle/>
+          <a:p>
+            <a:r>
+              <a:rPr lang="it-IT" dirty="0" err="1" smtClean="0"/>
+              <a:t>Conclusions</a:t>
+            </a:r>
+            <a:r>
+              <a:rPr lang="it-IT" dirty="0" smtClean="0"/>
+              <a:t> </a:t>
+            </a:r>
+            <a:endParaRPr lang="it-IT" dirty="0"/>
+          </a:p>
+        </p:txBody>
+      </p:sp>
+      <p:sp>
+        <p:nvSpPr>
+          <p:cNvPr id="3" name="Segnaposto contenuto 2"/>
+          <p:cNvSpPr>
+            <a:spLocks noGrp="1"/>
+          </p:cNvSpPr>
+          <p:nvPr>
+            <p:ph idx="1"/>
+          </p:nvPr>
+        </p:nvSpPr>
+        <p:spPr/>
+        <p:txBody>
+          <a:bodyPr/>
+          <a:lstStyle/>
+          <a:p>
+            <a:r>
+              <a:rPr lang="it-IT" dirty="0" err="1" smtClean="0"/>
+              <a:t>We</a:t>
+            </a:r>
+            <a:r>
+              <a:rPr lang="it-IT" dirty="0" smtClean="0"/>
+              <a:t> </a:t>
+            </a:r>
+            <a:r>
+              <a:rPr lang="it-IT" dirty="0" err="1" smtClean="0"/>
+              <a:t>have</a:t>
+            </a:r>
+            <a:r>
+              <a:rPr lang="it-IT" dirty="0" smtClean="0"/>
+              <a:t> </a:t>
+            </a:r>
+            <a:r>
+              <a:rPr lang="it-IT" dirty="0" err="1" smtClean="0"/>
+              <a:t>developed</a:t>
+            </a:r>
+            <a:r>
+              <a:rPr lang="it-IT" dirty="0" smtClean="0"/>
+              <a:t> a </a:t>
+            </a:r>
+            <a:r>
+              <a:rPr lang="it-IT" dirty="0" err="1" smtClean="0"/>
+              <a:t>fully</a:t>
+            </a:r>
+            <a:r>
+              <a:rPr lang="it-IT" dirty="0" smtClean="0"/>
+              <a:t> </a:t>
+            </a:r>
+            <a:r>
+              <a:rPr lang="it-IT" dirty="0" err="1" smtClean="0"/>
+              <a:t>automatic</a:t>
+            </a:r>
+            <a:r>
+              <a:rPr lang="it-IT" dirty="0" smtClean="0"/>
+              <a:t> </a:t>
+            </a:r>
+            <a:r>
+              <a:rPr lang="it-IT" dirty="0" err="1" smtClean="0"/>
+              <a:t>system</a:t>
+            </a:r>
+            <a:r>
+              <a:rPr lang="it-IT" dirty="0" smtClean="0"/>
+              <a:t> </a:t>
+            </a:r>
+            <a:r>
+              <a:rPr lang="it-IT" dirty="0" err="1" smtClean="0"/>
+              <a:t>which</a:t>
+            </a:r>
+            <a:r>
+              <a:rPr lang="it-IT" dirty="0" smtClean="0"/>
+              <a:t> </a:t>
+            </a:r>
+            <a:r>
+              <a:rPr lang="it-IT" dirty="0" err="1" smtClean="0"/>
+              <a:t>enables</a:t>
+            </a:r>
+            <a:r>
+              <a:rPr lang="it-IT" dirty="0" smtClean="0"/>
+              <a:t> </a:t>
+            </a:r>
+            <a:r>
+              <a:rPr lang="it-IT" dirty="0" err="1" smtClean="0"/>
+              <a:t>us</a:t>
+            </a:r>
+            <a:r>
+              <a:rPr lang="it-IT" dirty="0" smtClean="0"/>
+              <a:t> to </a:t>
+            </a:r>
+            <a:r>
+              <a:rPr lang="it-IT" dirty="0" err="1" smtClean="0"/>
+              <a:t>have</a:t>
+            </a:r>
+            <a:r>
+              <a:rPr lang="it-IT" dirty="0" smtClean="0"/>
+              <a:t> a </a:t>
+            </a:r>
+            <a:r>
+              <a:rPr lang="it-IT" dirty="0" err="1" smtClean="0"/>
+              <a:t>one</a:t>
+            </a:r>
+            <a:r>
+              <a:rPr lang="it-IT" dirty="0" smtClean="0"/>
+              <a:t> to </a:t>
+            </a:r>
+            <a:r>
+              <a:rPr lang="it-IT" dirty="0" err="1" smtClean="0"/>
+              <a:t>one</a:t>
+            </a:r>
+            <a:r>
+              <a:rPr lang="it-IT" dirty="0" smtClean="0"/>
+              <a:t> </a:t>
+            </a:r>
+            <a:r>
+              <a:rPr lang="it-IT" dirty="0" err="1" smtClean="0"/>
+              <a:t>correspondence</a:t>
+            </a:r>
+            <a:r>
+              <a:rPr lang="it-IT" dirty="0" smtClean="0"/>
+              <a:t> </a:t>
+            </a:r>
+            <a:r>
+              <a:rPr lang="it-IT" dirty="0" err="1" smtClean="0"/>
+              <a:t>between</a:t>
+            </a:r>
+            <a:r>
+              <a:rPr lang="it-IT" dirty="0" smtClean="0"/>
+              <a:t> the .m and the .html file</a:t>
+            </a:r>
+          </a:p>
+          <a:p>
+            <a:r>
+              <a:rPr lang="it-IT" dirty="0" err="1" smtClean="0"/>
+              <a:t>There</a:t>
+            </a:r>
+            <a:r>
+              <a:rPr lang="it-IT" dirty="0" smtClean="0"/>
+              <a:t> </a:t>
+            </a:r>
+            <a:r>
+              <a:rPr lang="it-IT" dirty="0" err="1" smtClean="0"/>
+              <a:t>is</a:t>
+            </a:r>
+            <a:r>
+              <a:rPr lang="it-IT" dirty="0" smtClean="0"/>
+              <a:t> no </a:t>
+            </a:r>
+            <a:r>
+              <a:rPr lang="it-IT" dirty="0" err="1" smtClean="0"/>
+              <a:t>need</a:t>
+            </a:r>
+            <a:r>
+              <a:rPr lang="it-IT" dirty="0" smtClean="0"/>
+              <a:t> to </a:t>
+            </a:r>
+            <a:r>
+              <a:rPr lang="it-IT" dirty="0" err="1" smtClean="0"/>
+              <a:t>learn</a:t>
+            </a:r>
+            <a:r>
+              <a:rPr lang="it-IT" dirty="0" smtClean="0"/>
+              <a:t> the </a:t>
+            </a:r>
+            <a:r>
+              <a:rPr lang="it-IT" dirty="0" err="1" smtClean="0"/>
+              <a:t>rules</a:t>
+            </a:r>
+            <a:r>
+              <a:rPr lang="it-IT" dirty="0" smtClean="0"/>
+              <a:t> </a:t>
+            </a:r>
+            <a:r>
+              <a:rPr lang="it-IT" dirty="0" err="1" smtClean="0"/>
+              <a:t>which</a:t>
+            </a:r>
+            <a:r>
+              <a:rPr lang="it-IT" dirty="0" smtClean="0"/>
+              <a:t> the input .m file </a:t>
+            </a:r>
+            <a:r>
+              <a:rPr lang="it-IT" dirty="0" err="1" smtClean="0"/>
+              <a:t>has</a:t>
+            </a:r>
+            <a:r>
+              <a:rPr lang="it-IT" dirty="0" smtClean="0"/>
+              <a:t> to </a:t>
+            </a:r>
+            <a:r>
+              <a:rPr lang="it-IT" dirty="0" err="1" smtClean="0"/>
+              <a:t>obey</a:t>
+            </a:r>
+            <a:r>
+              <a:rPr lang="it-IT" dirty="0" smtClean="0"/>
+              <a:t> </a:t>
+            </a:r>
+            <a:r>
+              <a:rPr lang="it-IT" dirty="0" err="1" smtClean="0"/>
+              <a:t>because</a:t>
+            </a:r>
+            <a:r>
+              <a:rPr lang="it-IT" dirty="0" smtClean="0"/>
+              <a:t> </a:t>
+            </a:r>
+            <a:r>
+              <a:rPr lang="it-IT" dirty="0" err="1" smtClean="0"/>
+              <a:t>all</a:t>
+            </a:r>
+            <a:r>
+              <a:rPr lang="it-IT" dirty="0" smtClean="0"/>
+              <a:t> the information can be </a:t>
+            </a:r>
+            <a:r>
+              <a:rPr lang="it-IT" dirty="0" err="1" smtClean="0"/>
+              <a:t>added</a:t>
+            </a:r>
+            <a:r>
+              <a:rPr lang="it-IT" dirty="0" smtClean="0"/>
+              <a:t> </a:t>
+            </a:r>
+            <a:r>
+              <a:rPr lang="it-IT" dirty="0" err="1" smtClean="0"/>
+              <a:t>using</a:t>
+            </a:r>
+            <a:r>
+              <a:rPr lang="it-IT" dirty="0" smtClean="0"/>
+              <a:t> the GUI.</a:t>
+            </a:r>
+          </a:p>
+          <a:p>
+            <a:r>
+              <a:rPr lang="it-IT" dirty="0" smtClean="0"/>
+              <a:t>The </a:t>
+            </a:r>
+            <a:r>
+              <a:rPr lang="it-IT" dirty="0" err="1" smtClean="0"/>
+              <a:t>portability</a:t>
+            </a:r>
+            <a:r>
+              <a:rPr lang="it-IT" dirty="0" smtClean="0"/>
+              <a:t> of .XML </a:t>
+            </a:r>
+            <a:r>
+              <a:rPr lang="it-IT" dirty="0" err="1" smtClean="0"/>
+              <a:t>files</a:t>
+            </a:r>
+            <a:r>
+              <a:rPr lang="it-IT" dirty="0" smtClean="0"/>
+              <a:t> </a:t>
+            </a:r>
+            <a:r>
+              <a:rPr lang="it-IT" dirty="0" err="1" smtClean="0"/>
+              <a:t>guarantees</a:t>
+            </a:r>
+            <a:r>
+              <a:rPr lang="it-IT" dirty="0" smtClean="0"/>
+              <a:t> </a:t>
+            </a:r>
+            <a:r>
+              <a:rPr lang="it-IT" dirty="0" err="1" smtClean="0"/>
+              <a:t>that</a:t>
+            </a:r>
+            <a:r>
+              <a:rPr lang="it-IT" dirty="0" smtClean="0"/>
+              <a:t> the </a:t>
+            </a:r>
+            <a:r>
+              <a:rPr lang="it-IT" dirty="0" err="1" smtClean="0"/>
+              <a:t>documentation</a:t>
+            </a:r>
+            <a:r>
+              <a:rPr lang="it-IT" dirty="0" smtClean="0"/>
+              <a:t> </a:t>
+            </a:r>
+            <a:r>
+              <a:rPr lang="it-IT" dirty="0" err="1" smtClean="0"/>
+              <a:t>produced</a:t>
+            </a:r>
+            <a:r>
+              <a:rPr lang="it-IT" dirty="0" smtClean="0"/>
+              <a:t> can be </a:t>
+            </a:r>
+            <a:r>
+              <a:rPr lang="it-IT" dirty="0" err="1" smtClean="0"/>
+              <a:t>used</a:t>
+            </a:r>
+            <a:r>
+              <a:rPr lang="it-IT" dirty="0" smtClean="0"/>
+              <a:t> in </a:t>
+            </a:r>
+            <a:r>
+              <a:rPr lang="it-IT" dirty="0" err="1" smtClean="0"/>
+              <a:t>any</a:t>
+            </a:r>
+            <a:r>
+              <a:rPr lang="it-IT" dirty="0" smtClean="0"/>
+              <a:t> </a:t>
+            </a:r>
+            <a:r>
+              <a:rPr lang="it-IT" dirty="0" err="1" smtClean="0"/>
+              <a:t>platform</a:t>
+            </a:r>
+            <a:endParaRPr lang="it-IT" dirty="0" smtClean="0"/>
+          </a:p>
+          <a:p>
+            <a:endParaRPr lang="it-IT" dirty="0"/>
+          </a:p>
+        </p:txBody>
+      </p:sp>
+    </p:spTree>
+    <p:extLst>
+      <p:ext uri="{BB962C8B-B14F-4D97-AF65-F5344CB8AC3E}">
+        <p14:creationId xmlns:p14="http://schemas.microsoft.com/office/powerpoint/2010/main" val="2048498408"/>
+      </p:ext>
+    </p:extLst>
+  </p:cSld>
+  <p:clrMapOvr>
+    <a:masterClrMapping/>
+  </p:clrMapOvr>
+  <p:timing>
+    <p:tnLst>
+      <p:par>
+        <p:cTn id="1" dur="indefinite" restart="never" nodeType="tmRoot"/>
+      </p:par>
+    </p:tnLst>
+  </p:timing>
+</p:sld>
+</file>
+
+<file path=ppt/slides/slide4.xml><?xml version="1.0" encoding="utf-8"?>
 <p:sld xmlns:a="http://schemas.openxmlformats.org/drawingml/2006/main" xmlns:r="http://schemas.openxmlformats.org/officeDocument/2006/relationships" xmlns:p="http://schemas.openxmlformats.org/presentationml/2006/main">
   <p:cSld>
     <p:spTree>
@@ -11278,377 +12431,7 @@
 </p:sld>
 </file>
 
-<file path=ppt/slides/slide30.xml><?xml version="1.0" encoding="utf-8"?>
-<p:sld xmlns:a="http://schemas.openxmlformats.org/drawingml/2006/main" xmlns:r="http://schemas.openxmlformats.org/officeDocument/2006/relationships" xmlns:p="http://schemas.openxmlformats.org/presentationml/2006/main">
-  <p:cSld>
-    <p:spTree>
-      <p:nvGrpSpPr>
-        <p:cNvPr id="1" name=""/>
-        <p:cNvGrpSpPr/>
-        <p:nvPr/>
-      </p:nvGrpSpPr>
-      <p:grpSpPr>
-        <a:xfrm>
-          <a:off x="0" y="0"/>
-          <a:ext cx="0" cy="0"/>
-          <a:chOff x="0" y="0"/>
-          <a:chExt cx="0" cy="0"/>
-        </a:xfrm>
-      </p:grpSpPr>
-      <p:sp>
-        <p:nvSpPr>
-          <p:cNvPr id="2" name="Titolo 1"/>
-          <p:cNvSpPr>
-            <a:spLocks noGrp="1"/>
-          </p:cNvSpPr>
-          <p:nvPr>
-            <p:ph type="title"/>
-          </p:nvPr>
-        </p:nvSpPr>
-        <p:spPr/>
-        <p:txBody>
-          <a:bodyPr/>
-          <a:lstStyle/>
-          <a:p>
-            <a:r>
-              <a:rPr lang="it-IT" dirty="0" err="1" smtClean="0"/>
-              <a:t>Conclusions</a:t>
-            </a:r>
-            <a:r>
-              <a:rPr lang="it-IT" dirty="0" smtClean="0"/>
-              <a:t> </a:t>
-            </a:r>
-            <a:endParaRPr lang="it-IT" dirty="0"/>
-          </a:p>
-        </p:txBody>
-      </p:sp>
-      <p:sp>
-        <p:nvSpPr>
-          <p:cNvPr id="3" name="Segnaposto contenuto 2"/>
-          <p:cNvSpPr>
-            <a:spLocks noGrp="1"/>
-          </p:cNvSpPr>
-          <p:nvPr>
-            <p:ph idx="1"/>
-          </p:nvPr>
-        </p:nvSpPr>
-        <p:spPr/>
-        <p:txBody>
-          <a:bodyPr/>
-          <a:lstStyle/>
-          <a:p>
-            <a:r>
-              <a:rPr lang="it-IT" dirty="0" err="1" smtClean="0"/>
-              <a:t>We</a:t>
-            </a:r>
-            <a:r>
-              <a:rPr lang="it-IT" dirty="0" smtClean="0"/>
-              <a:t> </a:t>
-            </a:r>
-            <a:r>
-              <a:rPr lang="it-IT" dirty="0" err="1" smtClean="0"/>
-              <a:t>have</a:t>
-            </a:r>
-            <a:r>
-              <a:rPr lang="it-IT" dirty="0" smtClean="0"/>
-              <a:t> </a:t>
-            </a:r>
-            <a:r>
-              <a:rPr lang="it-IT" dirty="0" err="1" smtClean="0"/>
-              <a:t>developed</a:t>
-            </a:r>
-            <a:r>
-              <a:rPr lang="it-IT" dirty="0" smtClean="0"/>
-              <a:t> a </a:t>
-            </a:r>
-            <a:r>
-              <a:rPr lang="it-IT" dirty="0" err="1" smtClean="0"/>
-              <a:t>fully</a:t>
-            </a:r>
-            <a:r>
-              <a:rPr lang="it-IT" dirty="0" smtClean="0"/>
-              <a:t> </a:t>
-            </a:r>
-            <a:r>
-              <a:rPr lang="it-IT" dirty="0" err="1" smtClean="0"/>
-              <a:t>automatic</a:t>
-            </a:r>
-            <a:r>
-              <a:rPr lang="it-IT" dirty="0" smtClean="0"/>
-              <a:t> </a:t>
-            </a:r>
-            <a:r>
-              <a:rPr lang="it-IT" dirty="0" err="1" smtClean="0"/>
-              <a:t>system</a:t>
-            </a:r>
-            <a:r>
-              <a:rPr lang="it-IT" dirty="0" smtClean="0"/>
-              <a:t> </a:t>
-            </a:r>
-            <a:r>
-              <a:rPr lang="it-IT" dirty="0" err="1" smtClean="0"/>
-              <a:t>which</a:t>
-            </a:r>
-            <a:r>
-              <a:rPr lang="it-IT" dirty="0" smtClean="0"/>
-              <a:t> </a:t>
-            </a:r>
-            <a:r>
-              <a:rPr lang="it-IT" dirty="0" err="1" smtClean="0"/>
-              <a:t>enables</a:t>
-            </a:r>
-            <a:r>
-              <a:rPr lang="it-IT" dirty="0" smtClean="0"/>
-              <a:t> </a:t>
-            </a:r>
-            <a:r>
-              <a:rPr lang="it-IT" dirty="0" err="1" smtClean="0"/>
-              <a:t>us</a:t>
-            </a:r>
-            <a:r>
-              <a:rPr lang="it-IT" dirty="0" smtClean="0"/>
-              <a:t> to </a:t>
-            </a:r>
-            <a:r>
-              <a:rPr lang="it-IT" dirty="0" err="1" smtClean="0"/>
-              <a:t>have</a:t>
-            </a:r>
-            <a:r>
-              <a:rPr lang="it-IT" dirty="0" smtClean="0"/>
-              <a:t> a </a:t>
-            </a:r>
-            <a:r>
-              <a:rPr lang="it-IT" dirty="0" err="1" smtClean="0"/>
-              <a:t>one</a:t>
-            </a:r>
-            <a:r>
-              <a:rPr lang="it-IT" dirty="0" smtClean="0"/>
-              <a:t> to </a:t>
-            </a:r>
-            <a:r>
-              <a:rPr lang="it-IT" dirty="0" err="1" smtClean="0"/>
-              <a:t>one</a:t>
-            </a:r>
-            <a:r>
-              <a:rPr lang="it-IT" dirty="0" smtClean="0"/>
-              <a:t> </a:t>
-            </a:r>
-            <a:r>
-              <a:rPr lang="it-IT" dirty="0" err="1" smtClean="0"/>
-              <a:t>correspondence</a:t>
-            </a:r>
-            <a:r>
-              <a:rPr lang="it-IT" dirty="0" smtClean="0"/>
-              <a:t> </a:t>
-            </a:r>
-            <a:r>
-              <a:rPr lang="it-IT" dirty="0" err="1" smtClean="0"/>
-              <a:t>between</a:t>
-            </a:r>
-            <a:r>
-              <a:rPr lang="it-IT" dirty="0" smtClean="0"/>
-              <a:t> the .m and the .html file</a:t>
-            </a:r>
-          </a:p>
-          <a:p>
-            <a:r>
-              <a:rPr lang="it-IT" dirty="0" err="1" smtClean="0"/>
-              <a:t>There</a:t>
-            </a:r>
-            <a:r>
-              <a:rPr lang="it-IT" dirty="0" smtClean="0"/>
-              <a:t> </a:t>
-            </a:r>
-            <a:r>
-              <a:rPr lang="it-IT" dirty="0" err="1" smtClean="0"/>
-              <a:t>is</a:t>
-            </a:r>
-            <a:r>
-              <a:rPr lang="it-IT" dirty="0" smtClean="0"/>
-              <a:t> no </a:t>
-            </a:r>
-            <a:r>
-              <a:rPr lang="it-IT" dirty="0" err="1" smtClean="0"/>
-              <a:t>need</a:t>
-            </a:r>
-            <a:r>
-              <a:rPr lang="it-IT" dirty="0" smtClean="0"/>
-              <a:t> to </a:t>
-            </a:r>
-            <a:r>
-              <a:rPr lang="it-IT" dirty="0" err="1" smtClean="0"/>
-              <a:t>learn</a:t>
-            </a:r>
-            <a:r>
-              <a:rPr lang="it-IT" dirty="0" smtClean="0"/>
-              <a:t> the </a:t>
-            </a:r>
-            <a:r>
-              <a:rPr lang="it-IT" dirty="0" err="1" smtClean="0"/>
-              <a:t>rules</a:t>
-            </a:r>
-            <a:r>
-              <a:rPr lang="it-IT" dirty="0" smtClean="0"/>
-              <a:t> </a:t>
-            </a:r>
-            <a:r>
-              <a:rPr lang="it-IT" dirty="0" err="1" smtClean="0"/>
-              <a:t>which</a:t>
-            </a:r>
-            <a:r>
-              <a:rPr lang="it-IT" dirty="0" smtClean="0"/>
-              <a:t> the input .m file </a:t>
-            </a:r>
-            <a:r>
-              <a:rPr lang="it-IT" dirty="0" err="1" smtClean="0"/>
-              <a:t>has</a:t>
-            </a:r>
-            <a:r>
-              <a:rPr lang="it-IT" dirty="0" smtClean="0"/>
-              <a:t> to </a:t>
-            </a:r>
-            <a:r>
-              <a:rPr lang="it-IT" dirty="0" err="1" smtClean="0"/>
-              <a:t>obey</a:t>
-            </a:r>
-            <a:r>
-              <a:rPr lang="it-IT" dirty="0" smtClean="0"/>
-              <a:t> </a:t>
-            </a:r>
-            <a:r>
-              <a:rPr lang="it-IT" dirty="0" err="1" smtClean="0"/>
-              <a:t>because</a:t>
-            </a:r>
-            <a:r>
-              <a:rPr lang="it-IT" dirty="0" smtClean="0"/>
-              <a:t> </a:t>
-            </a:r>
-            <a:r>
-              <a:rPr lang="it-IT" dirty="0" err="1" smtClean="0"/>
-              <a:t>all</a:t>
-            </a:r>
-            <a:r>
-              <a:rPr lang="it-IT" dirty="0" smtClean="0"/>
-              <a:t> the information can be </a:t>
-            </a:r>
-            <a:r>
-              <a:rPr lang="it-IT" dirty="0" err="1" smtClean="0"/>
-              <a:t>added</a:t>
-            </a:r>
-            <a:r>
-              <a:rPr lang="it-IT" dirty="0" smtClean="0"/>
-              <a:t> </a:t>
-            </a:r>
-            <a:r>
-              <a:rPr lang="it-IT" dirty="0" err="1" smtClean="0"/>
-              <a:t>using</a:t>
-            </a:r>
-            <a:r>
-              <a:rPr lang="it-IT" dirty="0" smtClean="0"/>
-              <a:t> the GUI.</a:t>
-            </a:r>
-          </a:p>
-          <a:p>
-            <a:r>
-              <a:rPr lang="it-IT" dirty="0" smtClean="0"/>
-              <a:t>The </a:t>
-            </a:r>
-            <a:r>
-              <a:rPr lang="it-IT" dirty="0" err="1" smtClean="0"/>
-              <a:t>portability</a:t>
-            </a:r>
-            <a:r>
-              <a:rPr lang="it-IT" dirty="0" smtClean="0"/>
-              <a:t> of .XML </a:t>
-            </a:r>
-            <a:r>
-              <a:rPr lang="it-IT" dirty="0" err="1" smtClean="0"/>
-              <a:t>files</a:t>
-            </a:r>
-            <a:r>
-              <a:rPr lang="it-IT" dirty="0" smtClean="0"/>
-              <a:t> </a:t>
-            </a:r>
-            <a:r>
-              <a:rPr lang="it-IT" dirty="0" err="1" smtClean="0"/>
-              <a:t>guarantee</a:t>
-            </a:r>
-            <a:r>
-              <a:rPr lang="it-IT" dirty="0" smtClean="0"/>
-              <a:t> </a:t>
-            </a:r>
-            <a:r>
-              <a:rPr lang="it-IT" dirty="0" err="1" smtClean="0"/>
-              <a:t>that</a:t>
-            </a:r>
-            <a:r>
-              <a:rPr lang="it-IT" dirty="0" smtClean="0"/>
-              <a:t> the </a:t>
-            </a:r>
-            <a:r>
-              <a:rPr lang="it-IT" dirty="0" err="1" smtClean="0"/>
-              <a:t>documentation</a:t>
-            </a:r>
-            <a:r>
-              <a:rPr lang="it-IT" dirty="0" smtClean="0"/>
-              <a:t> </a:t>
-            </a:r>
-            <a:r>
-              <a:rPr lang="it-IT" dirty="0" err="1" smtClean="0"/>
-              <a:t>produced</a:t>
-            </a:r>
-            <a:r>
-              <a:rPr lang="it-IT" dirty="0" smtClean="0"/>
-              <a:t> can be </a:t>
-            </a:r>
-            <a:r>
-              <a:rPr lang="it-IT" dirty="0" err="1" smtClean="0"/>
-              <a:t>used</a:t>
-            </a:r>
-            <a:r>
-              <a:rPr lang="it-IT" dirty="0" smtClean="0"/>
-              <a:t> in </a:t>
-            </a:r>
-            <a:r>
-              <a:rPr lang="it-IT" dirty="0" err="1" smtClean="0"/>
-              <a:t>any</a:t>
-            </a:r>
-            <a:r>
-              <a:rPr lang="it-IT" dirty="0" smtClean="0"/>
-              <a:t> </a:t>
-            </a:r>
-            <a:r>
-              <a:rPr lang="it-IT" dirty="0" err="1" smtClean="0"/>
-              <a:t>platform</a:t>
-            </a:r>
-            <a:endParaRPr lang="it-IT" dirty="0" smtClean="0"/>
-          </a:p>
-          <a:p>
-            <a:endParaRPr lang="it-IT" dirty="0"/>
-          </a:p>
-        </p:txBody>
-      </p:sp>
-    </p:spTree>
-    <p:extLst>
-      <p:ext uri="{BB962C8B-B14F-4D97-AF65-F5344CB8AC3E}">
-        <p14:creationId xmlns:p14="http://schemas.microsoft.com/office/powerpoint/2010/main" val="2048498408"/>
-      </p:ext>
-    </p:extLst>
-  </p:cSld>
-  <p:clrMapOvr>
-    <a:masterClrMapping/>
-  </p:clrMapOvr>
-  <p:timing>
-    <p:tnLst>
-      <p:par>
-        <p:cTn id="1" dur="indefinite" restart="never" nodeType="tmRoot"/>
-      </p:par>
-    </p:tnLst>
-  </p:timing>
-</p:sld>
-</file>
-
-<file path=ppt/slides/slide4.xml><?xml version="1.0" encoding="utf-8"?>
+<file path=ppt/slides/slide5.xml><?xml version="1.0" encoding="utf-8"?>
 <p:sld xmlns:a="http://schemas.openxmlformats.org/drawingml/2006/main" xmlns:r="http://schemas.openxmlformats.org/officeDocument/2006/relationships" xmlns:p="http://schemas.openxmlformats.org/presentationml/2006/main">
   <p:cSld>
     <p:spTree>
@@ -11778,7 +12561,7 @@
 </p:sld>
 </file>
 
-<file path=ppt/slides/slide5.xml><?xml version="1.0" encoding="utf-8"?>
+<file path=ppt/slides/slide6.xml><?xml version="1.0" encoding="utf-8"?>
 <p:sld xmlns:a="http://schemas.openxmlformats.org/drawingml/2006/main" xmlns:r="http://schemas.openxmlformats.org/officeDocument/2006/relationships" xmlns:p="http://schemas.openxmlformats.org/presentationml/2006/main">
   <p:cSld>
     <p:spTree>
@@ -12210,7 +12993,7 @@
 </p:sld>
 </file>
 
-<file path=ppt/slides/slide6.xml><?xml version="1.0" encoding="utf-8"?>
+<file path=ppt/slides/slide7.xml><?xml version="1.0" encoding="utf-8"?>
 <p:sld xmlns:a="http://schemas.openxmlformats.org/drawingml/2006/main" xmlns:r="http://schemas.openxmlformats.org/officeDocument/2006/relationships" xmlns:p="http://schemas.openxmlformats.org/presentationml/2006/main">
   <p:cSld>
     <p:spTree>
@@ -12911,7 +13694,7 @@
 </p:sld>
 </file>
 
-<file path=ppt/slides/slide7.xml><?xml version="1.0" encoding="utf-8"?>
+<file path=ppt/slides/slide8.xml><?xml version="1.0" encoding="utf-8"?>
 <p:sld xmlns:a="http://schemas.openxmlformats.org/drawingml/2006/main" xmlns:r="http://schemas.openxmlformats.org/officeDocument/2006/relationships" xmlns:p="http://schemas.openxmlformats.org/presentationml/2006/main">
   <p:cSld>
     <p:spTree>
@@ -13492,7 +14275,7 @@
 </p:sld>
 </file>
 
-<file path=ppt/slides/slide8.xml><?xml version="1.0" encoding="utf-8"?>
+<file path=ppt/slides/slide9.xml><?xml version="1.0" encoding="utf-8"?>
 <p:sld xmlns:a="http://schemas.openxmlformats.org/drawingml/2006/main" xmlns:r="http://schemas.openxmlformats.org/officeDocument/2006/relationships" xmlns:p="http://schemas.openxmlformats.org/presentationml/2006/main">
   <p:cSld>
     <p:spTree>
@@ -14207,669 +14990,6 @@
     <p:extLst>
       <p:ext uri="{BB962C8B-B14F-4D97-AF65-F5344CB8AC3E}">
         <p14:creationId xmlns:p14="http://schemas.microsoft.com/office/powerpoint/2010/main" val="2014834478"/>
-      </p:ext>
-    </p:extLst>
-  </p:cSld>
-  <p:clrMapOvr>
-    <a:masterClrMapping/>
-  </p:clrMapOvr>
-  <p:timing>
-    <p:tnLst>
-      <p:par>
-        <p:cTn id="1" dur="indefinite" restart="never" nodeType="tmRoot"/>
-      </p:par>
-    </p:tnLst>
-  </p:timing>
-</p:sld>
-</file>
-
-<file path=ppt/slides/slide9.xml><?xml version="1.0" encoding="utf-8"?>
-<p:sld xmlns:a="http://schemas.openxmlformats.org/drawingml/2006/main" xmlns:r="http://schemas.openxmlformats.org/officeDocument/2006/relationships" xmlns:p="http://schemas.openxmlformats.org/presentationml/2006/main">
-  <p:cSld>
-    <p:spTree>
-      <p:nvGrpSpPr>
-        <p:cNvPr id="1" name=""/>
-        <p:cNvGrpSpPr/>
-        <p:nvPr/>
-      </p:nvGrpSpPr>
-      <p:grpSpPr>
-        <a:xfrm>
-          <a:off x="0" y="0"/>
-          <a:ext cx="0" cy="0"/>
-          <a:chOff x="0" y="0"/>
-          <a:chExt cx="0" cy="0"/>
-        </a:xfrm>
-      </p:grpSpPr>
-      <p:sp>
-        <p:nvSpPr>
-          <p:cNvPr id="2" name="Titolo 1"/>
-          <p:cNvSpPr>
-            <a:spLocks noGrp="1"/>
-          </p:cNvSpPr>
-          <p:nvPr>
-            <p:ph type="title"/>
-          </p:nvPr>
-        </p:nvSpPr>
-        <p:spPr/>
-        <p:txBody>
-          <a:bodyPr/>
-          <a:lstStyle/>
-          <a:p>
-            <a:r>
-              <a:rPr lang="it-IT" dirty="0" smtClean="0"/>
-              <a:t>File «</a:t>
-            </a:r>
-            <a:r>
-              <a:rPr lang="it-IT" dirty="0" err="1" smtClean="0"/>
-              <a:t>mreadFS.m</a:t>
-            </a:r>
-            <a:r>
-              <a:rPr lang="it-IT" dirty="0" smtClean="0"/>
-              <a:t>»</a:t>
-            </a:r>
-            <a:endParaRPr lang="it-IT" dirty="0"/>
-          </a:p>
-        </p:txBody>
-      </p:sp>
-      <p:sp>
-        <p:nvSpPr>
-          <p:cNvPr id="3" name="Segnaposto contenuto 2"/>
-          <p:cNvSpPr>
-            <a:spLocks noGrp="1"/>
-          </p:cNvSpPr>
-          <p:nvPr>
-            <p:ph idx="1"/>
-          </p:nvPr>
-        </p:nvSpPr>
-        <p:spPr>
-          <a:xfrm>
-            <a:off x="471488" y="1924880"/>
-            <a:ext cx="6241828" cy="6976052"/>
-          </a:xfrm>
-        </p:spPr>
-        <p:txBody>
-          <a:bodyPr>
-            <a:normAutofit fontScale="92500"/>
-          </a:bodyPr>
-          <a:lstStyle/>
-          <a:p>
-            <a:r>
-              <a:rPr lang="it-IT" dirty="0" err="1" smtClean="0"/>
-              <a:t>Transforms</a:t>
-            </a:r>
-            <a:r>
-              <a:rPr lang="it-IT" dirty="0" smtClean="0"/>
-              <a:t> a MATLAB .m file </a:t>
-            </a:r>
-            <a:r>
-              <a:rPr lang="it-IT" dirty="0" err="1" smtClean="0"/>
-              <a:t>into</a:t>
-            </a:r>
-            <a:r>
-              <a:rPr lang="it-IT" dirty="0" smtClean="0"/>
-              <a:t> a MATLAB </a:t>
-            </a:r>
-            <a:r>
-              <a:rPr lang="it-IT" dirty="0" err="1" smtClean="0"/>
-              <a:t>structure</a:t>
-            </a:r>
-            <a:r>
-              <a:rPr lang="it-IT" dirty="0" smtClean="0"/>
-              <a:t> (</a:t>
-            </a:r>
-            <a:r>
-              <a:rPr lang="it-IT" dirty="0" err="1" smtClean="0"/>
-              <a:t>say</a:t>
-            </a:r>
-            <a:r>
-              <a:rPr lang="it-IT" dirty="0" smtClean="0"/>
-              <a:t> out) with the </a:t>
-            </a:r>
-            <a:r>
-              <a:rPr lang="it-IT" dirty="0" err="1" smtClean="0"/>
-              <a:t>following</a:t>
-            </a:r>
-            <a:r>
-              <a:rPr lang="it-IT" dirty="0" smtClean="0"/>
-              <a:t> </a:t>
-            </a:r>
-            <a:r>
-              <a:rPr lang="it-IT" dirty="0" err="1" smtClean="0"/>
-              <a:t>fields</a:t>
-            </a:r>
-            <a:r>
-              <a:rPr lang="it-IT" dirty="0" smtClean="0"/>
-              <a:t>.</a:t>
-            </a:r>
-          </a:p>
-          <a:p>
-            <a:r>
-              <a:rPr lang="it-IT" b="1" dirty="0" err="1" smtClean="0"/>
-              <a:t>out.titl</a:t>
-            </a:r>
-            <a:r>
-              <a:rPr lang="it-IT" dirty="0" smtClean="0"/>
-              <a:t>: </a:t>
-            </a:r>
-            <a:r>
-              <a:rPr lang="it-IT" dirty="0" err="1" smtClean="0"/>
-              <a:t>string</a:t>
-            </a:r>
-            <a:r>
-              <a:rPr lang="it-IT" dirty="0" smtClean="0"/>
-              <a:t> with the tille</a:t>
-            </a:r>
-          </a:p>
-          <a:p>
-            <a:r>
-              <a:rPr lang="it-IT" b="1" dirty="0" err="1"/>
-              <a:t>out.purpose</a:t>
-            </a:r>
-            <a:r>
-              <a:rPr lang="it-IT" dirty="0" smtClean="0"/>
-              <a:t>: </a:t>
-            </a:r>
-            <a:r>
-              <a:rPr lang="it-IT" dirty="0" err="1" smtClean="0"/>
-              <a:t>string</a:t>
-            </a:r>
-            <a:r>
-              <a:rPr lang="it-IT" dirty="0" smtClean="0"/>
-              <a:t> with file </a:t>
-            </a:r>
-            <a:r>
-              <a:rPr lang="it-IT" dirty="0" err="1" smtClean="0"/>
-              <a:t>purpose</a:t>
-            </a:r>
-            <a:endParaRPr lang="it-IT" dirty="0" smtClean="0"/>
-          </a:p>
-          <a:p>
-            <a:r>
-              <a:rPr lang="it-IT" b="1" dirty="0" err="1"/>
-              <a:t>out.description</a:t>
-            </a:r>
-            <a:r>
-              <a:rPr lang="it-IT" dirty="0" smtClean="0"/>
-              <a:t>: </a:t>
-            </a:r>
-            <a:r>
-              <a:rPr lang="it-IT" dirty="0" err="1" smtClean="0"/>
-              <a:t>string</a:t>
-            </a:r>
-            <a:r>
-              <a:rPr lang="it-IT" dirty="0" smtClean="0"/>
-              <a:t> with file </a:t>
-            </a:r>
-            <a:r>
-              <a:rPr lang="it-IT" dirty="0" err="1" smtClean="0"/>
-              <a:t>description</a:t>
-            </a:r>
-            <a:endParaRPr lang="it-IT" dirty="0" smtClean="0"/>
-          </a:p>
-          <a:p>
-            <a:r>
-              <a:rPr lang="it-IT" b="1" dirty="0" err="1"/>
-              <a:t>out.InpArgs</a:t>
-            </a:r>
-            <a:r>
-              <a:rPr lang="it-IT" b="1" dirty="0"/>
-              <a:t>:</a:t>
-            </a:r>
-            <a:r>
-              <a:rPr lang="it-IT" dirty="0" smtClean="0"/>
-              <a:t> </a:t>
-            </a:r>
-            <a:r>
-              <a:rPr lang="it-IT" dirty="0" err="1" smtClean="0"/>
-              <a:t>cell</a:t>
-            </a:r>
-            <a:r>
-              <a:rPr lang="it-IT" dirty="0" smtClean="0"/>
-              <a:t> of </a:t>
-            </a:r>
-            <a:r>
-              <a:rPr lang="it-IT" dirty="0" err="1" smtClean="0"/>
-              <a:t>size</a:t>
-            </a:r>
-            <a:r>
-              <a:rPr lang="it-IT" dirty="0" smtClean="0"/>
-              <a:t> b×8 with «</a:t>
-            </a:r>
-            <a:r>
-              <a:rPr lang="it-IT" dirty="0" err="1" smtClean="0"/>
-              <a:t>Required</a:t>
-            </a:r>
-            <a:r>
-              <a:rPr lang="it-IT" dirty="0" smtClean="0"/>
-              <a:t> Input </a:t>
-            </a:r>
-            <a:r>
-              <a:rPr lang="it-IT" dirty="0" err="1" smtClean="0"/>
-              <a:t>Arguments</a:t>
-            </a:r>
-            <a:r>
-              <a:rPr lang="it-IT" dirty="0" smtClean="0"/>
-              <a:t>» </a:t>
-            </a:r>
-          </a:p>
-          <a:p>
-            <a:r>
-              <a:rPr lang="it-IT" b="1" dirty="0" err="1"/>
-              <a:t>out.OptArgs</a:t>
-            </a:r>
-            <a:r>
-              <a:rPr lang="it-IT" b="1" dirty="0"/>
-              <a:t>:</a:t>
-            </a:r>
-            <a:r>
-              <a:rPr lang="it-IT" dirty="0" smtClean="0"/>
-              <a:t> </a:t>
-            </a:r>
-            <a:r>
-              <a:rPr lang="it-IT" dirty="0" err="1" smtClean="0"/>
-              <a:t>cell</a:t>
-            </a:r>
-            <a:r>
-              <a:rPr lang="it-IT" dirty="0" smtClean="0"/>
-              <a:t> of </a:t>
-            </a:r>
-            <a:r>
-              <a:rPr lang="it-IT" dirty="0" err="1" smtClean="0"/>
-              <a:t>size</a:t>
-            </a:r>
-            <a:r>
-              <a:rPr lang="it-IT" dirty="0" smtClean="0"/>
-              <a:t> c×8 </a:t>
-            </a:r>
-            <a:r>
-              <a:rPr lang="it-IT" dirty="0"/>
-              <a:t>with </a:t>
-            </a:r>
-            <a:r>
-              <a:rPr lang="it-IT" dirty="0" smtClean="0"/>
-              <a:t>«Optional Input </a:t>
-            </a:r>
-            <a:r>
-              <a:rPr lang="it-IT" dirty="0" err="1" smtClean="0"/>
-              <a:t>Arguments</a:t>
-            </a:r>
-            <a:r>
-              <a:rPr lang="it-IT" dirty="0"/>
-              <a:t>» </a:t>
-            </a:r>
-            <a:endParaRPr lang="it-IT" dirty="0" smtClean="0"/>
-          </a:p>
-          <a:p>
-            <a:r>
-              <a:rPr lang="it-IT" b="1" dirty="0" err="1"/>
-              <a:t>out.OutArgs</a:t>
-            </a:r>
-            <a:r>
-              <a:rPr lang="it-IT" b="1" dirty="0" smtClean="0"/>
-              <a:t>: </a:t>
-            </a:r>
-            <a:r>
-              <a:rPr lang="it-IT" dirty="0" err="1" smtClean="0"/>
-              <a:t>cell</a:t>
-            </a:r>
-            <a:r>
-              <a:rPr lang="it-IT" dirty="0" smtClean="0"/>
-              <a:t> </a:t>
-            </a:r>
-            <a:r>
-              <a:rPr lang="it-IT" dirty="0"/>
-              <a:t>of </a:t>
-            </a:r>
-            <a:r>
-              <a:rPr lang="it-IT" dirty="0" err="1"/>
-              <a:t>size</a:t>
-            </a:r>
-            <a:r>
-              <a:rPr lang="it-IT" dirty="0"/>
-              <a:t> d</a:t>
-            </a:r>
-            <a:r>
-              <a:rPr lang="it-IT" dirty="0" smtClean="0"/>
-              <a:t>×8 </a:t>
-            </a:r>
-            <a:r>
-              <a:rPr lang="it-IT" dirty="0"/>
-              <a:t>with </a:t>
-            </a:r>
-            <a:r>
-              <a:rPr lang="it-IT" dirty="0" smtClean="0"/>
-              <a:t>«Output </a:t>
-            </a:r>
-            <a:r>
-              <a:rPr lang="it-IT" dirty="0" err="1" smtClean="0"/>
-              <a:t>Arguments</a:t>
-            </a:r>
-            <a:r>
-              <a:rPr lang="it-IT" dirty="0"/>
-              <a:t>» </a:t>
-            </a:r>
-          </a:p>
-          <a:p>
-            <a:r>
-              <a:rPr lang="it-IT" b="1" dirty="0" err="1"/>
-              <a:t>out.MoreAbout</a:t>
-            </a:r>
-            <a:r>
-              <a:rPr lang="it-IT" dirty="0" smtClean="0"/>
-              <a:t>: </a:t>
-            </a:r>
-            <a:r>
-              <a:rPr lang="it-IT" dirty="0" err="1" smtClean="0"/>
-              <a:t>string</a:t>
-            </a:r>
-            <a:r>
-              <a:rPr lang="it-IT" dirty="0" smtClean="0"/>
-              <a:t> with </a:t>
-            </a:r>
-            <a:r>
-              <a:rPr lang="it-IT" dirty="0" err="1" smtClean="0"/>
-              <a:t>additional</a:t>
-            </a:r>
-            <a:r>
-              <a:rPr lang="it-IT" dirty="0" smtClean="0"/>
-              <a:t> </a:t>
-            </a:r>
-            <a:r>
-              <a:rPr lang="it-IT" dirty="0" err="1" smtClean="0"/>
-              <a:t>theoretical</a:t>
-            </a:r>
-            <a:r>
-              <a:rPr lang="it-IT" dirty="0" smtClean="0"/>
-              <a:t> </a:t>
-            </a:r>
-            <a:r>
-              <a:rPr lang="it-IT" dirty="0" err="1" smtClean="0"/>
-              <a:t>details</a:t>
-            </a:r>
-            <a:endParaRPr lang="it-IT" dirty="0" smtClean="0"/>
-          </a:p>
-          <a:p>
-            <a:r>
-              <a:rPr lang="it-IT" b="1" dirty="0" err="1"/>
-              <a:t>out.Acknowledgements</a:t>
-            </a:r>
-            <a:r>
-              <a:rPr lang="it-IT" dirty="0" smtClean="0"/>
-              <a:t>: </a:t>
-            </a:r>
-            <a:r>
-              <a:rPr lang="it-IT" dirty="0" err="1" smtClean="0"/>
-              <a:t>string</a:t>
-            </a:r>
-            <a:r>
-              <a:rPr lang="it-IT" dirty="0" smtClean="0"/>
-              <a:t> with </a:t>
-            </a:r>
-            <a:r>
-              <a:rPr lang="it-IT" dirty="0" err="1" smtClean="0"/>
-              <a:t>acknowledgements</a:t>
-            </a:r>
-            <a:endParaRPr lang="it-IT" dirty="0" smtClean="0"/>
-          </a:p>
-          <a:p>
-            <a:r>
-              <a:rPr lang="it-IT" b="1" dirty="0" err="1"/>
-              <a:t>out.References</a:t>
-            </a:r>
-            <a:r>
-              <a:rPr lang="it-IT" b="1" dirty="0"/>
-              <a:t>: </a:t>
-            </a:r>
-            <a:r>
-              <a:rPr lang="it-IT" dirty="0" err="1" smtClean="0"/>
-              <a:t>cell</a:t>
-            </a:r>
-            <a:r>
-              <a:rPr lang="it-IT" dirty="0" smtClean="0"/>
-              <a:t> of </a:t>
-            </a:r>
-            <a:r>
-              <a:rPr lang="it-IT" dirty="0" err="1" smtClean="0"/>
-              <a:t>size</a:t>
-            </a:r>
-            <a:r>
-              <a:rPr lang="it-IT" dirty="0" smtClean="0"/>
-              <a:t> f×1 with the </a:t>
-            </a:r>
-            <a:r>
-              <a:rPr lang="it-IT" dirty="0" err="1" smtClean="0"/>
-              <a:t>references</a:t>
-            </a:r>
-            <a:endParaRPr lang="it-IT" dirty="0" smtClean="0"/>
-          </a:p>
-          <a:p>
-            <a:r>
-              <a:rPr lang="it-IT" b="1" dirty="0" err="1"/>
-              <a:t>out.SeeAlso</a:t>
-            </a:r>
-            <a:r>
-              <a:rPr lang="it-IT" b="1" dirty="0"/>
-              <a:t>:</a:t>
-            </a:r>
-            <a:r>
-              <a:rPr lang="it-IT" dirty="0" smtClean="0"/>
-              <a:t> </a:t>
-            </a:r>
-            <a:r>
-              <a:rPr lang="it-IT" dirty="0" err="1" smtClean="0"/>
-              <a:t>cell</a:t>
-            </a:r>
-            <a:r>
-              <a:rPr lang="it-IT" dirty="0" smtClean="0"/>
-              <a:t> of </a:t>
-            </a:r>
-            <a:r>
-              <a:rPr lang="it-IT" dirty="0" err="1" smtClean="0"/>
-              <a:t>size</a:t>
-            </a:r>
-            <a:r>
-              <a:rPr lang="it-IT" dirty="0" smtClean="0"/>
-              <a:t> gx1 with </a:t>
-            </a:r>
-            <a:r>
-              <a:rPr lang="it-IT" dirty="0" err="1" smtClean="0"/>
-              <a:t>connected</a:t>
-            </a:r>
-            <a:r>
-              <a:rPr lang="it-IT" dirty="0" smtClean="0"/>
-              <a:t> MATLAB </a:t>
-            </a:r>
-            <a:r>
-              <a:rPr lang="it-IT" dirty="0" err="1" smtClean="0"/>
-              <a:t>files</a:t>
-            </a:r>
-            <a:endParaRPr lang="it-IT" dirty="0" smtClean="0"/>
-          </a:p>
-          <a:p>
-            <a:r>
-              <a:rPr lang="it-IT" b="1" dirty="0" err="1"/>
-              <a:t>out.Ex</a:t>
-            </a:r>
-            <a:r>
-              <a:rPr lang="it-IT" dirty="0" smtClean="0"/>
-              <a:t>: </a:t>
-            </a:r>
-            <a:r>
-              <a:rPr lang="it-IT" dirty="0" err="1" smtClean="0"/>
-              <a:t>cell</a:t>
-            </a:r>
-            <a:r>
-              <a:rPr lang="it-IT" dirty="0" smtClean="0"/>
-              <a:t> of </a:t>
-            </a:r>
-            <a:r>
-              <a:rPr lang="it-IT" dirty="0" err="1" smtClean="0"/>
-              <a:t>size</a:t>
-            </a:r>
-            <a:r>
-              <a:rPr lang="it-IT" dirty="0" smtClean="0"/>
-              <a:t> hx1 with </a:t>
-            </a:r>
-            <a:r>
-              <a:rPr lang="it-IT" dirty="0" err="1" smtClean="0"/>
-              <a:t>Examples</a:t>
-            </a:r>
-            <a:r>
-              <a:rPr lang="it-IT" dirty="0" smtClean="0"/>
-              <a:t> </a:t>
-            </a:r>
-            <a:endParaRPr lang="it-IT" dirty="0"/>
-          </a:p>
-          <a:p>
-            <a:r>
-              <a:rPr lang="it-IT" b="1" dirty="0" err="1"/>
-              <a:t>out.ExtraEx</a:t>
-            </a:r>
-            <a:r>
-              <a:rPr lang="it-IT" b="1" dirty="0"/>
-              <a:t>:</a:t>
-            </a:r>
-            <a:r>
-              <a:rPr lang="it-IT" dirty="0" smtClean="0"/>
-              <a:t> </a:t>
-            </a:r>
-            <a:r>
-              <a:rPr lang="it-IT" dirty="0" err="1"/>
-              <a:t>cell</a:t>
-            </a:r>
-            <a:r>
-              <a:rPr lang="it-IT" dirty="0"/>
-              <a:t> of </a:t>
-            </a:r>
-            <a:r>
-              <a:rPr lang="it-IT" dirty="0" err="1"/>
-              <a:t>size</a:t>
-            </a:r>
-            <a:r>
-              <a:rPr lang="it-IT" dirty="0"/>
-              <a:t> </a:t>
-            </a:r>
-            <a:r>
-              <a:rPr lang="it-IT" dirty="0" smtClean="0"/>
-              <a:t>lx1 </a:t>
-            </a:r>
-            <a:r>
-              <a:rPr lang="it-IT" dirty="0"/>
-              <a:t>with </a:t>
-            </a:r>
-            <a:r>
-              <a:rPr lang="it-IT" dirty="0" smtClean="0"/>
-              <a:t>Extra </a:t>
-            </a:r>
-            <a:r>
-              <a:rPr lang="it-IT" dirty="0" err="1" smtClean="0"/>
-              <a:t>Examples</a:t>
-            </a:r>
-            <a:endParaRPr lang="it-IT" dirty="0" smtClean="0"/>
-          </a:p>
-          <a:p>
-            <a:r>
-              <a:rPr lang="it-IT" b="1" dirty="0"/>
-              <a:t>out. </a:t>
-            </a:r>
-            <a:r>
-              <a:rPr lang="it-IT" b="1" dirty="0" err="1"/>
-              <a:t>InpArgsMisMatch</a:t>
-            </a:r>
-            <a:r>
-              <a:rPr lang="it-IT" dirty="0" smtClean="0"/>
-              <a:t>: </a:t>
-            </a:r>
-            <a:r>
-              <a:rPr lang="it-IT" dirty="0" err="1" smtClean="0"/>
-              <a:t>eventual</a:t>
-            </a:r>
-            <a:r>
-              <a:rPr lang="it-IT" dirty="0" smtClean="0"/>
-              <a:t> </a:t>
-            </a:r>
-            <a:r>
-              <a:rPr lang="it-IT" dirty="0" err="1" smtClean="0"/>
-              <a:t>mismatch</a:t>
-            </a:r>
-            <a:r>
-              <a:rPr lang="it-IT" dirty="0" smtClean="0"/>
-              <a:t> in </a:t>
-            </a:r>
-            <a:r>
-              <a:rPr lang="it-IT" dirty="0" err="1" smtClean="0"/>
-              <a:t>InpArgs</a:t>
-            </a:r>
-            <a:endParaRPr lang="it-IT" dirty="0" smtClean="0"/>
-          </a:p>
-          <a:p>
-            <a:r>
-              <a:rPr lang="it-IT" b="1" dirty="0" err="1"/>
-              <a:t>out.OutArgsStructMisMatch</a:t>
-            </a:r>
-            <a:r>
-              <a:rPr lang="it-IT" dirty="0" smtClean="0"/>
-              <a:t>: </a:t>
-            </a:r>
-            <a:r>
-              <a:rPr lang="it-IT" dirty="0" err="1"/>
-              <a:t>eventual</a:t>
-            </a:r>
-            <a:r>
-              <a:rPr lang="it-IT" dirty="0"/>
-              <a:t> </a:t>
-            </a:r>
-            <a:r>
-              <a:rPr lang="it-IT" dirty="0" err="1"/>
-              <a:t>mismatch</a:t>
-            </a:r>
-            <a:r>
-              <a:rPr lang="it-IT" dirty="0"/>
-              <a:t> in </a:t>
-            </a:r>
-            <a:r>
-              <a:rPr lang="it-IT" dirty="0" err="1" smtClean="0"/>
-              <a:t>OutArgs</a:t>
-            </a:r>
-            <a:endParaRPr lang="it-IT" dirty="0" smtClean="0"/>
-          </a:p>
-          <a:p>
-            <a:r>
-              <a:rPr lang="it-IT" b="1" dirty="0" err="1"/>
-              <a:t>out.linkHTMLMisMatch</a:t>
-            </a:r>
-            <a:r>
-              <a:rPr lang="it-IT" dirty="0" smtClean="0"/>
-              <a:t>: </a:t>
-            </a:r>
-            <a:r>
-              <a:rPr lang="it-IT" dirty="0" err="1" smtClean="0"/>
-              <a:t>eventual</a:t>
-            </a:r>
-            <a:r>
-              <a:rPr lang="it-IT" dirty="0" smtClean="0"/>
-              <a:t> </a:t>
-            </a:r>
-            <a:r>
-              <a:rPr lang="it-IT" dirty="0" err="1" smtClean="0"/>
-              <a:t>mismatch</a:t>
-            </a:r>
-            <a:r>
-              <a:rPr lang="it-IT" dirty="0" smtClean="0"/>
-              <a:t> in </a:t>
-            </a:r>
-            <a:r>
-              <a:rPr lang="it-IT" dirty="0" err="1" smtClean="0"/>
-              <a:t>links</a:t>
-            </a:r>
-            <a:endParaRPr lang="it-IT" dirty="0"/>
-          </a:p>
-        </p:txBody>
-      </p:sp>
-    </p:spTree>
-    <p:extLst>
-      <p:ext uri="{BB962C8B-B14F-4D97-AF65-F5344CB8AC3E}">
-        <p14:creationId xmlns:p14="http://schemas.microsoft.com/office/powerpoint/2010/main" val="2815801700"/>
       </p:ext>
     </p:extLst>
   </p:cSld>
